--- a/Mullen_Nour_Kelly_Momat_OSPnC/Presentation.pptx
+++ b/Mullen_Nour_Kelly_Momat_OSPnC/Presentation.pptx
@@ -177,7 +177,7 @@
           <a:noFill/>
           <a:extLst>
             <a:ext uri="{909E8E84-426E-40dd-AFC4-6F175D3DCCD1}">
-              <a14:hiddenFill xmlns="" xmlns:a14="http://schemas.microsoft.com/office/drawing/2010/main">
+              <a14:hiddenFill xmlns:a14="http://schemas.microsoft.com/office/drawing/2010/main" xmlns="">
                 <a:solidFill>
                   <a:srgbClr val="FFFFFF"/>
                 </a:solidFill>
@@ -237,7 +237,7 @@
             </a:ln>
             <a:extLst>
               <a:ext uri="{91240B29-F687-4f45-9708-019B960494DF}">
-                <a14:hiddenLine xmlns="" xmlns:a14="http://schemas.microsoft.com/office/drawing/2010/main" w="9525">
+                <a14:hiddenLine xmlns:a14="http://schemas.microsoft.com/office/drawing/2010/main" xmlns="" w="9525">
                   <a:solidFill>
                     <a:srgbClr val="000000"/>
                   </a:solidFill>
@@ -327,7 +327,7 @@
             </a:ln>
             <a:extLst>
               <a:ext uri="{91240B29-F687-4f45-9708-019B960494DF}">
-                <a14:hiddenLine xmlns="" xmlns:a14="http://schemas.microsoft.com/office/drawing/2010/main" w="9525">
+                <a14:hiddenLine xmlns:a14="http://schemas.microsoft.com/office/drawing/2010/main" xmlns="" w="9525">
                   <a:solidFill>
                     <a:srgbClr val="000000"/>
                   </a:solidFill>
@@ -417,7 +417,7 @@
             </a:ln>
             <a:extLst>
               <a:ext uri="{91240B29-F687-4f45-9708-019B960494DF}">
-                <a14:hiddenLine xmlns="" xmlns:a14="http://schemas.microsoft.com/office/drawing/2010/main" w="9525">
+                <a14:hiddenLine xmlns:a14="http://schemas.microsoft.com/office/drawing/2010/main" xmlns="" w="9525">
                   <a:solidFill>
                     <a:srgbClr val="000000"/>
                   </a:solidFill>
@@ -451,7 +451,7 @@
             </a:ln>
             <a:extLst>
               <a:ext uri="{91240B29-F687-4f45-9708-019B960494DF}">
-                <a14:hiddenLine xmlns="" xmlns:a14="http://schemas.microsoft.com/office/drawing/2010/main" w="9525">
+                <a14:hiddenLine xmlns:a14="http://schemas.microsoft.com/office/drawing/2010/main" xmlns="" w="9525">
                   <a:solidFill>
                     <a:srgbClr val="000000"/>
                   </a:solidFill>
@@ -541,7 +541,7 @@
             </a:ln>
             <a:extLst>
               <a:ext uri="{91240B29-F687-4f45-9708-019B960494DF}">
-                <a14:hiddenLine xmlns="" xmlns:a14="http://schemas.microsoft.com/office/drawing/2010/main" w="9525">
+                <a14:hiddenLine xmlns:a14="http://schemas.microsoft.com/office/drawing/2010/main" xmlns="" w="9525">
                   <a:solidFill>
                     <a:srgbClr val="000000"/>
                   </a:solidFill>
@@ -603,7 +603,7 @@
             </a:ln>
             <a:extLst>
               <a:ext uri="{91240B29-F687-4f45-9708-019B960494DF}">
-                <a14:hiddenLine xmlns="" xmlns:a14="http://schemas.microsoft.com/office/drawing/2010/main" w="9525">
+                <a14:hiddenLine xmlns:a14="http://schemas.microsoft.com/office/drawing/2010/main" xmlns="" w="9525">
                   <a:solidFill>
                     <a:srgbClr val="000000"/>
                   </a:solidFill>
@@ -665,7 +665,7 @@
             </a:ln>
             <a:extLst>
               <a:ext uri="{91240B29-F687-4f45-9708-019B960494DF}">
-                <a14:hiddenLine xmlns="" xmlns:a14="http://schemas.microsoft.com/office/drawing/2010/main" w="9525">
+                <a14:hiddenLine xmlns:a14="http://schemas.microsoft.com/office/drawing/2010/main" xmlns="" w="9525">
                   <a:solidFill>
                     <a:srgbClr val="000000"/>
                   </a:solidFill>
@@ -755,7 +755,7 @@
             </a:ln>
             <a:extLst>
               <a:ext uri="{91240B29-F687-4f45-9708-019B960494DF}">
-                <a14:hiddenLine xmlns="" xmlns:a14="http://schemas.microsoft.com/office/drawing/2010/main" w="9525">
+                <a14:hiddenLine xmlns:a14="http://schemas.microsoft.com/office/drawing/2010/main" xmlns="" w="9525">
                   <a:solidFill>
                     <a:srgbClr val="000000"/>
                   </a:solidFill>
@@ -817,7 +817,7 @@
             </a:ln>
             <a:extLst>
               <a:ext uri="{91240B29-F687-4f45-9708-019B960494DF}">
-                <a14:hiddenLine xmlns="" xmlns:a14="http://schemas.microsoft.com/office/drawing/2010/main" w="9525">
+                <a14:hiddenLine xmlns:a14="http://schemas.microsoft.com/office/drawing/2010/main" xmlns="" w="9525">
                   <a:solidFill>
                     <a:srgbClr val="000000"/>
                   </a:solidFill>
@@ -879,7 +879,7 @@
             </a:ln>
             <a:extLst>
               <a:ext uri="{91240B29-F687-4f45-9708-019B960494DF}">
-                <a14:hiddenLine xmlns="" xmlns:a14="http://schemas.microsoft.com/office/drawing/2010/main" w="9525">
+                <a14:hiddenLine xmlns:a14="http://schemas.microsoft.com/office/drawing/2010/main" xmlns="" w="9525">
                   <a:solidFill>
                     <a:srgbClr val="000000"/>
                   </a:solidFill>
@@ -969,7 +969,7 @@
             </a:ln>
             <a:extLst>
               <a:ext uri="{91240B29-F687-4f45-9708-019B960494DF}">
-                <a14:hiddenLine xmlns="" xmlns:a14="http://schemas.microsoft.com/office/drawing/2010/main" w="9525">
+                <a14:hiddenLine xmlns:a14="http://schemas.microsoft.com/office/drawing/2010/main" xmlns="" w="9525">
                   <a:solidFill>
                     <a:srgbClr val="000000"/>
                   </a:solidFill>
@@ -1059,7 +1059,7 @@
             </a:ln>
             <a:extLst>
               <a:ext uri="{91240B29-F687-4f45-9708-019B960494DF}">
-                <a14:hiddenLine xmlns="" xmlns:a14="http://schemas.microsoft.com/office/drawing/2010/main" w="9525">
+                <a14:hiddenLine xmlns:a14="http://schemas.microsoft.com/office/drawing/2010/main" xmlns="" w="9525">
                   <a:solidFill>
                     <a:srgbClr val="000000"/>
                   </a:solidFill>
@@ -1121,7 +1121,7 @@
             </a:ln>
             <a:extLst>
               <a:ext uri="{91240B29-F687-4f45-9708-019B960494DF}">
-                <a14:hiddenLine xmlns="" xmlns:a14="http://schemas.microsoft.com/office/drawing/2010/main" w="9525">
+                <a14:hiddenLine xmlns:a14="http://schemas.microsoft.com/office/drawing/2010/main" xmlns="" w="9525">
                   <a:solidFill>
                     <a:srgbClr val="000000"/>
                   </a:solidFill>
@@ -1231,7 +1231,7 @@
             </a:ln>
             <a:extLst>
               <a:ext uri="{91240B29-F687-4f45-9708-019B960494DF}">
-                <a14:hiddenLine xmlns="" xmlns:a14="http://schemas.microsoft.com/office/drawing/2010/main" w="9525">
+                <a14:hiddenLine xmlns:a14="http://schemas.microsoft.com/office/drawing/2010/main" xmlns="" w="9525">
                   <a:solidFill>
                     <a:srgbClr val="000000"/>
                   </a:solidFill>
@@ -1293,7 +1293,7 @@
             </a:ln>
             <a:extLst>
               <a:ext uri="{91240B29-F687-4f45-9708-019B960494DF}">
-                <a14:hiddenLine xmlns="" xmlns:a14="http://schemas.microsoft.com/office/drawing/2010/main" w="9525">
+                <a14:hiddenLine xmlns:a14="http://schemas.microsoft.com/office/drawing/2010/main" xmlns="" w="9525">
                   <a:solidFill>
                     <a:srgbClr val="000000"/>
                   </a:solidFill>
@@ -1383,7 +1383,7 @@
             </a:ln>
             <a:extLst>
               <a:ext uri="{91240B29-F687-4f45-9708-019B960494DF}">
-                <a14:hiddenLine xmlns="" xmlns:a14="http://schemas.microsoft.com/office/drawing/2010/main" w="9525">
+                <a14:hiddenLine xmlns:a14="http://schemas.microsoft.com/office/drawing/2010/main" xmlns="" w="9525">
                   <a:solidFill>
                     <a:srgbClr val="000000"/>
                   </a:solidFill>
@@ -1473,7 +1473,7 @@
             </a:ln>
             <a:extLst>
               <a:ext uri="{91240B29-F687-4f45-9708-019B960494DF}">
-                <a14:hiddenLine xmlns="" xmlns:a14="http://schemas.microsoft.com/office/drawing/2010/main" w="9525">
+                <a14:hiddenLine xmlns:a14="http://schemas.microsoft.com/office/drawing/2010/main" xmlns="" w="9525">
                   <a:solidFill>
                     <a:srgbClr val="000000"/>
                   </a:solidFill>
@@ -1535,7 +1535,7 @@
             </a:ln>
             <a:extLst>
               <a:ext uri="{91240B29-F687-4f45-9708-019B960494DF}">
-                <a14:hiddenLine xmlns="" xmlns:a14="http://schemas.microsoft.com/office/drawing/2010/main" w="9525">
+                <a14:hiddenLine xmlns:a14="http://schemas.microsoft.com/office/drawing/2010/main" xmlns="" w="9525">
                   <a:solidFill>
                     <a:srgbClr val="000000"/>
                   </a:solidFill>
@@ -1625,7 +1625,7 @@
             </a:ln>
             <a:extLst>
               <a:ext uri="{91240B29-F687-4f45-9708-019B960494DF}">
-                <a14:hiddenLine xmlns="" xmlns:a14="http://schemas.microsoft.com/office/drawing/2010/main" w="9525">
+                <a14:hiddenLine xmlns:a14="http://schemas.microsoft.com/office/drawing/2010/main" xmlns="" w="9525">
                   <a:solidFill>
                     <a:srgbClr val="000000"/>
                   </a:solidFill>
@@ -1715,7 +1715,7 @@
             </a:ln>
             <a:extLst>
               <a:ext uri="{91240B29-F687-4f45-9708-019B960494DF}">
-                <a14:hiddenLine xmlns="" xmlns:a14="http://schemas.microsoft.com/office/drawing/2010/main" w="9525">
+                <a14:hiddenLine xmlns:a14="http://schemas.microsoft.com/office/drawing/2010/main" xmlns="" w="9525">
                   <a:solidFill>
                     <a:srgbClr val="000000"/>
                   </a:solidFill>
@@ -1771,7 +1771,7 @@
             </a:ln>
             <a:extLst>
               <a:ext uri="{91240B29-F687-4f45-9708-019B960494DF}">
-                <a14:hiddenLine xmlns="" xmlns:a14="http://schemas.microsoft.com/office/drawing/2010/main" w="9525">
+                <a14:hiddenLine xmlns:a14="http://schemas.microsoft.com/office/drawing/2010/main" xmlns="" w="9525">
                   <a:solidFill>
                     <a:srgbClr val="000000"/>
                   </a:solidFill>
@@ -1861,7 +1861,7 @@
             </a:ln>
             <a:extLst>
               <a:ext uri="{91240B29-F687-4f45-9708-019B960494DF}">
-                <a14:hiddenLine xmlns="" xmlns:a14="http://schemas.microsoft.com/office/drawing/2010/main" w="9525">
+                <a14:hiddenLine xmlns:a14="http://schemas.microsoft.com/office/drawing/2010/main" xmlns="" w="9525">
                   <a:solidFill>
                     <a:srgbClr val="000000"/>
                   </a:solidFill>
@@ -1917,7 +1917,7 @@
             </a:ln>
             <a:extLst>
               <a:ext uri="{91240B29-F687-4f45-9708-019B960494DF}">
-                <a14:hiddenLine xmlns="" xmlns:a14="http://schemas.microsoft.com/office/drawing/2010/main" w="9525">
+                <a14:hiddenLine xmlns:a14="http://schemas.microsoft.com/office/drawing/2010/main" xmlns="" w="9525">
                   <a:solidFill>
                     <a:srgbClr val="000000"/>
                   </a:solidFill>
@@ -2007,7 +2007,7 @@
             </a:ln>
             <a:extLst>
               <a:ext uri="{91240B29-F687-4f45-9708-019B960494DF}">
-                <a14:hiddenLine xmlns="" xmlns:a14="http://schemas.microsoft.com/office/drawing/2010/main" w="9525">
+                <a14:hiddenLine xmlns:a14="http://schemas.microsoft.com/office/drawing/2010/main" xmlns="" w="9525">
                   <a:solidFill>
                     <a:srgbClr val="000000"/>
                   </a:solidFill>
@@ -2075,7 +2075,7 @@
             </a:ln>
             <a:extLst>
               <a:ext uri="{91240B29-F687-4f45-9708-019B960494DF}">
-                <a14:hiddenLine xmlns="" xmlns:a14="http://schemas.microsoft.com/office/drawing/2010/main" w="9525">
+                <a14:hiddenLine xmlns:a14="http://schemas.microsoft.com/office/drawing/2010/main" xmlns="" w="9525">
                   <a:solidFill>
                     <a:srgbClr val="000000"/>
                   </a:solidFill>
@@ -2165,7 +2165,7 @@
             </a:ln>
             <a:extLst>
               <a:ext uri="{91240B29-F687-4f45-9708-019B960494DF}">
-                <a14:hiddenLine xmlns="" xmlns:a14="http://schemas.microsoft.com/office/drawing/2010/main" w="9525">
+                <a14:hiddenLine xmlns:a14="http://schemas.microsoft.com/office/drawing/2010/main" xmlns="" w="9525">
                   <a:solidFill>
                     <a:srgbClr val="000000"/>
                   </a:solidFill>
@@ -2233,7 +2233,7 @@
             </a:ln>
             <a:extLst>
               <a:ext uri="{91240B29-F687-4f45-9708-019B960494DF}">
-                <a14:hiddenLine xmlns="" xmlns:a14="http://schemas.microsoft.com/office/drawing/2010/main" w="9525">
+                <a14:hiddenLine xmlns:a14="http://schemas.microsoft.com/office/drawing/2010/main" xmlns="" w="9525">
                   <a:solidFill>
                     <a:srgbClr val="000000"/>
                   </a:solidFill>
@@ -2323,7 +2323,7 @@
             </a:ln>
             <a:extLst>
               <a:ext uri="{91240B29-F687-4f45-9708-019B960494DF}">
-                <a14:hiddenLine xmlns="" xmlns:a14="http://schemas.microsoft.com/office/drawing/2010/main" w="9525">
+                <a14:hiddenLine xmlns:a14="http://schemas.microsoft.com/office/drawing/2010/main" xmlns="" w="9525">
                   <a:solidFill>
                     <a:srgbClr val="000000"/>
                   </a:solidFill>
@@ -2357,7 +2357,7 @@
             </a:ln>
             <a:extLst>
               <a:ext uri="{91240B29-F687-4f45-9708-019B960494DF}">
-                <a14:hiddenLine xmlns="" xmlns:a14="http://schemas.microsoft.com/office/drawing/2010/main" w="9525">
+                <a14:hiddenLine xmlns:a14="http://schemas.microsoft.com/office/drawing/2010/main" xmlns="" w="9525">
                   <a:solidFill>
                     <a:srgbClr val="000000"/>
                   </a:solidFill>
@@ -2447,7 +2447,7 @@
             </a:ln>
             <a:extLst>
               <a:ext uri="{91240B29-F687-4f45-9708-019B960494DF}">
-                <a14:hiddenLine xmlns="" xmlns:a14="http://schemas.microsoft.com/office/drawing/2010/main" w="9525">
+                <a14:hiddenLine xmlns:a14="http://schemas.microsoft.com/office/drawing/2010/main" xmlns="" w="9525">
                   <a:solidFill>
                     <a:srgbClr val="000000"/>
                   </a:solidFill>
@@ -2509,7 +2509,7 @@
             </a:ln>
             <a:extLst>
               <a:ext uri="{91240B29-F687-4f45-9708-019B960494DF}">
-                <a14:hiddenLine xmlns="" xmlns:a14="http://schemas.microsoft.com/office/drawing/2010/main" w="9525">
+                <a14:hiddenLine xmlns:a14="http://schemas.microsoft.com/office/drawing/2010/main" xmlns="" w="9525">
                   <a:solidFill>
                     <a:srgbClr val="000000"/>
                   </a:solidFill>
@@ -2571,7 +2571,7 @@
             </a:ln>
             <a:extLst>
               <a:ext uri="{91240B29-F687-4f45-9708-019B960494DF}">
-                <a14:hiddenLine xmlns="" xmlns:a14="http://schemas.microsoft.com/office/drawing/2010/main" w="9525">
+                <a14:hiddenLine xmlns:a14="http://schemas.microsoft.com/office/drawing/2010/main" xmlns="" w="9525">
                   <a:solidFill>
                     <a:srgbClr val="000000"/>
                   </a:solidFill>
@@ -2661,7 +2661,7 @@
             </a:ln>
             <a:extLst>
               <a:ext uri="{91240B29-F687-4f45-9708-019B960494DF}">
-                <a14:hiddenLine xmlns="" xmlns:a14="http://schemas.microsoft.com/office/drawing/2010/main" w="9525">
+                <a14:hiddenLine xmlns:a14="http://schemas.microsoft.com/office/drawing/2010/main" xmlns="" w="9525">
                   <a:solidFill>
                     <a:srgbClr val="000000"/>
                   </a:solidFill>
@@ -2729,7 +2729,7 @@
             </a:ln>
             <a:extLst>
               <a:ext uri="{91240B29-F687-4f45-9708-019B960494DF}">
-                <a14:hiddenLine xmlns="" xmlns:a14="http://schemas.microsoft.com/office/drawing/2010/main" w="9525">
+                <a14:hiddenLine xmlns:a14="http://schemas.microsoft.com/office/drawing/2010/main" xmlns="" w="9525">
                   <a:solidFill>
                     <a:srgbClr val="000000"/>
                   </a:solidFill>
@@ -2791,7 +2791,7 @@
             </a:ln>
             <a:extLst>
               <a:ext uri="{91240B29-F687-4f45-9708-019B960494DF}">
-                <a14:hiddenLine xmlns="" xmlns:a14="http://schemas.microsoft.com/office/drawing/2010/main" w="9525">
+                <a14:hiddenLine xmlns:a14="http://schemas.microsoft.com/office/drawing/2010/main" xmlns="" w="9525">
                   <a:solidFill>
                     <a:srgbClr val="000000"/>
                   </a:solidFill>
@@ -2881,7 +2881,7 @@
             </a:ln>
             <a:extLst>
               <a:ext uri="{91240B29-F687-4f45-9708-019B960494DF}">
-                <a14:hiddenLine xmlns="" xmlns:a14="http://schemas.microsoft.com/office/drawing/2010/main" w="9525">
+                <a14:hiddenLine xmlns:a14="http://schemas.microsoft.com/office/drawing/2010/main" xmlns="" w="9525">
                   <a:solidFill>
                     <a:srgbClr val="000000"/>
                   </a:solidFill>
@@ -2943,7 +2943,7 @@
             </a:ln>
             <a:extLst>
               <a:ext uri="{91240B29-F687-4f45-9708-019B960494DF}">
-                <a14:hiddenLine xmlns="" xmlns:a14="http://schemas.microsoft.com/office/drawing/2010/main" w="9525">
+                <a14:hiddenLine xmlns:a14="http://schemas.microsoft.com/office/drawing/2010/main" xmlns="" w="9525">
                   <a:solidFill>
                     <a:srgbClr val="000000"/>
                   </a:solidFill>
@@ -3033,7 +3033,7 @@
             </a:ln>
             <a:extLst>
               <a:ext uri="{91240B29-F687-4f45-9708-019B960494DF}">
-                <a14:hiddenLine xmlns="" xmlns:a14="http://schemas.microsoft.com/office/drawing/2010/main" w="9525">
+                <a14:hiddenLine xmlns:a14="http://schemas.microsoft.com/office/drawing/2010/main" xmlns="" w="9525">
                   <a:solidFill>
                     <a:srgbClr val="000000"/>
                   </a:solidFill>
@@ -3095,7 +3095,7 @@
             </a:ln>
             <a:extLst>
               <a:ext uri="{91240B29-F687-4f45-9708-019B960494DF}">
-                <a14:hiddenLine xmlns="" xmlns:a14="http://schemas.microsoft.com/office/drawing/2010/main" w="9525">
+                <a14:hiddenLine xmlns:a14="http://schemas.microsoft.com/office/drawing/2010/main" xmlns="" w="9525">
                   <a:solidFill>
                     <a:srgbClr val="000000"/>
                   </a:solidFill>
@@ -3185,7 +3185,7 @@
             </a:ln>
             <a:extLst>
               <a:ext uri="{91240B29-F687-4f45-9708-019B960494DF}">
-                <a14:hiddenLine xmlns="" xmlns:a14="http://schemas.microsoft.com/office/drawing/2010/main" w="9525">
+                <a14:hiddenLine xmlns:a14="http://schemas.microsoft.com/office/drawing/2010/main" xmlns="" w="9525">
                   <a:solidFill>
                     <a:srgbClr val="000000"/>
                   </a:solidFill>
@@ -3219,7 +3219,7 @@
             </a:ln>
             <a:extLst>
               <a:ext uri="{91240B29-F687-4f45-9708-019B960494DF}">
-                <a14:hiddenLine xmlns="" xmlns:a14="http://schemas.microsoft.com/office/drawing/2010/main" w="9525">
+                <a14:hiddenLine xmlns:a14="http://schemas.microsoft.com/office/drawing/2010/main" xmlns="" w="9525">
                   <a:solidFill>
                     <a:srgbClr val="000000"/>
                   </a:solidFill>
@@ -3284,7 +3284,7 @@
             </a:ln>
             <a:extLst>
               <a:ext uri="{91240B29-F687-4f45-9708-019B960494DF}">
-                <a14:hiddenLine xmlns="" xmlns:a14="http://schemas.microsoft.com/office/drawing/2010/main" w="9525">
+                <a14:hiddenLine xmlns:a14="http://schemas.microsoft.com/office/drawing/2010/main" xmlns="" w="9525">
                   <a:solidFill>
                     <a:srgbClr val="000000"/>
                   </a:solidFill>
@@ -3374,7 +3374,7 @@
             </a:ln>
             <a:extLst>
               <a:ext uri="{91240B29-F687-4f45-9708-019B960494DF}">
-                <a14:hiddenLine xmlns="" xmlns:a14="http://schemas.microsoft.com/office/drawing/2010/main" w="9525">
+                <a14:hiddenLine xmlns:a14="http://schemas.microsoft.com/office/drawing/2010/main" xmlns="" w="9525">
                   <a:solidFill>
                     <a:srgbClr val="000000"/>
                   </a:solidFill>
@@ -3436,7 +3436,7 @@
             </a:ln>
             <a:extLst>
               <a:ext uri="{91240B29-F687-4f45-9708-019B960494DF}">
-                <a14:hiddenLine xmlns="" xmlns:a14="http://schemas.microsoft.com/office/drawing/2010/main" w="9525">
+                <a14:hiddenLine xmlns:a14="http://schemas.microsoft.com/office/drawing/2010/main" xmlns="" w="9525">
                   <a:solidFill>
                     <a:srgbClr val="000000"/>
                   </a:solidFill>
@@ -3526,7 +3526,7 @@
             </a:ln>
             <a:extLst>
               <a:ext uri="{91240B29-F687-4f45-9708-019B960494DF}">
-                <a14:hiddenLine xmlns="" xmlns:a14="http://schemas.microsoft.com/office/drawing/2010/main" w="9525">
+                <a14:hiddenLine xmlns:a14="http://schemas.microsoft.com/office/drawing/2010/main" xmlns="" w="9525">
                   <a:solidFill>
                     <a:srgbClr val="000000"/>
                   </a:solidFill>
@@ -3616,7 +3616,7 @@
             </a:ln>
             <a:extLst>
               <a:ext uri="{91240B29-F687-4f45-9708-019B960494DF}">
-                <a14:hiddenLine xmlns="" xmlns:a14="http://schemas.microsoft.com/office/drawing/2010/main" w="9525">
+                <a14:hiddenLine xmlns:a14="http://schemas.microsoft.com/office/drawing/2010/main" xmlns="" w="9525">
                   <a:solidFill>
                     <a:srgbClr val="000000"/>
                   </a:solidFill>
@@ -3681,7 +3681,7 @@
             </a:ln>
             <a:extLst>
               <a:ext uri="{91240B29-F687-4f45-9708-019B960494DF}">
-                <a14:hiddenLine xmlns="" xmlns:a14="http://schemas.microsoft.com/office/drawing/2010/main" w="9525">
+                <a14:hiddenLine xmlns:a14="http://schemas.microsoft.com/office/drawing/2010/main" xmlns="" w="9525">
                   <a:solidFill>
                     <a:srgbClr val="000000"/>
                   </a:solidFill>
@@ -3743,7 +3743,7 @@
             </a:ln>
             <a:extLst>
               <a:ext uri="{91240B29-F687-4f45-9708-019B960494DF}">
-                <a14:hiddenLine xmlns="" xmlns:a14="http://schemas.microsoft.com/office/drawing/2010/main" w="9525">
+                <a14:hiddenLine xmlns:a14="http://schemas.microsoft.com/office/drawing/2010/main" xmlns="" w="9525">
                   <a:solidFill>
                     <a:srgbClr val="000000"/>
                   </a:solidFill>
@@ -3833,7 +3833,7 @@
             </a:ln>
             <a:extLst>
               <a:ext uri="{91240B29-F687-4f45-9708-019B960494DF}">
-                <a14:hiddenLine xmlns="" xmlns:a14="http://schemas.microsoft.com/office/drawing/2010/main" w="9525">
+                <a14:hiddenLine xmlns:a14="http://schemas.microsoft.com/office/drawing/2010/main" xmlns="" w="9525">
                   <a:solidFill>
                     <a:srgbClr val="000000"/>
                   </a:solidFill>
@@ -3923,7 +3923,7 @@
             </a:ln>
             <a:extLst>
               <a:ext uri="{91240B29-F687-4f45-9708-019B960494DF}">
-                <a14:hiddenLine xmlns="" xmlns:a14="http://schemas.microsoft.com/office/drawing/2010/main" w="9525">
+                <a14:hiddenLine xmlns:a14="http://schemas.microsoft.com/office/drawing/2010/main" xmlns="" w="9525">
                   <a:solidFill>
                     <a:srgbClr val="000000"/>
                   </a:solidFill>
@@ -3985,7 +3985,7 @@
             </a:ln>
             <a:extLst>
               <a:ext uri="{91240B29-F687-4f45-9708-019B960494DF}">
-                <a14:hiddenLine xmlns="" xmlns:a14="http://schemas.microsoft.com/office/drawing/2010/main" w="9525">
+                <a14:hiddenLine xmlns:a14="http://schemas.microsoft.com/office/drawing/2010/main" xmlns="" w="9525">
                   <a:solidFill>
                     <a:srgbClr val="000000"/>
                   </a:solidFill>
@@ -4105,7 +4105,7 @@
             </a:ln>
             <a:extLst>
               <a:ext uri="{91240B29-F687-4f45-9708-019B960494DF}">
-                <a14:hiddenLine xmlns="" xmlns:a14="http://schemas.microsoft.com/office/drawing/2010/main" w="9525">
+                <a14:hiddenLine xmlns:a14="http://schemas.microsoft.com/office/drawing/2010/main" xmlns="" w="9525">
                   <a:solidFill>
                     <a:srgbClr val="000000"/>
                   </a:solidFill>
@@ -4173,7 +4173,7 @@
             </a:ln>
             <a:extLst>
               <a:ext uri="{91240B29-F687-4f45-9708-019B960494DF}">
-                <a14:hiddenLine xmlns="" xmlns:a14="http://schemas.microsoft.com/office/drawing/2010/main" w="9525">
+                <a14:hiddenLine xmlns:a14="http://schemas.microsoft.com/office/drawing/2010/main" xmlns="" w="9525">
                   <a:solidFill>
                     <a:srgbClr val="000000"/>
                   </a:solidFill>
@@ -4263,7 +4263,7 @@
             </a:ln>
             <a:extLst>
               <a:ext uri="{91240B29-F687-4f45-9708-019B960494DF}">
-                <a14:hiddenLine xmlns="" xmlns:a14="http://schemas.microsoft.com/office/drawing/2010/main" w="9525">
+                <a14:hiddenLine xmlns:a14="http://schemas.microsoft.com/office/drawing/2010/main" xmlns="" w="9525">
                   <a:solidFill>
                     <a:srgbClr val="000000"/>
                   </a:solidFill>
@@ -4403,7 +4403,7 @@
           <a:p>
             <a:fld id="{48A87A34-81AB-432B-8DAE-1953F412C126}" type="datetimeFigureOut">
               <a:rPr lang="en-US" dirty="0"/>
-              <a:t>4/24/24</a:t>
+              <a:t>4/25/24</a:t>
             </a:fld>
             <a:endParaRPr lang="en-US" dirty="0"/>
           </a:p>
@@ -4665,7 +4665,7 @@
           <a:p>
             <a:fld id="{48A87A34-81AB-432B-8DAE-1953F412C126}" type="datetimeFigureOut">
               <a:rPr lang="en-US" dirty="0"/>
-              <a:t>4/24/24</a:t>
+              <a:t>4/25/24</a:t>
             </a:fld>
             <a:endParaRPr lang="en-US" dirty="0"/>
           </a:p>
@@ -4856,7 +4856,7 @@
           <a:p>
             <a:fld id="{48A87A34-81AB-432B-8DAE-1953F412C126}" type="datetimeFigureOut">
               <a:rPr lang="en-US" dirty="0"/>
-              <a:t>4/24/24</a:t>
+              <a:t>4/25/24</a:t>
             </a:fld>
             <a:endParaRPr lang="en-US" dirty="0"/>
           </a:p>
@@ -5114,7 +5114,7 @@
           <a:p>
             <a:fld id="{48A87A34-81AB-432B-8DAE-1953F412C126}" type="datetimeFigureOut">
               <a:rPr lang="en-US" dirty="0"/>
-              <a:t>4/24/24</a:t>
+              <a:t>4/25/24</a:t>
             </a:fld>
             <a:endParaRPr lang="en-US" dirty="0"/>
           </a:p>
@@ -5543,7 +5543,7 @@
           <a:p>
             <a:fld id="{48A87A34-81AB-432B-8DAE-1953F412C126}" type="datetimeFigureOut">
               <a:rPr lang="en-US" dirty="0"/>
-              <a:t>4/24/24</a:t>
+              <a:t>4/25/24</a:t>
             </a:fld>
             <a:endParaRPr lang="en-US" dirty="0"/>
           </a:p>
@@ -6084,7 +6084,7 @@
           <a:p>
             <a:fld id="{48A87A34-81AB-432B-8DAE-1953F412C126}" type="datetimeFigureOut">
               <a:rPr lang="en-US" dirty="0"/>
-              <a:t>4/24/24</a:t>
+              <a:t>4/25/24</a:t>
             </a:fld>
             <a:endParaRPr lang="en-US" dirty="0"/>
           </a:p>
@@ -6799,7 +6799,7 @@
           <a:p>
             <a:fld id="{48A87A34-81AB-432B-8DAE-1953F412C126}" type="datetimeFigureOut">
               <a:rPr lang="en-US" dirty="0"/>
-              <a:t>4/24/24</a:t>
+              <a:t>4/25/24</a:t>
             </a:fld>
             <a:endParaRPr lang="en-US" dirty="0"/>
           </a:p>
@@ -6964,7 +6964,7 @@
           <a:p>
             <a:fld id="{48A87A34-81AB-432B-8DAE-1953F412C126}" type="datetimeFigureOut">
               <a:rPr lang="en-US" dirty="0"/>
-              <a:t>4/24/24</a:t>
+              <a:t>4/25/24</a:t>
             </a:fld>
             <a:endParaRPr lang="en-US" dirty="0"/>
           </a:p>
@@ -7139,7 +7139,7 @@
           <a:p>
             <a:fld id="{48A87A34-81AB-432B-8DAE-1953F412C126}" type="datetimeFigureOut">
               <a:rPr lang="en-US" dirty="0"/>
-              <a:t>4/24/24</a:t>
+              <a:t>4/25/24</a:t>
             </a:fld>
             <a:endParaRPr lang="en-US" dirty="0"/>
           </a:p>
@@ -7304,7 +7304,7 @@
           <a:p>
             <a:fld id="{48A87A34-81AB-432B-8DAE-1953F412C126}" type="datetimeFigureOut">
               <a:rPr lang="en-US" dirty="0"/>
-              <a:t>4/24/24</a:t>
+              <a:t>4/25/24</a:t>
             </a:fld>
             <a:endParaRPr lang="en-US" dirty="0"/>
           </a:p>
@@ -7549,7 +7549,7 @@
           <a:p>
             <a:fld id="{48A87A34-81AB-432B-8DAE-1953F412C126}" type="datetimeFigureOut">
               <a:rPr lang="en-US" dirty="0"/>
-              <a:t>4/24/24</a:t>
+              <a:t>4/25/24</a:t>
             </a:fld>
             <a:endParaRPr lang="en-US" dirty="0"/>
           </a:p>
@@ -7776,7 +7776,7 @@
           <a:p>
             <a:fld id="{48A87A34-81AB-432B-8DAE-1953F412C126}" type="datetimeFigureOut">
               <a:rPr lang="en-US" dirty="0"/>
-              <a:t>4/24/24</a:t>
+              <a:t>4/25/24</a:t>
             </a:fld>
             <a:endParaRPr lang="en-US" dirty="0"/>
           </a:p>
@@ -8152,7 +8152,7 @@
           <a:p>
             <a:fld id="{48A87A34-81AB-432B-8DAE-1953F412C126}" type="datetimeFigureOut">
               <a:rPr lang="en-US" dirty="0"/>
-              <a:t>4/24/24</a:t>
+              <a:t>4/25/24</a:t>
             </a:fld>
             <a:endParaRPr lang="en-US" dirty="0"/>
           </a:p>
@@ -8265,7 +8265,7 @@
           <a:p>
             <a:fld id="{48A87A34-81AB-432B-8DAE-1953F412C126}" type="datetimeFigureOut">
               <a:rPr lang="en-US" dirty="0"/>
-              <a:t>4/24/24</a:t>
+              <a:t>4/25/24</a:t>
             </a:fld>
             <a:endParaRPr lang="en-US" dirty="0"/>
           </a:p>
@@ -8355,7 +8355,7 @@
           <a:p>
             <a:fld id="{48A87A34-81AB-432B-8DAE-1953F412C126}" type="datetimeFigureOut">
               <a:rPr lang="en-US" dirty="0"/>
-              <a:t>4/24/24</a:t>
+              <a:t>4/25/24</a:t>
             </a:fld>
             <a:endParaRPr lang="en-US" dirty="0"/>
           </a:p>
@@ -8599,7 +8599,7 @@
           <a:p>
             <a:fld id="{48A87A34-81AB-432B-8DAE-1953F412C126}" type="datetimeFigureOut">
               <a:rPr lang="en-US" dirty="0"/>
-              <a:t>4/24/24</a:t>
+              <a:t>4/25/24</a:t>
             </a:fld>
             <a:endParaRPr lang="en-US" dirty="0"/>
           </a:p>
@@ -8874,7 +8874,7 @@
           <a:p>
             <a:fld id="{48A87A34-81AB-432B-8DAE-1953F412C126}" type="datetimeFigureOut">
               <a:rPr lang="en-US" dirty="0"/>
-              <a:t>4/24/24</a:t>
+              <a:t>4/25/24</a:t>
             </a:fld>
             <a:endParaRPr lang="en-US" dirty="0"/>
           </a:p>
@@ -8985,7 +8985,7 @@
           <a:noFill/>
           <a:extLst>
             <a:ext uri="{909E8E84-426E-40dd-AFC4-6F175D3DCCD1}">
-              <a14:hiddenFill xmlns="" xmlns:a14="http://schemas.microsoft.com/office/drawing/2010/main">
+              <a14:hiddenFill xmlns:a14="http://schemas.microsoft.com/office/drawing/2010/main" xmlns="">
                 <a:solidFill>
                   <a:srgbClr val="FFFFFF"/>
                 </a:solidFill>
@@ -9059,7 +9059,7 @@
               </a:ln>
               <a:extLst>
                 <a:ext uri="{91240B29-F687-4f45-9708-019B960494DF}">
-                  <a14:hiddenLine xmlns="" xmlns:a14="http://schemas.microsoft.com/office/drawing/2010/main" w="9525">
+                  <a14:hiddenLine xmlns:a14="http://schemas.microsoft.com/office/drawing/2010/main" xmlns="" w="9525">
                     <a:solidFill>
                       <a:srgbClr val="000000"/>
                     </a:solidFill>
@@ -9149,7 +9149,7 @@
               </a:ln>
               <a:extLst>
                 <a:ext uri="{91240B29-F687-4f45-9708-019B960494DF}">
-                  <a14:hiddenLine xmlns="" xmlns:a14="http://schemas.microsoft.com/office/drawing/2010/main" w="9525">
+                  <a14:hiddenLine xmlns:a14="http://schemas.microsoft.com/office/drawing/2010/main" xmlns="" w="9525">
                     <a:solidFill>
                       <a:srgbClr val="000000"/>
                     </a:solidFill>
@@ -9239,7 +9239,7 @@
               </a:ln>
               <a:extLst>
                 <a:ext uri="{91240B29-F687-4f45-9708-019B960494DF}">
-                  <a14:hiddenLine xmlns="" xmlns:a14="http://schemas.microsoft.com/office/drawing/2010/main" w="9525">
+                  <a14:hiddenLine xmlns:a14="http://schemas.microsoft.com/office/drawing/2010/main" xmlns="" w="9525">
                     <a:solidFill>
                       <a:srgbClr val="000000"/>
                     </a:solidFill>
@@ -9301,7 +9301,7 @@
               </a:ln>
               <a:extLst>
                 <a:ext uri="{91240B29-F687-4f45-9708-019B960494DF}">
-                  <a14:hiddenLine xmlns="" xmlns:a14="http://schemas.microsoft.com/office/drawing/2010/main" w="9525">
+                  <a14:hiddenLine xmlns:a14="http://schemas.microsoft.com/office/drawing/2010/main" xmlns="" w="9525">
                     <a:solidFill>
                       <a:srgbClr val="000000"/>
                     </a:solidFill>
@@ -9391,7 +9391,7 @@
               </a:ln>
               <a:extLst>
                 <a:ext uri="{91240B29-F687-4f45-9708-019B960494DF}">
-                  <a14:hiddenLine xmlns="" xmlns:a14="http://schemas.microsoft.com/office/drawing/2010/main" w="9525">
+                  <a14:hiddenLine xmlns:a14="http://schemas.microsoft.com/office/drawing/2010/main" xmlns="" w="9525">
                     <a:solidFill>
                       <a:srgbClr val="000000"/>
                     </a:solidFill>
@@ -9453,7 +9453,7 @@
               </a:ln>
               <a:extLst>
                 <a:ext uri="{91240B29-F687-4f45-9708-019B960494DF}">
-                  <a14:hiddenLine xmlns="" xmlns:a14="http://schemas.microsoft.com/office/drawing/2010/main" w="9525">
+                  <a14:hiddenLine xmlns:a14="http://schemas.microsoft.com/office/drawing/2010/main" xmlns="" w="9525">
                     <a:solidFill>
                       <a:srgbClr val="000000"/>
                     </a:solidFill>
@@ -9515,7 +9515,7 @@
               </a:ln>
               <a:extLst>
                 <a:ext uri="{91240B29-F687-4f45-9708-019B960494DF}">
-                  <a14:hiddenLine xmlns="" xmlns:a14="http://schemas.microsoft.com/office/drawing/2010/main" w="9525">
+                  <a14:hiddenLine xmlns:a14="http://schemas.microsoft.com/office/drawing/2010/main" xmlns="" w="9525">
                     <a:solidFill>
                       <a:srgbClr val="000000"/>
                     </a:solidFill>
@@ -9605,7 +9605,7 @@
               </a:ln>
               <a:extLst>
                 <a:ext uri="{91240B29-F687-4f45-9708-019B960494DF}">
-                  <a14:hiddenLine xmlns="" xmlns:a14="http://schemas.microsoft.com/office/drawing/2010/main" w="9525">
+                  <a14:hiddenLine xmlns:a14="http://schemas.microsoft.com/office/drawing/2010/main" xmlns="" w="9525">
                     <a:solidFill>
                       <a:srgbClr val="000000"/>
                     </a:solidFill>
@@ -9695,7 +9695,7 @@
               </a:ln>
               <a:extLst>
                 <a:ext uri="{91240B29-F687-4f45-9708-019B960494DF}">
-                  <a14:hiddenLine xmlns="" xmlns:a14="http://schemas.microsoft.com/office/drawing/2010/main" w="9525">
+                  <a14:hiddenLine xmlns:a14="http://schemas.microsoft.com/office/drawing/2010/main" xmlns="" w="9525">
                     <a:solidFill>
                       <a:srgbClr val="000000"/>
                     </a:solidFill>
@@ -9757,7 +9757,7 @@
               </a:ln>
               <a:extLst>
                 <a:ext uri="{91240B29-F687-4f45-9708-019B960494DF}">
-                  <a14:hiddenLine xmlns="" xmlns:a14="http://schemas.microsoft.com/office/drawing/2010/main" w="9525">
+                  <a14:hiddenLine xmlns:a14="http://schemas.microsoft.com/office/drawing/2010/main" xmlns="" w="9525">
                     <a:solidFill>
                       <a:srgbClr val="000000"/>
                     </a:solidFill>
@@ -9867,7 +9867,7 @@
               </a:ln>
               <a:extLst>
                 <a:ext uri="{91240B29-F687-4f45-9708-019B960494DF}">
-                  <a14:hiddenLine xmlns="" xmlns:a14="http://schemas.microsoft.com/office/drawing/2010/main" w="9525">
+                  <a14:hiddenLine xmlns:a14="http://schemas.microsoft.com/office/drawing/2010/main" xmlns="" w="9525">
                     <a:solidFill>
                       <a:srgbClr val="000000"/>
                     </a:solidFill>
@@ -9951,7 +9951,7 @@
               </a:ln>
               <a:extLst>
                 <a:ext uri="{91240B29-F687-4f45-9708-019B960494DF}">
-                  <a14:hiddenLine xmlns="" xmlns:a14="http://schemas.microsoft.com/office/drawing/2010/main" w="9525">
+                  <a14:hiddenLine xmlns:a14="http://schemas.microsoft.com/office/drawing/2010/main" xmlns="" w="9525">
                     <a:solidFill>
                       <a:srgbClr val="000000"/>
                     </a:solidFill>
@@ -10013,7 +10013,7 @@
               </a:ln>
               <a:extLst>
                 <a:ext uri="{91240B29-F687-4f45-9708-019B960494DF}">
-                  <a14:hiddenLine xmlns="" xmlns:a14="http://schemas.microsoft.com/office/drawing/2010/main" w="9525">
+                  <a14:hiddenLine xmlns:a14="http://schemas.microsoft.com/office/drawing/2010/main" xmlns="" w="9525">
                     <a:solidFill>
                       <a:srgbClr val="000000"/>
                     </a:solidFill>
@@ -10075,7 +10075,7 @@
               </a:ln>
               <a:extLst>
                 <a:ext uri="{91240B29-F687-4f45-9708-019B960494DF}">
-                  <a14:hiddenLine xmlns="" xmlns:a14="http://schemas.microsoft.com/office/drawing/2010/main" w="9525">
+                  <a14:hiddenLine xmlns:a14="http://schemas.microsoft.com/office/drawing/2010/main" xmlns="" w="9525">
                     <a:solidFill>
                       <a:srgbClr val="000000"/>
                     </a:solidFill>
@@ -10165,7 +10165,7 @@
               </a:ln>
               <a:extLst>
                 <a:ext uri="{91240B29-F687-4f45-9708-019B960494DF}">
-                  <a14:hiddenLine xmlns="" xmlns:a14="http://schemas.microsoft.com/office/drawing/2010/main" w="9525">
+                  <a14:hiddenLine xmlns:a14="http://schemas.microsoft.com/office/drawing/2010/main" xmlns="" w="9525">
                     <a:solidFill>
                       <a:srgbClr val="000000"/>
                     </a:solidFill>
@@ -10199,7 +10199,7 @@
               </a:ln>
               <a:extLst>
                 <a:ext uri="{91240B29-F687-4f45-9708-019B960494DF}">
-                  <a14:hiddenLine xmlns="" xmlns:a14="http://schemas.microsoft.com/office/drawing/2010/main" w="9525">
+                  <a14:hiddenLine xmlns:a14="http://schemas.microsoft.com/office/drawing/2010/main" xmlns="" w="9525">
                     <a:solidFill>
                       <a:srgbClr val="000000"/>
                     </a:solidFill>
@@ -10264,7 +10264,7 @@
               </a:ln>
               <a:extLst>
                 <a:ext uri="{91240B29-F687-4f45-9708-019B960494DF}">
-                  <a14:hiddenLine xmlns="" xmlns:a14="http://schemas.microsoft.com/office/drawing/2010/main" w="9525">
+                  <a14:hiddenLine xmlns:a14="http://schemas.microsoft.com/office/drawing/2010/main" xmlns="" w="9525">
                     <a:solidFill>
                       <a:srgbClr val="000000"/>
                     </a:solidFill>
@@ -10354,7 +10354,7 @@
               </a:ln>
               <a:extLst>
                 <a:ext uri="{91240B29-F687-4f45-9708-019B960494DF}">
-                  <a14:hiddenLine xmlns="" xmlns:a14="http://schemas.microsoft.com/office/drawing/2010/main" w="9525">
+                  <a14:hiddenLine xmlns:a14="http://schemas.microsoft.com/office/drawing/2010/main" xmlns="" w="9525">
                     <a:solidFill>
                       <a:srgbClr val="000000"/>
                     </a:solidFill>
@@ -10416,7 +10416,7 @@
               </a:ln>
               <a:extLst>
                 <a:ext uri="{91240B29-F687-4f45-9708-019B960494DF}">
-                  <a14:hiddenLine xmlns="" xmlns:a14="http://schemas.microsoft.com/office/drawing/2010/main" w="9525">
+                  <a14:hiddenLine xmlns:a14="http://schemas.microsoft.com/office/drawing/2010/main" xmlns="" w="9525">
                     <a:solidFill>
                       <a:srgbClr val="000000"/>
                     </a:solidFill>
@@ -10506,7 +10506,7 @@
               </a:ln>
               <a:extLst>
                 <a:ext uri="{91240B29-F687-4f45-9708-019B960494DF}">
-                  <a14:hiddenLine xmlns="" xmlns:a14="http://schemas.microsoft.com/office/drawing/2010/main" w="9525">
+                  <a14:hiddenLine xmlns:a14="http://schemas.microsoft.com/office/drawing/2010/main" xmlns="" w="9525">
                     <a:solidFill>
                       <a:srgbClr val="000000"/>
                     </a:solidFill>
@@ -10571,7 +10571,7 @@
               </a:ln>
               <a:extLst>
                 <a:ext uri="{91240B29-F687-4f45-9708-019B960494DF}">
-                  <a14:hiddenLine xmlns="" xmlns:a14="http://schemas.microsoft.com/office/drawing/2010/main" w="9525">
+                  <a14:hiddenLine xmlns:a14="http://schemas.microsoft.com/office/drawing/2010/main" xmlns="" w="9525">
                     <a:solidFill>
                       <a:srgbClr val="000000"/>
                     </a:solidFill>
@@ -10633,7 +10633,7 @@
               </a:ln>
               <a:extLst>
                 <a:ext uri="{91240B29-F687-4f45-9708-019B960494DF}">
-                  <a14:hiddenLine xmlns="" xmlns:a14="http://schemas.microsoft.com/office/drawing/2010/main" w="9525">
+                  <a14:hiddenLine xmlns:a14="http://schemas.microsoft.com/office/drawing/2010/main" xmlns="" w="9525">
                     <a:solidFill>
                       <a:srgbClr val="000000"/>
                     </a:solidFill>
@@ -10723,7 +10723,7 @@
               </a:ln>
               <a:extLst>
                 <a:ext uri="{91240B29-F687-4f45-9708-019B960494DF}">
-                  <a14:hiddenLine xmlns="" xmlns:a14="http://schemas.microsoft.com/office/drawing/2010/main" w="9525">
+                  <a14:hiddenLine xmlns:a14="http://schemas.microsoft.com/office/drawing/2010/main" xmlns="" w="9525">
                     <a:solidFill>
                       <a:srgbClr val="000000"/>
                     </a:solidFill>
@@ -10813,7 +10813,7 @@
               </a:ln>
               <a:extLst>
                 <a:ext uri="{91240B29-F687-4f45-9708-019B960494DF}">
-                  <a14:hiddenLine xmlns="" xmlns:a14="http://schemas.microsoft.com/office/drawing/2010/main" w="9525">
+                  <a14:hiddenLine xmlns:a14="http://schemas.microsoft.com/office/drawing/2010/main" xmlns="" w="9525">
                     <a:solidFill>
                       <a:srgbClr val="000000"/>
                     </a:solidFill>
@@ -10878,7 +10878,7 @@
               </a:ln>
               <a:extLst>
                 <a:ext uri="{91240B29-F687-4f45-9708-019B960494DF}">
-                  <a14:hiddenLine xmlns="" xmlns:a14="http://schemas.microsoft.com/office/drawing/2010/main" w="9525">
+                  <a14:hiddenLine xmlns:a14="http://schemas.microsoft.com/office/drawing/2010/main" xmlns="" w="9525">
                     <a:solidFill>
                       <a:srgbClr val="000000"/>
                     </a:solidFill>
@@ -10998,7 +10998,7 @@
               </a:ln>
               <a:extLst>
                 <a:ext uri="{91240B29-F687-4f45-9708-019B960494DF}">
-                  <a14:hiddenLine xmlns="" xmlns:a14="http://schemas.microsoft.com/office/drawing/2010/main" w="9525">
+                  <a14:hiddenLine xmlns:a14="http://schemas.microsoft.com/office/drawing/2010/main" xmlns="" w="9525">
                     <a:solidFill>
                       <a:srgbClr val="000000"/>
                     </a:solidFill>
@@ -11096,7 +11096,7 @@
               </a:ln>
               <a:extLst>
                 <a:ext uri="{91240B29-F687-4f45-9708-019B960494DF}">
-                  <a14:hiddenLine xmlns="" xmlns:a14="http://schemas.microsoft.com/office/drawing/2010/main" w="9525">
+                  <a14:hiddenLine xmlns:a14="http://schemas.microsoft.com/office/drawing/2010/main" xmlns="" w="9525">
                     <a:solidFill>
                       <a:srgbClr val="000000"/>
                     </a:solidFill>
@@ -11211,7 +11211,7 @@
               </a:ln>
               <a:extLst>
                 <a:ext uri="{91240B29-F687-4f45-9708-019B960494DF}">
-                  <a14:hiddenLine xmlns="" xmlns:a14="http://schemas.microsoft.com/office/drawing/2010/main" w="9525">
+                  <a14:hiddenLine xmlns:a14="http://schemas.microsoft.com/office/drawing/2010/main" xmlns="" w="9525">
                     <a:solidFill>
                       <a:srgbClr val="000000"/>
                     </a:solidFill>
@@ -11301,7 +11301,7 @@
               </a:ln>
               <a:extLst>
                 <a:ext uri="{91240B29-F687-4f45-9708-019B960494DF}">
-                  <a14:hiddenLine xmlns="" xmlns:a14="http://schemas.microsoft.com/office/drawing/2010/main" w="9525">
+                  <a14:hiddenLine xmlns:a14="http://schemas.microsoft.com/office/drawing/2010/main" xmlns="" w="9525">
                     <a:solidFill>
                       <a:srgbClr val="000000"/>
                     </a:solidFill>
@@ -11366,7 +11366,7 @@
               </a:ln>
               <a:extLst>
                 <a:ext uri="{91240B29-F687-4f45-9708-019B960494DF}">
-                  <a14:hiddenLine xmlns="" xmlns:a14="http://schemas.microsoft.com/office/drawing/2010/main" w="9525">
+                  <a14:hiddenLine xmlns:a14="http://schemas.microsoft.com/office/drawing/2010/main" xmlns="" w="9525">
                     <a:solidFill>
                       <a:srgbClr val="000000"/>
                     </a:solidFill>
@@ -11456,7 +11456,7 @@
               </a:ln>
               <a:extLst>
                 <a:ext uri="{91240B29-F687-4f45-9708-019B960494DF}">
-                  <a14:hiddenLine xmlns="" xmlns:a14="http://schemas.microsoft.com/office/drawing/2010/main" w="9525">
+                  <a14:hiddenLine xmlns:a14="http://schemas.microsoft.com/office/drawing/2010/main" xmlns="" w="9525">
                     <a:solidFill>
                       <a:srgbClr val="000000"/>
                     </a:solidFill>
@@ -11524,7 +11524,7 @@
               </a:ln>
               <a:extLst>
                 <a:ext uri="{91240B29-F687-4f45-9708-019B960494DF}">
-                  <a14:hiddenLine xmlns="" xmlns:a14="http://schemas.microsoft.com/office/drawing/2010/main" w="9525">
+                  <a14:hiddenLine xmlns:a14="http://schemas.microsoft.com/office/drawing/2010/main" xmlns="" w="9525">
                     <a:solidFill>
                       <a:srgbClr val="000000"/>
                     </a:solidFill>
@@ -11614,7 +11614,7 @@
               </a:ln>
               <a:extLst>
                 <a:ext uri="{91240B29-F687-4f45-9708-019B960494DF}">
-                  <a14:hiddenLine xmlns="" xmlns:a14="http://schemas.microsoft.com/office/drawing/2010/main" w="9525">
+                  <a14:hiddenLine xmlns:a14="http://schemas.microsoft.com/office/drawing/2010/main" xmlns="" w="9525">
                     <a:solidFill>
                       <a:srgbClr val="000000"/>
                     </a:solidFill>
@@ -11682,7 +11682,7 @@
               </a:ln>
               <a:extLst>
                 <a:ext uri="{91240B29-F687-4f45-9708-019B960494DF}">
-                  <a14:hiddenLine xmlns="" xmlns:a14="http://schemas.microsoft.com/office/drawing/2010/main" w="9525">
+                  <a14:hiddenLine xmlns:a14="http://schemas.microsoft.com/office/drawing/2010/main" xmlns="" w="9525">
                     <a:solidFill>
                       <a:srgbClr val="000000"/>
                     </a:solidFill>
@@ -11772,7 +11772,7 @@
               </a:ln>
               <a:extLst>
                 <a:ext uri="{91240B29-F687-4f45-9708-019B960494DF}">
-                  <a14:hiddenLine xmlns="" xmlns:a14="http://schemas.microsoft.com/office/drawing/2010/main" w="9525">
+                  <a14:hiddenLine xmlns:a14="http://schemas.microsoft.com/office/drawing/2010/main" xmlns="" w="9525">
                     <a:solidFill>
                       <a:srgbClr val="000000"/>
                     </a:solidFill>
@@ -11806,7 +11806,7 @@
               </a:ln>
               <a:extLst>
                 <a:ext uri="{91240B29-F687-4f45-9708-019B960494DF}">
-                  <a14:hiddenLine xmlns="" xmlns:a14="http://schemas.microsoft.com/office/drawing/2010/main" w="9525">
+                  <a14:hiddenLine xmlns:a14="http://schemas.microsoft.com/office/drawing/2010/main" xmlns="" w="9525">
                     <a:solidFill>
                       <a:srgbClr val="000000"/>
                     </a:solidFill>
@@ -11947,7 +11947,7 @@
             <a:fld id="{48A87A34-81AB-432B-8DAE-1953F412C126}" type="datetimeFigureOut">
               <a:rPr lang="en-US" dirty="0"/>
               <a:pPr/>
-              <a:t>4/24/24</a:t>
+              <a:t>4/25/24</a:t>
             </a:fld>
             <a:endParaRPr lang="en-US" dirty="0"/>
           </a:p>
@@ -14919,7 +14919,7 @@
           <a:noFill/>
           <a:extLst>
             <a:ext uri="{909E8E84-426E-40dd-AFC4-6F175D3DCCD1}">
-              <a14:hiddenFill xmlns:a14="http://schemas.microsoft.com/office/drawing/2010/main" xmlns:p14="http://schemas.microsoft.com/office/powerpoint/2010/main" xmlns:a16="http://schemas.microsoft.com/office/drawing/2014/main" xmlns="">
+              <a14:hiddenFill xmlns="" xmlns:a16="http://schemas.microsoft.com/office/drawing/2014/main" xmlns:p14="http://schemas.microsoft.com/office/powerpoint/2010/main" xmlns:a14="http://schemas.microsoft.com/office/drawing/2010/main">
                 <a:solidFill>
                   <a:srgbClr val="FFFFFF"/>
                 </a:solidFill>
@@ -15158,7 +15158,7 @@
             </a:ln>
             <a:extLst>
               <a:ext uri="{91240B29-F687-4f45-9708-019B960494DF}">
-                <a14:hiddenLine xmlns:a14="http://schemas.microsoft.com/office/drawing/2010/main" xmlns:p14="http://schemas.microsoft.com/office/powerpoint/2010/main" xmlns:a16="http://schemas.microsoft.com/office/drawing/2014/main" xmlns="" w="9525">
+                <a14:hiddenLine xmlns="" xmlns:a16="http://schemas.microsoft.com/office/drawing/2014/main" xmlns:p14="http://schemas.microsoft.com/office/powerpoint/2010/main" xmlns:a14="http://schemas.microsoft.com/office/drawing/2010/main" w="9525">
                   <a:solidFill>
                     <a:srgbClr val="000000"/>
                   </a:solidFill>
@@ -15270,7 +15270,7 @@
             </a:ln>
             <a:extLst>
               <a:ext uri="{91240B29-F687-4f45-9708-019B960494DF}">
-                <a14:hiddenLine xmlns:a14="http://schemas.microsoft.com/office/drawing/2010/main" xmlns:p14="http://schemas.microsoft.com/office/powerpoint/2010/main" xmlns:a16="http://schemas.microsoft.com/office/drawing/2014/main" xmlns="" w="9525">
+                <a14:hiddenLine xmlns="" xmlns:a16="http://schemas.microsoft.com/office/drawing/2014/main" xmlns:p14="http://schemas.microsoft.com/office/powerpoint/2010/main" xmlns:a14="http://schemas.microsoft.com/office/drawing/2010/main" w="9525">
                   <a:solidFill>
                     <a:srgbClr val="000000"/>
                   </a:solidFill>
@@ -15382,7 +15382,7 @@
             </a:ln>
             <a:extLst>
               <a:ext uri="{91240B29-F687-4f45-9708-019B960494DF}">
-                <a14:hiddenLine xmlns:a14="http://schemas.microsoft.com/office/drawing/2010/main" xmlns:p14="http://schemas.microsoft.com/office/powerpoint/2010/main" xmlns:a16="http://schemas.microsoft.com/office/drawing/2014/main" xmlns="" w="9525">
+                <a14:hiddenLine xmlns="" xmlns:a16="http://schemas.microsoft.com/office/drawing/2014/main" xmlns:p14="http://schemas.microsoft.com/office/powerpoint/2010/main" xmlns:a14="http://schemas.microsoft.com/office/drawing/2010/main" w="9525">
                   <a:solidFill>
                     <a:srgbClr val="000000"/>
                   </a:solidFill>
@@ -15466,7 +15466,7 @@
             </a:ln>
             <a:extLst>
               <a:ext uri="{91240B29-F687-4f45-9708-019B960494DF}">
-                <a14:hiddenLine xmlns:a14="http://schemas.microsoft.com/office/drawing/2010/main" xmlns:p14="http://schemas.microsoft.com/office/powerpoint/2010/main" xmlns:a16="http://schemas.microsoft.com/office/drawing/2014/main" xmlns="" w="9525">
+                <a14:hiddenLine xmlns="" xmlns:a16="http://schemas.microsoft.com/office/drawing/2014/main" xmlns:p14="http://schemas.microsoft.com/office/powerpoint/2010/main" xmlns:a14="http://schemas.microsoft.com/office/drawing/2010/main" w="9525">
                   <a:solidFill>
                     <a:srgbClr val="000000"/>
                   </a:solidFill>
@@ -15578,7 +15578,7 @@
             </a:ln>
             <a:extLst>
               <a:ext uri="{91240B29-F687-4f45-9708-019B960494DF}">
-                <a14:hiddenLine xmlns:a14="http://schemas.microsoft.com/office/drawing/2010/main" xmlns:p14="http://schemas.microsoft.com/office/powerpoint/2010/main" xmlns:a16="http://schemas.microsoft.com/office/drawing/2014/main" xmlns="" w="9525">
+                <a14:hiddenLine xmlns="" xmlns:a16="http://schemas.microsoft.com/office/drawing/2014/main" xmlns:p14="http://schemas.microsoft.com/office/powerpoint/2010/main" xmlns:a14="http://schemas.microsoft.com/office/drawing/2010/main" w="9525">
                   <a:solidFill>
                     <a:srgbClr val="000000"/>
                   </a:solidFill>
@@ -15662,7 +15662,7 @@
             </a:ln>
             <a:extLst>
               <a:ext uri="{91240B29-F687-4f45-9708-019B960494DF}">
-                <a14:hiddenLine xmlns:a14="http://schemas.microsoft.com/office/drawing/2010/main" xmlns:p14="http://schemas.microsoft.com/office/powerpoint/2010/main" xmlns:a16="http://schemas.microsoft.com/office/drawing/2014/main" xmlns="" w="9525">
+                <a14:hiddenLine xmlns="" xmlns:a16="http://schemas.microsoft.com/office/drawing/2014/main" xmlns:p14="http://schemas.microsoft.com/office/powerpoint/2010/main" xmlns:a14="http://schemas.microsoft.com/office/drawing/2010/main" w="9525">
                   <a:solidFill>
                     <a:srgbClr val="000000"/>
                   </a:solidFill>
@@ -15746,7 +15746,7 @@
             </a:ln>
             <a:extLst>
               <a:ext uri="{91240B29-F687-4f45-9708-019B960494DF}">
-                <a14:hiddenLine xmlns:a14="http://schemas.microsoft.com/office/drawing/2010/main" xmlns:p14="http://schemas.microsoft.com/office/powerpoint/2010/main" xmlns:a16="http://schemas.microsoft.com/office/drawing/2014/main" xmlns="" w="9525">
+                <a14:hiddenLine xmlns="" xmlns:a16="http://schemas.microsoft.com/office/drawing/2014/main" xmlns:p14="http://schemas.microsoft.com/office/powerpoint/2010/main" xmlns:a14="http://schemas.microsoft.com/office/drawing/2010/main" w="9525">
                   <a:solidFill>
                     <a:srgbClr val="000000"/>
                   </a:solidFill>
@@ -15858,7 +15858,7 @@
             </a:ln>
             <a:extLst>
               <a:ext uri="{91240B29-F687-4f45-9708-019B960494DF}">
-                <a14:hiddenLine xmlns:a14="http://schemas.microsoft.com/office/drawing/2010/main" xmlns:p14="http://schemas.microsoft.com/office/powerpoint/2010/main" xmlns:a16="http://schemas.microsoft.com/office/drawing/2014/main" xmlns="" w="9525">
+                <a14:hiddenLine xmlns="" xmlns:a16="http://schemas.microsoft.com/office/drawing/2014/main" xmlns:p14="http://schemas.microsoft.com/office/powerpoint/2010/main" xmlns:a14="http://schemas.microsoft.com/office/drawing/2010/main" w="9525">
                   <a:solidFill>
                     <a:srgbClr val="000000"/>
                   </a:solidFill>
@@ -15970,7 +15970,7 @@
             </a:ln>
             <a:extLst>
               <a:ext uri="{91240B29-F687-4f45-9708-019B960494DF}">
-                <a14:hiddenLine xmlns:a14="http://schemas.microsoft.com/office/drawing/2010/main" xmlns:p14="http://schemas.microsoft.com/office/powerpoint/2010/main" xmlns:a16="http://schemas.microsoft.com/office/drawing/2014/main" xmlns="" w="9525">
+                <a14:hiddenLine xmlns="" xmlns:a16="http://schemas.microsoft.com/office/drawing/2014/main" xmlns:p14="http://schemas.microsoft.com/office/powerpoint/2010/main" xmlns:a14="http://schemas.microsoft.com/office/drawing/2010/main" w="9525">
                   <a:solidFill>
                     <a:srgbClr val="000000"/>
                   </a:solidFill>
@@ -16054,7 +16054,7 @@
             </a:ln>
             <a:extLst>
               <a:ext uri="{91240B29-F687-4f45-9708-019B960494DF}">
-                <a14:hiddenLine xmlns:a14="http://schemas.microsoft.com/office/drawing/2010/main" xmlns:p14="http://schemas.microsoft.com/office/powerpoint/2010/main" xmlns:a16="http://schemas.microsoft.com/office/drawing/2014/main" xmlns="" w="9525">
+                <a14:hiddenLine xmlns="" xmlns:a16="http://schemas.microsoft.com/office/drawing/2014/main" xmlns:p14="http://schemas.microsoft.com/office/powerpoint/2010/main" xmlns:a14="http://schemas.microsoft.com/office/drawing/2010/main" w="9525">
                   <a:solidFill>
                     <a:srgbClr val="000000"/>
                   </a:solidFill>
@@ -16186,7 +16186,7 @@
             </a:ln>
             <a:extLst>
               <a:ext uri="{91240B29-F687-4f45-9708-019B960494DF}">
-                <a14:hiddenLine xmlns:a14="http://schemas.microsoft.com/office/drawing/2010/main" xmlns:p14="http://schemas.microsoft.com/office/powerpoint/2010/main" xmlns:a16="http://schemas.microsoft.com/office/drawing/2014/main" xmlns="" w="9525">
+                <a14:hiddenLine xmlns="" xmlns:a16="http://schemas.microsoft.com/office/drawing/2014/main" xmlns:p14="http://schemas.microsoft.com/office/powerpoint/2010/main" xmlns:a14="http://schemas.microsoft.com/office/drawing/2010/main" w="9525">
                   <a:solidFill>
                     <a:srgbClr val="000000"/>
                   </a:solidFill>
@@ -16314,7 +16314,7 @@
             </a:ln>
             <a:extLst>
               <a:ext uri="{91240B29-F687-4f45-9708-019B960494DF}">
-                <a14:hiddenLine xmlns:a14="http://schemas.microsoft.com/office/drawing/2010/main" xmlns:p14="http://schemas.microsoft.com/office/powerpoint/2010/main" xmlns:a16="http://schemas.microsoft.com/office/drawing/2014/main" xmlns="" w="9525">
+                <a14:hiddenLine xmlns="" xmlns:a16="http://schemas.microsoft.com/office/drawing/2014/main" xmlns:p14="http://schemas.microsoft.com/office/powerpoint/2010/main" xmlns:a14="http://schemas.microsoft.com/office/drawing/2010/main" w="9525">
                   <a:solidFill>
                     <a:srgbClr val="000000"/>
                   </a:solidFill>
@@ -16398,7 +16398,7 @@
             </a:ln>
             <a:extLst>
               <a:ext uri="{91240B29-F687-4f45-9708-019B960494DF}">
-                <a14:hiddenLine xmlns:a14="http://schemas.microsoft.com/office/drawing/2010/main" xmlns:p14="http://schemas.microsoft.com/office/powerpoint/2010/main" xmlns:a16="http://schemas.microsoft.com/office/drawing/2014/main" xmlns="" w="9525">
+                <a14:hiddenLine xmlns="" xmlns:a16="http://schemas.microsoft.com/office/drawing/2014/main" xmlns:p14="http://schemas.microsoft.com/office/powerpoint/2010/main" xmlns:a14="http://schemas.microsoft.com/office/drawing/2010/main" w="9525">
                   <a:solidFill>
                     <a:srgbClr val="000000"/>
                   </a:solidFill>
@@ -16482,7 +16482,7 @@
             </a:ln>
             <a:extLst>
               <a:ext uri="{91240B29-F687-4f45-9708-019B960494DF}">
-                <a14:hiddenLine xmlns:a14="http://schemas.microsoft.com/office/drawing/2010/main" xmlns:p14="http://schemas.microsoft.com/office/powerpoint/2010/main" xmlns:a16="http://schemas.microsoft.com/office/drawing/2014/main" xmlns="" w="9525">
+                <a14:hiddenLine xmlns="" xmlns:a16="http://schemas.microsoft.com/office/drawing/2014/main" xmlns:p14="http://schemas.microsoft.com/office/powerpoint/2010/main" xmlns:a14="http://schemas.microsoft.com/office/drawing/2010/main" w="9525">
                   <a:solidFill>
                     <a:srgbClr val="000000"/>
                   </a:solidFill>
@@ -16594,7 +16594,7 @@
             </a:ln>
             <a:extLst>
               <a:ext uri="{91240B29-F687-4f45-9708-019B960494DF}">
-                <a14:hiddenLine xmlns:a14="http://schemas.microsoft.com/office/drawing/2010/main" xmlns:p14="http://schemas.microsoft.com/office/powerpoint/2010/main" xmlns:a16="http://schemas.microsoft.com/office/drawing/2014/main" xmlns="" w="9525">
+                <a14:hiddenLine xmlns="" xmlns:a16="http://schemas.microsoft.com/office/drawing/2014/main" xmlns:p14="http://schemas.microsoft.com/office/powerpoint/2010/main" xmlns:a14="http://schemas.microsoft.com/office/drawing/2010/main" w="9525">
                   <a:solidFill>
                     <a:srgbClr val="000000"/>
                   </a:solidFill>
@@ -16650,7 +16650,7 @@
             </a:ln>
             <a:extLst>
               <a:ext uri="{91240B29-F687-4f45-9708-019B960494DF}">
-                <a14:hiddenLine xmlns:a14="http://schemas.microsoft.com/office/drawing/2010/main" xmlns:p14="http://schemas.microsoft.com/office/powerpoint/2010/main" xmlns:a16="http://schemas.microsoft.com/office/drawing/2014/main" xmlns="" w="9525">
+                <a14:hiddenLine xmlns="" xmlns:a16="http://schemas.microsoft.com/office/drawing/2014/main" xmlns:p14="http://schemas.microsoft.com/office/powerpoint/2010/main" xmlns:a14="http://schemas.microsoft.com/office/drawing/2010/main" w="9525">
                   <a:solidFill>
                     <a:srgbClr val="000000"/>
                   </a:solidFill>
@@ -16737,7 +16737,7 @@
             </a:ln>
             <a:extLst>
               <a:ext uri="{91240B29-F687-4f45-9708-019B960494DF}">
-                <a14:hiddenLine xmlns:a14="http://schemas.microsoft.com/office/drawing/2010/main" xmlns:p14="http://schemas.microsoft.com/office/powerpoint/2010/main" xmlns:a16="http://schemas.microsoft.com/office/drawing/2014/main" xmlns="" w="9525">
+                <a14:hiddenLine xmlns="" xmlns:a16="http://schemas.microsoft.com/office/drawing/2014/main" xmlns:p14="http://schemas.microsoft.com/office/powerpoint/2010/main" xmlns:a14="http://schemas.microsoft.com/office/drawing/2010/main" w="9525">
                   <a:solidFill>
                     <a:srgbClr val="000000"/>
                   </a:solidFill>
@@ -16849,7 +16849,7 @@
             </a:ln>
             <a:extLst>
               <a:ext uri="{91240B29-F687-4f45-9708-019B960494DF}">
-                <a14:hiddenLine xmlns:a14="http://schemas.microsoft.com/office/drawing/2010/main" xmlns:p14="http://schemas.microsoft.com/office/powerpoint/2010/main" xmlns:a16="http://schemas.microsoft.com/office/drawing/2014/main" xmlns="" w="9525">
+                <a14:hiddenLine xmlns="" xmlns:a16="http://schemas.microsoft.com/office/drawing/2014/main" xmlns:p14="http://schemas.microsoft.com/office/powerpoint/2010/main" xmlns:a14="http://schemas.microsoft.com/office/drawing/2010/main" w="9525">
                   <a:solidFill>
                     <a:srgbClr val="000000"/>
                   </a:solidFill>
@@ -16933,7 +16933,7 @@
             </a:ln>
             <a:extLst>
               <a:ext uri="{91240B29-F687-4f45-9708-019B960494DF}">
-                <a14:hiddenLine xmlns:a14="http://schemas.microsoft.com/office/drawing/2010/main" xmlns:p14="http://schemas.microsoft.com/office/powerpoint/2010/main" xmlns:a16="http://schemas.microsoft.com/office/drawing/2014/main" xmlns="" w="9525">
+                <a14:hiddenLine xmlns="" xmlns:a16="http://schemas.microsoft.com/office/drawing/2014/main" xmlns:p14="http://schemas.microsoft.com/office/powerpoint/2010/main" xmlns:a14="http://schemas.microsoft.com/office/drawing/2010/main" w="9525">
                   <a:solidFill>
                     <a:srgbClr val="000000"/>
                   </a:solidFill>
@@ -17045,7 +17045,7 @@
             </a:ln>
             <a:extLst>
               <a:ext uri="{91240B29-F687-4f45-9708-019B960494DF}">
-                <a14:hiddenLine xmlns:a14="http://schemas.microsoft.com/office/drawing/2010/main" xmlns:p14="http://schemas.microsoft.com/office/powerpoint/2010/main" xmlns:a16="http://schemas.microsoft.com/office/drawing/2014/main" xmlns="" w="9525">
+                <a14:hiddenLine xmlns="" xmlns:a16="http://schemas.microsoft.com/office/drawing/2014/main" xmlns:p14="http://schemas.microsoft.com/office/powerpoint/2010/main" xmlns:a14="http://schemas.microsoft.com/office/drawing/2010/main" w="9525">
                   <a:solidFill>
                     <a:srgbClr val="000000"/>
                   </a:solidFill>
@@ -17132,7 +17132,7 @@
             </a:ln>
             <a:extLst>
               <a:ext uri="{91240B29-F687-4f45-9708-019B960494DF}">
-                <a14:hiddenLine xmlns:a14="http://schemas.microsoft.com/office/drawing/2010/main" xmlns:p14="http://schemas.microsoft.com/office/powerpoint/2010/main" xmlns:a16="http://schemas.microsoft.com/office/drawing/2014/main" xmlns="" w="9525">
+                <a14:hiddenLine xmlns="" xmlns:a16="http://schemas.microsoft.com/office/drawing/2014/main" xmlns:p14="http://schemas.microsoft.com/office/powerpoint/2010/main" xmlns:a14="http://schemas.microsoft.com/office/drawing/2010/main" w="9525">
                   <a:solidFill>
                     <a:srgbClr val="000000"/>
                   </a:solidFill>
@@ -17216,7 +17216,7 @@
             </a:ln>
             <a:extLst>
               <a:ext uri="{91240B29-F687-4f45-9708-019B960494DF}">
-                <a14:hiddenLine xmlns:a14="http://schemas.microsoft.com/office/drawing/2010/main" xmlns:p14="http://schemas.microsoft.com/office/powerpoint/2010/main" xmlns:a16="http://schemas.microsoft.com/office/drawing/2014/main" xmlns="" w="9525">
+                <a14:hiddenLine xmlns="" xmlns:a16="http://schemas.microsoft.com/office/drawing/2014/main" xmlns:p14="http://schemas.microsoft.com/office/powerpoint/2010/main" xmlns:a14="http://schemas.microsoft.com/office/drawing/2010/main" w="9525">
                   <a:solidFill>
                     <a:srgbClr val="000000"/>
                   </a:solidFill>
@@ -17328,7 +17328,7 @@
             </a:ln>
             <a:extLst>
               <a:ext uri="{91240B29-F687-4f45-9708-019B960494DF}">
-                <a14:hiddenLine xmlns:a14="http://schemas.microsoft.com/office/drawing/2010/main" xmlns:p14="http://schemas.microsoft.com/office/powerpoint/2010/main" xmlns:a16="http://schemas.microsoft.com/office/drawing/2014/main" xmlns="" w="9525">
+                <a14:hiddenLine xmlns="" xmlns:a16="http://schemas.microsoft.com/office/drawing/2014/main" xmlns:p14="http://schemas.microsoft.com/office/powerpoint/2010/main" xmlns:a14="http://schemas.microsoft.com/office/drawing/2010/main" w="9525">
                   <a:solidFill>
                     <a:srgbClr val="000000"/>
                   </a:solidFill>
@@ -17440,7 +17440,7 @@
             </a:ln>
             <a:extLst>
               <a:ext uri="{91240B29-F687-4f45-9708-019B960494DF}">
-                <a14:hiddenLine xmlns:a14="http://schemas.microsoft.com/office/drawing/2010/main" xmlns:p14="http://schemas.microsoft.com/office/powerpoint/2010/main" xmlns:a16="http://schemas.microsoft.com/office/drawing/2014/main" xmlns="" w="9525">
+                <a14:hiddenLine xmlns="" xmlns:a16="http://schemas.microsoft.com/office/drawing/2014/main" xmlns:p14="http://schemas.microsoft.com/office/powerpoint/2010/main" xmlns:a14="http://schemas.microsoft.com/office/drawing/2010/main" w="9525">
                   <a:solidFill>
                     <a:srgbClr val="000000"/>
                   </a:solidFill>
@@ -17527,7 +17527,7 @@
             </a:ln>
             <a:extLst>
               <a:ext uri="{91240B29-F687-4f45-9708-019B960494DF}">
-                <a14:hiddenLine xmlns:a14="http://schemas.microsoft.com/office/drawing/2010/main" xmlns:p14="http://schemas.microsoft.com/office/powerpoint/2010/main" xmlns:a16="http://schemas.microsoft.com/office/drawing/2014/main" xmlns="" w="9525">
+                <a14:hiddenLine xmlns="" xmlns:a16="http://schemas.microsoft.com/office/drawing/2014/main" xmlns:p14="http://schemas.microsoft.com/office/powerpoint/2010/main" xmlns:a14="http://schemas.microsoft.com/office/drawing/2010/main" w="9525">
                   <a:solidFill>
                     <a:srgbClr val="000000"/>
                   </a:solidFill>
@@ -17669,7 +17669,7 @@
             </a:ln>
             <a:extLst>
               <a:ext uri="{91240B29-F687-4f45-9708-019B960494DF}">
-                <a14:hiddenLine xmlns:a14="http://schemas.microsoft.com/office/drawing/2010/main" xmlns:p14="http://schemas.microsoft.com/office/powerpoint/2010/main" xmlns:a16="http://schemas.microsoft.com/office/drawing/2014/main" xmlns="" w="9525">
+                <a14:hiddenLine xmlns="" xmlns:a16="http://schemas.microsoft.com/office/drawing/2014/main" xmlns:p14="http://schemas.microsoft.com/office/powerpoint/2010/main" xmlns:a14="http://schemas.microsoft.com/office/drawing/2010/main" w="9525">
                   <a:solidFill>
                     <a:srgbClr val="000000"/>
                   </a:solidFill>
@@ -18175,7 +18175,7 @@
               </a:ln>
               <a:extLst>
                 <a:ext uri="{91240B29-F687-4f45-9708-019B960494DF}">
-                  <a14:hiddenLine xmlns:a14="http://schemas.microsoft.com/office/drawing/2010/main" xmlns:p14="http://schemas.microsoft.com/office/powerpoint/2010/main" xmlns:a16="http://schemas.microsoft.com/office/drawing/2014/main" xmlns="" w="9525">
+                  <a14:hiddenLine xmlns="" xmlns:a16="http://schemas.microsoft.com/office/drawing/2014/main" xmlns:p14="http://schemas.microsoft.com/office/powerpoint/2010/main" xmlns:a14="http://schemas.microsoft.com/office/drawing/2010/main" w="9525">
                     <a:solidFill>
                       <a:srgbClr val="000000"/>
                     </a:solidFill>
@@ -18287,7 +18287,7 @@
               </a:ln>
               <a:extLst>
                 <a:ext uri="{91240B29-F687-4f45-9708-019B960494DF}">
-                  <a14:hiddenLine xmlns:a14="http://schemas.microsoft.com/office/drawing/2010/main" xmlns:p14="http://schemas.microsoft.com/office/powerpoint/2010/main" xmlns:a16="http://schemas.microsoft.com/office/drawing/2014/main" xmlns="" w="9525">
+                  <a14:hiddenLine xmlns="" xmlns:a16="http://schemas.microsoft.com/office/drawing/2014/main" xmlns:p14="http://schemas.microsoft.com/office/powerpoint/2010/main" xmlns:a14="http://schemas.microsoft.com/office/drawing/2010/main" w="9525">
                     <a:solidFill>
                       <a:srgbClr val="000000"/>
                     </a:solidFill>
@@ -18399,7 +18399,7 @@
               </a:ln>
               <a:extLst>
                 <a:ext uri="{91240B29-F687-4f45-9708-019B960494DF}">
-                  <a14:hiddenLine xmlns:a14="http://schemas.microsoft.com/office/drawing/2010/main" xmlns:p14="http://schemas.microsoft.com/office/powerpoint/2010/main" xmlns:a16="http://schemas.microsoft.com/office/drawing/2014/main" xmlns="" w="9525">
+                  <a14:hiddenLine xmlns="" xmlns:a16="http://schemas.microsoft.com/office/drawing/2014/main" xmlns:p14="http://schemas.microsoft.com/office/powerpoint/2010/main" xmlns:a14="http://schemas.microsoft.com/office/drawing/2010/main" w="9525">
                     <a:solidFill>
                       <a:srgbClr val="000000"/>
                     </a:solidFill>
@@ -18483,7 +18483,7 @@
               </a:ln>
               <a:extLst>
                 <a:ext uri="{91240B29-F687-4f45-9708-019B960494DF}">
-                  <a14:hiddenLine xmlns:a14="http://schemas.microsoft.com/office/drawing/2010/main" xmlns:p14="http://schemas.microsoft.com/office/powerpoint/2010/main" xmlns:a16="http://schemas.microsoft.com/office/drawing/2014/main" xmlns="" w="9525">
+                  <a14:hiddenLine xmlns="" xmlns:a16="http://schemas.microsoft.com/office/drawing/2014/main" xmlns:p14="http://schemas.microsoft.com/office/powerpoint/2010/main" xmlns:a14="http://schemas.microsoft.com/office/drawing/2010/main" w="9525">
                     <a:solidFill>
                       <a:srgbClr val="000000"/>
                     </a:solidFill>
@@ -18595,7 +18595,7 @@
               </a:ln>
               <a:extLst>
                 <a:ext uri="{91240B29-F687-4f45-9708-019B960494DF}">
-                  <a14:hiddenLine xmlns:a14="http://schemas.microsoft.com/office/drawing/2010/main" xmlns:p14="http://schemas.microsoft.com/office/powerpoint/2010/main" xmlns:a16="http://schemas.microsoft.com/office/drawing/2014/main" xmlns="" w="9525">
+                  <a14:hiddenLine xmlns="" xmlns:a16="http://schemas.microsoft.com/office/drawing/2014/main" xmlns:p14="http://schemas.microsoft.com/office/powerpoint/2010/main" xmlns:a14="http://schemas.microsoft.com/office/drawing/2010/main" w="9525">
                     <a:solidFill>
                       <a:srgbClr val="000000"/>
                     </a:solidFill>
@@ -18679,7 +18679,7 @@
               </a:ln>
               <a:extLst>
                 <a:ext uri="{91240B29-F687-4f45-9708-019B960494DF}">
-                  <a14:hiddenLine xmlns:a14="http://schemas.microsoft.com/office/drawing/2010/main" xmlns:p14="http://schemas.microsoft.com/office/powerpoint/2010/main" xmlns:a16="http://schemas.microsoft.com/office/drawing/2014/main" xmlns="" w="9525">
+                  <a14:hiddenLine xmlns="" xmlns:a16="http://schemas.microsoft.com/office/drawing/2014/main" xmlns:p14="http://schemas.microsoft.com/office/powerpoint/2010/main" xmlns:a14="http://schemas.microsoft.com/office/drawing/2010/main" w="9525">
                     <a:solidFill>
                       <a:srgbClr val="000000"/>
                     </a:solidFill>
@@ -18763,7 +18763,7 @@
               </a:ln>
               <a:extLst>
                 <a:ext uri="{91240B29-F687-4f45-9708-019B960494DF}">
-                  <a14:hiddenLine xmlns:a14="http://schemas.microsoft.com/office/drawing/2010/main" xmlns:p14="http://schemas.microsoft.com/office/powerpoint/2010/main" xmlns:a16="http://schemas.microsoft.com/office/drawing/2014/main" xmlns="" w="9525">
+                  <a14:hiddenLine xmlns="" xmlns:a16="http://schemas.microsoft.com/office/drawing/2014/main" xmlns:p14="http://schemas.microsoft.com/office/powerpoint/2010/main" xmlns:a14="http://schemas.microsoft.com/office/drawing/2010/main" w="9525">
                     <a:solidFill>
                       <a:srgbClr val="000000"/>
                     </a:solidFill>
@@ -18875,7 +18875,7 @@
               </a:ln>
               <a:extLst>
                 <a:ext uri="{91240B29-F687-4f45-9708-019B960494DF}">
-                  <a14:hiddenLine xmlns:a14="http://schemas.microsoft.com/office/drawing/2010/main" xmlns:p14="http://schemas.microsoft.com/office/powerpoint/2010/main" xmlns:a16="http://schemas.microsoft.com/office/drawing/2014/main" xmlns="" w="9525">
+                  <a14:hiddenLine xmlns="" xmlns:a16="http://schemas.microsoft.com/office/drawing/2014/main" xmlns:p14="http://schemas.microsoft.com/office/powerpoint/2010/main" xmlns:a14="http://schemas.microsoft.com/office/drawing/2010/main" w="9525">
                     <a:solidFill>
                       <a:srgbClr val="000000"/>
                     </a:solidFill>
@@ -18987,7 +18987,7 @@
               </a:ln>
               <a:extLst>
                 <a:ext uri="{91240B29-F687-4f45-9708-019B960494DF}">
-                  <a14:hiddenLine xmlns:a14="http://schemas.microsoft.com/office/drawing/2010/main" xmlns:p14="http://schemas.microsoft.com/office/powerpoint/2010/main" xmlns:a16="http://schemas.microsoft.com/office/drawing/2014/main" xmlns="" w="9525">
+                  <a14:hiddenLine xmlns="" xmlns:a16="http://schemas.microsoft.com/office/drawing/2014/main" xmlns:p14="http://schemas.microsoft.com/office/powerpoint/2010/main" xmlns:a14="http://schemas.microsoft.com/office/drawing/2010/main" w="9525">
                     <a:solidFill>
                       <a:srgbClr val="000000"/>
                     </a:solidFill>
@@ -19071,7 +19071,7 @@
               </a:ln>
               <a:extLst>
                 <a:ext uri="{91240B29-F687-4f45-9708-019B960494DF}">
-                  <a14:hiddenLine xmlns:a14="http://schemas.microsoft.com/office/drawing/2010/main" xmlns:p14="http://schemas.microsoft.com/office/powerpoint/2010/main" xmlns:a16="http://schemas.microsoft.com/office/drawing/2014/main" xmlns="" w="9525">
+                  <a14:hiddenLine xmlns="" xmlns:a16="http://schemas.microsoft.com/office/drawing/2014/main" xmlns:p14="http://schemas.microsoft.com/office/powerpoint/2010/main" xmlns:a14="http://schemas.microsoft.com/office/drawing/2010/main" w="9525">
                     <a:solidFill>
                       <a:srgbClr val="000000"/>
                     </a:solidFill>
@@ -19203,7 +19203,7 @@
               </a:ln>
               <a:extLst>
                 <a:ext uri="{91240B29-F687-4f45-9708-019B960494DF}">
-                  <a14:hiddenLine xmlns:a14="http://schemas.microsoft.com/office/drawing/2010/main" xmlns:p14="http://schemas.microsoft.com/office/powerpoint/2010/main" xmlns:a16="http://schemas.microsoft.com/office/drawing/2014/main" xmlns="" w="9525">
+                  <a14:hiddenLine xmlns="" xmlns:a16="http://schemas.microsoft.com/office/drawing/2014/main" xmlns:p14="http://schemas.microsoft.com/office/powerpoint/2010/main" xmlns:a14="http://schemas.microsoft.com/office/drawing/2010/main" w="9525">
                     <a:solidFill>
                       <a:srgbClr val="000000"/>
                     </a:solidFill>
@@ -19331,7 +19331,7 @@
               </a:ln>
               <a:extLst>
                 <a:ext uri="{91240B29-F687-4f45-9708-019B960494DF}">
-                  <a14:hiddenLine xmlns:a14="http://schemas.microsoft.com/office/drawing/2010/main" xmlns:p14="http://schemas.microsoft.com/office/powerpoint/2010/main" xmlns:a16="http://schemas.microsoft.com/office/drawing/2014/main" xmlns="" w="9525">
+                  <a14:hiddenLine xmlns="" xmlns:a16="http://schemas.microsoft.com/office/drawing/2014/main" xmlns:p14="http://schemas.microsoft.com/office/powerpoint/2010/main" xmlns:a14="http://schemas.microsoft.com/office/drawing/2010/main" w="9525">
                     <a:solidFill>
                       <a:srgbClr val="000000"/>
                     </a:solidFill>
@@ -19415,7 +19415,7 @@
               </a:ln>
               <a:extLst>
                 <a:ext uri="{91240B29-F687-4f45-9708-019B960494DF}">
-                  <a14:hiddenLine xmlns:a14="http://schemas.microsoft.com/office/drawing/2010/main" xmlns:p14="http://schemas.microsoft.com/office/powerpoint/2010/main" xmlns:a16="http://schemas.microsoft.com/office/drawing/2014/main" xmlns="" w="9525">
+                  <a14:hiddenLine xmlns="" xmlns:a16="http://schemas.microsoft.com/office/drawing/2014/main" xmlns:p14="http://schemas.microsoft.com/office/powerpoint/2010/main" xmlns:a14="http://schemas.microsoft.com/office/drawing/2010/main" w="9525">
                     <a:solidFill>
                       <a:srgbClr val="000000"/>
                     </a:solidFill>
@@ -19499,7 +19499,7 @@
               </a:ln>
               <a:extLst>
                 <a:ext uri="{91240B29-F687-4f45-9708-019B960494DF}">
-                  <a14:hiddenLine xmlns:a14="http://schemas.microsoft.com/office/drawing/2010/main" xmlns:p14="http://schemas.microsoft.com/office/powerpoint/2010/main" xmlns:a16="http://schemas.microsoft.com/office/drawing/2014/main" xmlns="" w="9525">
+                  <a14:hiddenLine xmlns="" xmlns:a16="http://schemas.microsoft.com/office/drawing/2014/main" xmlns:p14="http://schemas.microsoft.com/office/powerpoint/2010/main" xmlns:a14="http://schemas.microsoft.com/office/drawing/2010/main" w="9525">
                     <a:solidFill>
                       <a:srgbClr val="000000"/>
                     </a:solidFill>
@@ -19611,7 +19611,7 @@
               </a:ln>
               <a:extLst>
                 <a:ext uri="{91240B29-F687-4f45-9708-019B960494DF}">
-                  <a14:hiddenLine xmlns:a14="http://schemas.microsoft.com/office/drawing/2010/main" xmlns:p14="http://schemas.microsoft.com/office/powerpoint/2010/main" xmlns:a16="http://schemas.microsoft.com/office/drawing/2014/main" xmlns="" w="9525">
+                  <a14:hiddenLine xmlns="" xmlns:a16="http://schemas.microsoft.com/office/drawing/2014/main" xmlns:p14="http://schemas.microsoft.com/office/powerpoint/2010/main" xmlns:a14="http://schemas.microsoft.com/office/drawing/2010/main" w="9525">
                     <a:solidFill>
                       <a:srgbClr val="000000"/>
                     </a:solidFill>
@@ -19667,7 +19667,7 @@
               </a:ln>
               <a:extLst>
                 <a:ext uri="{91240B29-F687-4f45-9708-019B960494DF}">
-                  <a14:hiddenLine xmlns:a14="http://schemas.microsoft.com/office/drawing/2010/main" xmlns:p14="http://schemas.microsoft.com/office/powerpoint/2010/main" xmlns:a16="http://schemas.microsoft.com/office/drawing/2014/main" xmlns="" w="9525">
+                  <a14:hiddenLine xmlns="" xmlns:a16="http://schemas.microsoft.com/office/drawing/2014/main" xmlns:p14="http://schemas.microsoft.com/office/powerpoint/2010/main" xmlns:a14="http://schemas.microsoft.com/office/drawing/2010/main" w="9525">
                     <a:solidFill>
                       <a:srgbClr val="000000"/>
                     </a:solidFill>
@@ -19754,7 +19754,7 @@
               </a:ln>
               <a:extLst>
                 <a:ext uri="{91240B29-F687-4f45-9708-019B960494DF}">
-                  <a14:hiddenLine xmlns:a14="http://schemas.microsoft.com/office/drawing/2010/main" xmlns:p14="http://schemas.microsoft.com/office/powerpoint/2010/main" xmlns:a16="http://schemas.microsoft.com/office/drawing/2014/main" xmlns="" w="9525">
+                  <a14:hiddenLine xmlns="" xmlns:a16="http://schemas.microsoft.com/office/drawing/2014/main" xmlns:p14="http://schemas.microsoft.com/office/powerpoint/2010/main" xmlns:a14="http://schemas.microsoft.com/office/drawing/2010/main" w="9525">
                     <a:solidFill>
                       <a:srgbClr val="000000"/>
                     </a:solidFill>
@@ -19866,7 +19866,7 @@
               </a:ln>
               <a:extLst>
                 <a:ext uri="{91240B29-F687-4f45-9708-019B960494DF}">
-                  <a14:hiddenLine xmlns:a14="http://schemas.microsoft.com/office/drawing/2010/main" xmlns:p14="http://schemas.microsoft.com/office/powerpoint/2010/main" xmlns:a16="http://schemas.microsoft.com/office/drawing/2014/main" xmlns="" w="9525">
+                  <a14:hiddenLine xmlns="" xmlns:a16="http://schemas.microsoft.com/office/drawing/2014/main" xmlns:p14="http://schemas.microsoft.com/office/powerpoint/2010/main" xmlns:a14="http://schemas.microsoft.com/office/drawing/2010/main" w="9525">
                     <a:solidFill>
                       <a:srgbClr val="000000"/>
                     </a:solidFill>
@@ -19950,7 +19950,7 @@
               </a:ln>
               <a:extLst>
                 <a:ext uri="{91240B29-F687-4f45-9708-019B960494DF}">
-                  <a14:hiddenLine xmlns:a14="http://schemas.microsoft.com/office/drawing/2010/main" xmlns:p14="http://schemas.microsoft.com/office/powerpoint/2010/main" xmlns:a16="http://schemas.microsoft.com/office/drawing/2014/main" xmlns="" w="9525">
+                  <a14:hiddenLine xmlns="" xmlns:a16="http://schemas.microsoft.com/office/drawing/2014/main" xmlns:p14="http://schemas.microsoft.com/office/powerpoint/2010/main" xmlns:a14="http://schemas.microsoft.com/office/drawing/2010/main" w="9525">
                     <a:solidFill>
                       <a:srgbClr val="000000"/>
                     </a:solidFill>
@@ -20062,7 +20062,7 @@
               </a:ln>
               <a:extLst>
                 <a:ext uri="{91240B29-F687-4f45-9708-019B960494DF}">
-                  <a14:hiddenLine xmlns:a14="http://schemas.microsoft.com/office/drawing/2010/main" xmlns:p14="http://schemas.microsoft.com/office/powerpoint/2010/main" xmlns:a16="http://schemas.microsoft.com/office/drawing/2014/main" xmlns="" w="9525">
+                  <a14:hiddenLine xmlns="" xmlns:a16="http://schemas.microsoft.com/office/drawing/2014/main" xmlns:p14="http://schemas.microsoft.com/office/powerpoint/2010/main" xmlns:a14="http://schemas.microsoft.com/office/drawing/2010/main" w="9525">
                     <a:solidFill>
                       <a:srgbClr val="000000"/>
                     </a:solidFill>
@@ -20149,7 +20149,7 @@
               </a:ln>
               <a:extLst>
                 <a:ext uri="{91240B29-F687-4f45-9708-019B960494DF}">
-                  <a14:hiddenLine xmlns:a14="http://schemas.microsoft.com/office/drawing/2010/main" xmlns:p14="http://schemas.microsoft.com/office/powerpoint/2010/main" xmlns:a16="http://schemas.microsoft.com/office/drawing/2014/main" xmlns="" w="9525">
+                  <a14:hiddenLine xmlns="" xmlns:a16="http://schemas.microsoft.com/office/drawing/2014/main" xmlns:p14="http://schemas.microsoft.com/office/powerpoint/2010/main" xmlns:a14="http://schemas.microsoft.com/office/drawing/2010/main" w="9525">
                     <a:solidFill>
                       <a:srgbClr val="000000"/>
                     </a:solidFill>
@@ -20233,7 +20233,7 @@
               </a:ln>
               <a:extLst>
                 <a:ext uri="{91240B29-F687-4f45-9708-019B960494DF}">
-                  <a14:hiddenLine xmlns:a14="http://schemas.microsoft.com/office/drawing/2010/main" xmlns:p14="http://schemas.microsoft.com/office/powerpoint/2010/main" xmlns:a16="http://schemas.microsoft.com/office/drawing/2014/main" xmlns="" w="9525">
+                  <a14:hiddenLine xmlns="" xmlns:a16="http://schemas.microsoft.com/office/drawing/2014/main" xmlns:p14="http://schemas.microsoft.com/office/powerpoint/2010/main" xmlns:a14="http://schemas.microsoft.com/office/drawing/2010/main" w="9525">
                     <a:solidFill>
                       <a:srgbClr val="000000"/>
                     </a:solidFill>
@@ -20345,7 +20345,7 @@
               </a:ln>
               <a:extLst>
                 <a:ext uri="{91240B29-F687-4f45-9708-019B960494DF}">
-                  <a14:hiddenLine xmlns:a14="http://schemas.microsoft.com/office/drawing/2010/main" xmlns:p14="http://schemas.microsoft.com/office/powerpoint/2010/main" xmlns:a16="http://schemas.microsoft.com/office/drawing/2014/main" xmlns="" w="9525">
+                  <a14:hiddenLine xmlns="" xmlns:a16="http://schemas.microsoft.com/office/drawing/2014/main" xmlns:p14="http://schemas.microsoft.com/office/powerpoint/2010/main" xmlns:a14="http://schemas.microsoft.com/office/drawing/2010/main" w="9525">
                     <a:solidFill>
                       <a:srgbClr val="000000"/>
                     </a:solidFill>
@@ -20457,7 +20457,7 @@
               </a:ln>
               <a:extLst>
                 <a:ext uri="{91240B29-F687-4f45-9708-019B960494DF}">
-                  <a14:hiddenLine xmlns:a14="http://schemas.microsoft.com/office/drawing/2010/main" xmlns:p14="http://schemas.microsoft.com/office/powerpoint/2010/main" xmlns:a16="http://schemas.microsoft.com/office/drawing/2014/main" xmlns="" w="9525">
+                  <a14:hiddenLine xmlns="" xmlns:a16="http://schemas.microsoft.com/office/drawing/2014/main" xmlns:p14="http://schemas.microsoft.com/office/powerpoint/2010/main" xmlns:a14="http://schemas.microsoft.com/office/drawing/2010/main" w="9525">
                     <a:solidFill>
                       <a:srgbClr val="000000"/>
                     </a:solidFill>
@@ -20544,7 +20544,7 @@
               </a:ln>
               <a:extLst>
                 <a:ext uri="{91240B29-F687-4f45-9708-019B960494DF}">
-                  <a14:hiddenLine xmlns:a14="http://schemas.microsoft.com/office/drawing/2010/main" xmlns:p14="http://schemas.microsoft.com/office/powerpoint/2010/main" xmlns:a16="http://schemas.microsoft.com/office/drawing/2014/main" xmlns="" w="9525">
+                  <a14:hiddenLine xmlns="" xmlns:a16="http://schemas.microsoft.com/office/drawing/2014/main" xmlns:p14="http://schemas.microsoft.com/office/powerpoint/2010/main" xmlns:a14="http://schemas.microsoft.com/office/drawing/2010/main" w="9525">
                     <a:solidFill>
                       <a:srgbClr val="000000"/>
                     </a:solidFill>
@@ -20686,7 +20686,7 @@
               </a:ln>
               <a:extLst>
                 <a:ext uri="{91240B29-F687-4f45-9708-019B960494DF}">
-                  <a14:hiddenLine xmlns:a14="http://schemas.microsoft.com/office/drawing/2010/main" xmlns:p14="http://schemas.microsoft.com/office/powerpoint/2010/main" xmlns:a16="http://schemas.microsoft.com/office/drawing/2014/main" xmlns="" w="9525">
+                  <a14:hiddenLine xmlns="" xmlns:a16="http://schemas.microsoft.com/office/drawing/2014/main" xmlns:p14="http://schemas.microsoft.com/office/powerpoint/2010/main" xmlns:a14="http://schemas.microsoft.com/office/drawing/2010/main" w="9525">
                     <a:solidFill>
                       <a:srgbClr val="000000"/>
                     </a:solidFill>
@@ -20818,7 +20818,7 @@
               </a:ln>
               <a:extLst>
                 <a:ext uri="{91240B29-F687-4f45-9708-019B960494DF}">
-                  <a14:hiddenLine xmlns:a14="http://schemas.microsoft.com/office/drawing/2010/main" xmlns:p14="http://schemas.microsoft.com/office/powerpoint/2010/main" xmlns:a16="http://schemas.microsoft.com/office/drawing/2014/main" xmlns="" w="9525">
+                  <a14:hiddenLine xmlns="" xmlns:a16="http://schemas.microsoft.com/office/drawing/2014/main" xmlns:p14="http://schemas.microsoft.com/office/powerpoint/2010/main" xmlns:a14="http://schemas.microsoft.com/office/drawing/2010/main" w="9525">
                     <a:solidFill>
                       <a:srgbClr val="000000"/>
                     </a:solidFill>
@@ -20955,7 +20955,7 @@
               </a:ln>
               <a:extLst>
                 <a:ext uri="{91240B29-F687-4f45-9708-019B960494DF}">
-                  <a14:hiddenLine xmlns:a14="http://schemas.microsoft.com/office/drawing/2010/main" xmlns:p14="http://schemas.microsoft.com/office/powerpoint/2010/main" xmlns:a16="http://schemas.microsoft.com/office/drawing/2014/main" xmlns="" w="9525">
+                  <a14:hiddenLine xmlns="" xmlns:a16="http://schemas.microsoft.com/office/drawing/2014/main" xmlns:p14="http://schemas.microsoft.com/office/powerpoint/2010/main" xmlns:a14="http://schemas.microsoft.com/office/drawing/2010/main" w="9525">
                     <a:solidFill>
                       <a:srgbClr val="000000"/>
                     </a:solidFill>
@@ -21067,7 +21067,7 @@
               </a:ln>
               <a:extLst>
                 <a:ext uri="{91240B29-F687-4f45-9708-019B960494DF}">
-                  <a14:hiddenLine xmlns:a14="http://schemas.microsoft.com/office/drawing/2010/main" xmlns:p14="http://schemas.microsoft.com/office/powerpoint/2010/main" xmlns:a16="http://schemas.microsoft.com/office/drawing/2014/main" xmlns="" w="9525">
+                  <a14:hiddenLine xmlns="" xmlns:a16="http://schemas.microsoft.com/office/drawing/2014/main" xmlns:p14="http://schemas.microsoft.com/office/powerpoint/2010/main" xmlns:a14="http://schemas.microsoft.com/office/drawing/2010/main" w="9525">
                     <a:solidFill>
                       <a:srgbClr val="000000"/>
                     </a:solidFill>
@@ -21154,7 +21154,7 @@
               </a:ln>
               <a:extLst>
                 <a:ext uri="{91240B29-F687-4f45-9708-019B960494DF}">
-                  <a14:hiddenLine xmlns:a14="http://schemas.microsoft.com/office/drawing/2010/main" xmlns:p14="http://schemas.microsoft.com/office/powerpoint/2010/main" xmlns:a16="http://schemas.microsoft.com/office/drawing/2014/main" xmlns="" w="9525">
+                  <a14:hiddenLine xmlns="" xmlns:a16="http://schemas.microsoft.com/office/drawing/2014/main" xmlns:p14="http://schemas.microsoft.com/office/powerpoint/2010/main" xmlns:a14="http://schemas.microsoft.com/office/drawing/2010/main" w="9525">
                     <a:solidFill>
                       <a:srgbClr val="000000"/>
                     </a:solidFill>
@@ -21266,7 +21266,7 @@
               </a:ln>
               <a:extLst>
                 <a:ext uri="{91240B29-F687-4f45-9708-019B960494DF}">
-                  <a14:hiddenLine xmlns:a14="http://schemas.microsoft.com/office/drawing/2010/main" xmlns:p14="http://schemas.microsoft.com/office/powerpoint/2010/main" xmlns:a16="http://schemas.microsoft.com/office/drawing/2014/main" xmlns="" w="9525">
+                  <a14:hiddenLine xmlns="" xmlns:a16="http://schemas.microsoft.com/office/drawing/2014/main" xmlns:p14="http://schemas.microsoft.com/office/powerpoint/2010/main" xmlns:a14="http://schemas.microsoft.com/office/drawing/2010/main" w="9525">
                     <a:solidFill>
                       <a:srgbClr val="000000"/>
                     </a:solidFill>
@@ -21356,7 +21356,7 @@
               </a:ln>
               <a:extLst>
                 <a:ext uri="{91240B29-F687-4f45-9708-019B960494DF}">
-                  <a14:hiddenLine xmlns:a14="http://schemas.microsoft.com/office/drawing/2010/main" xmlns:p14="http://schemas.microsoft.com/office/powerpoint/2010/main" xmlns:a16="http://schemas.microsoft.com/office/drawing/2014/main" xmlns="" w="9525">
+                  <a14:hiddenLine xmlns="" xmlns:a16="http://schemas.microsoft.com/office/drawing/2014/main" xmlns:p14="http://schemas.microsoft.com/office/powerpoint/2010/main" xmlns:a14="http://schemas.microsoft.com/office/drawing/2010/main" w="9525">
                     <a:solidFill>
                       <a:srgbClr val="000000"/>
                     </a:solidFill>
@@ -21468,7 +21468,7 @@
               </a:ln>
               <a:extLst>
                 <a:ext uri="{91240B29-F687-4f45-9708-019B960494DF}">
-                  <a14:hiddenLine xmlns:a14="http://schemas.microsoft.com/office/drawing/2010/main" xmlns:p14="http://schemas.microsoft.com/office/powerpoint/2010/main" xmlns:a16="http://schemas.microsoft.com/office/drawing/2014/main" xmlns="" w="9525">
+                  <a14:hiddenLine xmlns="" xmlns:a16="http://schemas.microsoft.com/office/drawing/2014/main" xmlns:p14="http://schemas.microsoft.com/office/powerpoint/2010/main" xmlns:a14="http://schemas.microsoft.com/office/drawing/2010/main" w="9525">
                     <a:solidFill>
                       <a:srgbClr val="000000"/>
                     </a:solidFill>
@@ -21558,7 +21558,7 @@
               </a:ln>
               <a:extLst>
                 <a:ext uri="{91240B29-F687-4f45-9708-019B960494DF}">
-                  <a14:hiddenLine xmlns:a14="http://schemas.microsoft.com/office/drawing/2010/main" xmlns:p14="http://schemas.microsoft.com/office/powerpoint/2010/main" xmlns:a16="http://schemas.microsoft.com/office/drawing/2014/main" xmlns="" w="9525">
+                  <a14:hiddenLine xmlns="" xmlns:a16="http://schemas.microsoft.com/office/drawing/2014/main" xmlns:p14="http://schemas.microsoft.com/office/powerpoint/2010/main" xmlns:a14="http://schemas.microsoft.com/office/drawing/2010/main" w="9525">
                     <a:solidFill>
                       <a:srgbClr val="000000"/>
                     </a:solidFill>
@@ -21670,7 +21670,7 @@
               </a:ln>
               <a:extLst>
                 <a:ext uri="{91240B29-F687-4f45-9708-019B960494DF}">
-                  <a14:hiddenLine xmlns:a14="http://schemas.microsoft.com/office/drawing/2010/main" xmlns:p14="http://schemas.microsoft.com/office/powerpoint/2010/main" xmlns:a16="http://schemas.microsoft.com/office/drawing/2014/main" xmlns="" w="9525">
+                  <a14:hiddenLine xmlns="" xmlns:a16="http://schemas.microsoft.com/office/drawing/2014/main" xmlns:p14="http://schemas.microsoft.com/office/powerpoint/2010/main" xmlns:a14="http://schemas.microsoft.com/office/drawing/2010/main" w="9525">
                     <a:solidFill>
                       <a:srgbClr val="000000"/>
                     </a:solidFill>
@@ -21726,7 +21726,7 @@
               </a:ln>
               <a:extLst>
                 <a:ext uri="{91240B29-F687-4f45-9708-019B960494DF}">
-                  <a14:hiddenLine xmlns:a14="http://schemas.microsoft.com/office/drawing/2010/main" xmlns:p14="http://schemas.microsoft.com/office/powerpoint/2010/main" xmlns:a16="http://schemas.microsoft.com/office/drawing/2014/main" xmlns="" w="9525">
+                  <a14:hiddenLine xmlns="" xmlns:a16="http://schemas.microsoft.com/office/drawing/2014/main" xmlns:p14="http://schemas.microsoft.com/office/powerpoint/2010/main" xmlns:a14="http://schemas.microsoft.com/office/drawing/2010/main" w="9525">
                     <a:solidFill>
                       <a:srgbClr val="000000"/>
                     </a:solidFill>
@@ -21795,7 +21795,7 @@
           <a:noFill/>
           <a:extLst>
             <a:ext uri="{909E8E84-426E-40dd-AFC4-6F175D3DCCD1}">
-              <a14:hiddenFill xmlns:a14="http://schemas.microsoft.com/office/drawing/2010/main" xmlns:p14="http://schemas.microsoft.com/office/powerpoint/2010/main" xmlns:a16="http://schemas.microsoft.com/office/drawing/2014/main" xmlns="">
+              <a14:hiddenFill xmlns="" xmlns:a16="http://schemas.microsoft.com/office/drawing/2014/main" xmlns:p14="http://schemas.microsoft.com/office/powerpoint/2010/main" xmlns:a14="http://schemas.microsoft.com/office/drawing/2010/main">
                 <a:solidFill>
                   <a:srgbClr val="FFFFFF"/>
                 </a:solidFill>
@@ -23235,7 +23235,7 @@
                 <a:effectLst/>
                 <a:latin typeface="Söhne"/>
               </a:rPr>
-              <a:t> is designed for compiling C++ programs. It specifies the compiler command(CMD), allows for passing a CMD value, and defines the paths to the source files and libraries used in the compilation process.</a:t>
+              <a:t> is designed for compiling C programs. It specifies the compiler command(CMD), allows for passing a CMD value, and defines the paths to the source files and libraries used in the compilation process.</a:t>
             </a:r>
             <a:endParaRPr lang="en-US" dirty="0"/>
           </a:p>
@@ -23692,15 +23692,6 @@
 </file>
 
 <file path=customXml/item1.xml><?xml version="1.0" encoding="utf-8"?>
-<?mso-contentType ?>
-<FormTemplates xmlns="http://schemas.microsoft.com/sharepoint/v3/contenttype/forms">
-  <Display>DocumentLibraryForm</Display>
-  <Edit>DocumentLibraryForm</Edit>
-  <New>DocumentLibraryForm</New>
-</FormTemplates>
-</file>
-
-<file path=customXml/item2.xml><?xml version="1.0" encoding="utf-8"?>
 <ct:contentTypeSchema xmlns:ct="http://schemas.microsoft.com/office/2006/metadata/contentType" xmlns:ma="http://schemas.microsoft.com/office/2006/metadata/properties/metaAttributes" ct:_="" ma:_="" ma:contentTypeName="Document" ma:contentTypeID="0x0101000AB73EB492119943B3969339C4E6DE8B" ma:contentTypeVersion="11" ma:contentTypeDescription="Create a new document." ma:contentTypeScope="" ma:versionID="bc8fbbb2255098cbbace3e84ba9e3314">
   <xsd:schema xmlns:xsd="http://www.w3.org/2001/XMLSchema" xmlns:xs="http://www.w3.org/2001/XMLSchema" xmlns:p="http://schemas.microsoft.com/office/2006/metadata/properties" xmlns:ns3="2d182beb-936c-4a1e-8057-ffe191512bbb" xmlns:ns4="56334ec6-18e1-4e0d-8137-c57cc6a15c84" targetNamespace="http://schemas.microsoft.com/office/2006/metadata/properties" ma:root="true" ma:fieldsID="5f2134b7d5ca9c15cf8ebfa44ab89879" ns3:_="" ns4:_="">
     <xsd:import namespace="2d182beb-936c-4a1e-8057-ffe191512bbb"/>
@@ -23907,6 +23898,15 @@
 </ct:contentTypeSchema>
 </file>
 
+<file path=customXml/item2.xml><?xml version="1.0" encoding="utf-8"?>
+<?mso-contentType ?>
+<FormTemplates xmlns="http://schemas.microsoft.com/sharepoint/v3/contenttype/forms">
+  <Display>DocumentLibraryForm</Display>
+  <Edit>DocumentLibraryForm</Edit>
+  <New>DocumentLibraryForm</New>
+</FormTemplates>
+</file>
+
 <file path=customXml/item3.xml><?xml version="1.0" encoding="utf-8"?>
 <p:properties xmlns:p="http://schemas.microsoft.com/office/2006/metadata/properties" xmlns:xsi="http://www.w3.org/2001/XMLSchema-instance" xmlns:pc="http://schemas.microsoft.com/office/infopath/2007/PartnerControls">
   <documentManagement>
@@ -23916,14 +23916,6 @@
 </file>
 
 <file path=customXml/itemProps1.xml><?xml version="1.0" encoding="utf-8"?>
-<ds:datastoreItem xmlns:ds="http://schemas.openxmlformats.org/officeDocument/2006/customXml" ds:itemID="{B91A22D7-1472-4FF2-8175-3C34A5B5F515}">
-  <ds:schemaRefs>
-    <ds:schemaRef ds:uri="http://schemas.microsoft.com/sharepoint/v3/contenttype/forms"/>
-  </ds:schemaRefs>
-</ds:datastoreItem>
-</file>
-
-<file path=customXml/itemProps2.xml><?xml version="1.0" encoding="utf-8"?>
 <ds:datastoreItem xmlns:ds="http://schemas.openxmlformats.org/officeDocument/2006/customXml" ds:itemID="{DEB0BBC4-07CC-42F3-954A-3D3D93489FC0}">
   <ds:schemaRefs>
     <ds:schemaRef ds:uri="http://schemas.microsoft.com/office/2006/metadata/contentType"/>
@@ -23938,6 +23930,14 @@
     <ds:schemaRef ds:uri="http://purl.org/dc/elements/1.1/"/>
     <ds:schemaRef ds:uri="http://purl.org/dc/terms/"/>
     <ds:schemaRef ds:uri="http://schemas.microsoft.com/internal/obd"/>
+  </ds:schemaRefs>
+</ds:datastoreItem>
+</file>
+
+<file path=customXml/itemProps2.xml><?xml version="1.0" encoding="utf-8"?>
+<ds:datastoreItem xmlns:ds="http://schemas.openxmlformats.org/officeDocument/2006/customXml" ds:itemID="{B91A22D7-1472-4FF2-8175-3C34A5B5F515}">
+  <ds:schemaRefs>
+    <ds:schemaRef ds:uri="http://schemas.microsoft.com/sharepoint/v3/contenttype/forms"/>
   </ds:schemaRefs>
 </ds:datastoreItem>
 </file>

--- a/Mullen_Nour_Kelly_Momat_OSPnC/Presentation.pptx
+++ b/Mullen_Nour_Kelly_Momat_OSPnC/Presentation.pptx
@@ -177,7 +177,7 @@
           <a:noFill/>
           <a:extLst>
             <a:ext uri="{909E8E84-426E-40dd-AFC4-6F175D3DCCD1}">
-              <a14:hiddenFill xmlns:a14="http://schemas.microsoft.com/office/drawing/2010/main" xmlns="">
+              <a14:hiddenFill xmlns="" xmlns:a14="http://schemas.microsoft.com/office/drawing/2010/main">
                 <a:solidFill>
                   <a:srgbClr val="FFFFFF"/>
                 </a:solidFill>
@@ -237,7 +237,7 @@
             </a:ln>
             <a:extLst>
               <a:ext uri="{91240B29-F687-4f45-9708-019B960494DF}">
-                <a14:hiddenLine xmlns:a14="http://schemas.microsoft.com/office/drawing/2010/main" xmlns="" w="9525">
+                <a14:hiddenLine xmlns="" xmlns:a14="http://schemas.microsoft.com/office/drawing/2010/main" w="9525">
                   <a:solidFill>
                     <a:srgbClr val="000000"/>
                   </a:solidFill>
@@ -327,7 +327,7 @@
             </a:ln>
             <a:extLst>
               <a:ext uri="{91240B29-F687-4f45-9708-019B960494DF}">
-                <a14:hiddenLine xmlns:a14="http://schemas.microsoft.com/office/drawing/2010/main" xmlns="" w="9525">
+                <a14:hiddenLine xmlns="" xmlns:a14="http://schemas.microsoft.com/office/drawing/2010/main" w="9525">
                   <a:solidFill>
                     <a:srgbClr val="000000"/>
                   </a:solidFill>
@@ -417,7 +417,7 @@
             </a:ln>
             <a:extLst>
               <a:ext uri="{91240B29-F687-4f45-9708-019B960494DF}">
-                <a14:hiddenLine xmlns:a14="http://schemas.microsoft.com/office/drawing/2010/main" xmlns="" w="9525">
+                <a14:hiddenLine xmlns="" xmlns:a14="http://schemas.microsoft.com/office/drawing/2010/main" w="9525">
                   <a:solidFill>
                     <a:srgbClr val="000000"/>
                   </a:solidFill>
@@ -451,7 +451,7 @@
             </a:ln>
             <a:extLst>
               <a:ext uri="{91240B29-F687-4f45-9708-019B960494DF}">
-                <a14:hiddenLine xmlns:a14="http://schemas.microsoft.com/office/drawing/2010/main" xmlns="" w="9525">
+                <a14:hiddenLine xmlns="" xmlns:a14="http://schemas.microsoft.com/office/drawing/2010/main" w="9525">
                   <a:solidFill>
                     <a:srgbClr val="000000"/>
                   </a:solidFill>
@@ -541,7 +541,7 @@
             </a:ln>
             <a:extLst>
               <a:ext uri="{91240B29-F687-4f45-9708-019B960494DF}">
-                <a14:hiddenLine xmlns:a14="http://schemas.microsoft.com/office/drawing/2010/main" xmlns="" w="9525">
+                <a14:hiddenLine xmlns="" xmlns:a14="http://schemas.microsoft.com/office/drawing/2010/main" w="9525">
                   <a:solidFill>
                     <a:srgbClr val="000000"/>
                   </a:solidFill>
@@ -603,7 +603,7 @@
             </a:ln>
             <a:extLst>
               <a:ext uri="{91240B29-F687-4f45-9708-019B960494DF}">
-                <a14:hiddenLine xmlns:a14="http://schemas.microsoft.com/office/drawing/2010/main" xmlns="" w="9525">
+                <a14:hiddenLine xmlns="" xmlns:a14="http://schemas.microsoft.com/office/drawing/2010/main" w="9525">
                   <a:solidFill>
                     <a:srgbClr val="000000"/>
                   </a:solidFill>
@@ -665,7 +665,7 @@
             </a:ln>
             <a:extLst>
               <a:ext uri="{91240B29-F687-4f45-9708-019B960494DF}">
-                <a14:hiddenLine xmlns:a14="http://schemas.microsoft.com/office/drawing/2010/main" xmlns="" w="9525">
+                <a14:hiddenLine xmlns="" xmlns:a14="http://schemas.microsoft.com/office/drawing/2010/main" w="9525">
                   <a:solidFill>
                     <a:srgbClr val="000000"/>
                   </a:solidFill>
@@ -755,7 +755,7 @@
             </a:ln>
             <a:extLst>
               <a:ext uri="{91240B29-F687-4f45-9708-019B960494DF}">
-                <a14:hiddenLine xmlns:a14="http://schemas.microsoft.com/office/drawing/2010/main" xmlns="" w="9525">
+                <a14:hiddenLine xmlns="" xmlns:a14="http://schemas.microsoft.com/office/drawing/2010/main" w="9525">
                   <a:solidFill>
                     <a:srgbClr val="000000"/>
                   </a:solidFill>
@@ -817,7 +817,7 @@
             </a:ln>
             <a:extLst>
               <a:ext uri="{91240B29-F687-4f45-9708-019B960494DF}">
-                <a14:hiddenLine xmlns:a14="http://schemas.microsoft.com/office/drawing/2010/main" xmlns="" w="9525">
+                <a14:hiddenLine xmlns="" xmlns:a14="http://schemas.microsoft.com/office/drawing/2010/main" w="9525">
                   <a:solidFill>
                     <a:srgbClr val="000000"/>
                   </a:solidFill>
@@ -879,7 +879,7 @@
             </a:ln>
             <a:extLst>
               <a:ext uri="{91240B29-F687-4f45-9708-019B960494DF}">
-                <a14:hiddenLine xmlns:a14="http://schemas.microsoft.com/office/drawing/2010/main" xmlns="" w="9525">
+                <a14:hiddenLine xmlns="" xmlns:a14="http://schemas.microsoft.com/office/drawing/2010/main" w="9525">
                   <a:solidFill>
                     <a:srgbClr val="000000"/>
                   </a:solidFill>
@@ -969,7 +969,7 @@
             </a:ln>
             <a:extLst>
               <a:ext uri="{91240B29-F687-4f45-9708-019B960494DF}">
-                <a14:hiddenLine xmlns:a14="http://schemas.microsoft.com/office/drawing/2010/main" xmlns="" w="9525">
+                <a14:hiddenLine xmlns="" xmlns:a14="http://schemas.microsoft.com/office/drawing/2010/main" w="9525">
                   <a:solidFill>
                     <a:srgbClr val="000000"/>
                   </a:solidFill>
@@ -1059,7 +1059,7 @@
             </a:ln>
             <a:extLst>
               <a:ext uri="{91240B29-F687-4f45-9708-019B960494DF}">
-                <a14:hiddenLine xmlns:a14="http://schemas.microsoft.com/office/drawing/2010/main" xmlns="" w="9525">
+                <a14:hiddenLine xmlns="" xmlns:a14="http://schemas.microsoft.com/office/drawing/2010/main" w="9525">
                   <a:solidFill>
                     <a:srgbClr val="000000"/>
                   </a:solidFill>
@@ -1121,7 +1121,7 @@
             </a:ln>
             <a:extLst>
               <a:ext uri="{91240B29-F687-4f45-9708-019B960494DF}">
-                <a14:hiddenLine xmlns:a14="http://schemas.microsoft.com/office/drawing/2010/main" xmlns="" w="9525">
+                <a14:hiddenLine xmlns="" xmlns:a14="http://schemas.microsoft.com/office/drawing/2010/main" w="9525">
                   <a:solidFill>
                     <a:srgbClr val="000000"/>
                   </a:solidFill>
@@ -1231,7 +1231,7 @@
             </a:ln>
             <a:extLst>
               <a:ext uri="{91240B29-F687-4f45-9708-019B960494DF}">
-                <a14:hiddenLine xmlns:a14="http://schemas.microsoft.com/office/drawing/2010/main" xmlns="" w="9525">
+                <a14:hiddenLine xmlns="" xmlns:a14="http://schemas.microsoft.com/office/drawing/2010/main" w="9525">
                   <a:solidFill>
                     <a:srgbClr val="000000"/>
                   </a:solidFill>
@@ -1293,7 +1293,7 @@
             </a:ln>
             <a:extLst>
               <a:ext uri="{91240B29-F687-4f45-9708-019B960494DF}">
-                <a14:hiddenLine xmlns:a14="http://schemas.microsoft.com/office/drawing/2010/main" xmlns="" w="9525">
+                <a14:hiddenLine xmlns="" xmlns:a14="http://schemas.microsoft.com/office/drawing/2010/main" w="9525">
                   <a:solidFill>
                     <a:srgbClr val="000000"/>
                   </a:solidFill>
@@ -1383,7 +1383,7 @@
             </a:ln>
             <a:extLst>
               <a:ext uri="{91240B29-F687-4f45-9708-019B960494DF}">
-                <a14:hiddenLine xmlns:a14="http://schemas.microsoft.com/office/drawing/2010/main" xmlns="" w="9525">
+                <a14:hiddenLine xmlns="" xmlns:a14="http://schemas.microsoft.com/office/drawing/2010/main" w="9525">
                   <a:solidFill>
                     <a:srgbClr val="000000"/>
                   </a:solidFill>
@@ -1473,7 +1473,7 @@
             </a:ln>
             <a:extLst>
               <a:ext uri="{91240B29-F687-4f45-9708-019B960494DF}">
-                <a14:hiddenLine xmlns:a14="http://schemas.microsoft.com/office/drawing/2010/main" xmlns="" w="9525">
+                <a14:hiddenLine xmlns="" xmlns:a14="http://schemas.microsoft.com/office/drawing/2010/main" w="9525">
                   <a:solidFill>
                     <a:srgbClr val="000000"/>
                   </a:solidFill>
@@ -1535,7 +1535,7 @@
             </a:ln>
             <a:extLst>
               <a:ext uri="{91240B29-F687-4f45-9708-019B960494DF}">
-                <a14:hiddenLine xmlns:a14="http://schemas.microsoft.com/office/drawing/2010/main" xmlns="" w="9525">
+                <a14:hiddenLine xmlns="" xmlns:a14="http://schemas.microsoft.com/office/drawing/2010/main" w="9525">
                   <a:solidFill>
                     <a:srgbClr val="000000"/>
                   </a:solidFill>
@@ -1625,7 +1625,7 @@
             </a:ln>
             <a:extLst>
               <a:ext uri="{91240B29-F687-4f45-9708-019B960494DF}">
-                <a14:hiddenLine xmlns:a14="http://schemas.microsoft.com/office/drawing/2010/main" xmlns="" w="9525">
+                <a14:hiddenLine xmlns="" xmlns:a14="http://schemas.microsoft.com/office/drawing/2010/main" w="9525">
                   <a:solidFill>
                     <a:srgbClr val="000000"/>
                   </a:solidFill>
@@ -1715,7 +1715,7 @@
             </a:ln>
             <a:extLst>
               <a:ext uri="{91240B29-F687-4f45-9708-019B960494DF}">
-                <a14:hiddenLine xmlns:a14="http://schemas.microsoft.com/office/drawing/2010/main" xmlns="" w="9525">
+                <a14:hiddenLine xmlns="" xmlns:a14="http://schemas.microsoft.com/office/drawing/2010/main" w="9525">
                   <a:solidFill>
                     <a:srgbClr val="000000"/>
                   </a:solidFill>
@@ -1771,7 +1771,7 @@
             </a:ln>
             <a:extLst>
               <a:ext uri="{91240B29-F687-4f45-9708-019B960494DF}">
-                <a14:hiddenLine xmlns:a14="http://schemas.microsoft.com/office/drawing/2010/main" xmlns="" w="9525">
+                <a14:hiddenLine xmlns="" xmlns:a14="http://schemas.microsoft.com/office/drawing/2010/main" w="9525">
                   <a:solidFill>
                     <a:srgbClr val="000000"/>
                   </a:solidFill>
@@ -1861,7 +1861,7 @@
             </a:ln>
             <a:extLst>
               <a:ext uri="{91240B29-F687-4f45-9708-019B960494DF}">
-                <a14:hiddenLine xmlns:a14="http://schemas.microsoft.com/office/drawing/2010/main" xmlns="" w="9525">
+                <a14:hiddenLine xmlns="" xmlns:a14="http://schemas.microsoft.com/office/drawing/2010/main" w="9525">
                   <a:solidFill>
                     <a:srgbClr val="000000"/>
                   </a:solidFill>
@@ -1917,7 +1917,7 @@
             </a:ln>
             <a:extLst>
               <a:ext uri="{91240B29-F687-4f45-9708-019B960494DF}">
-                <a14:hiddenLine xmlns:a14="http://schemas.microsoft.com/office/drawing/2010/main" xmlns="" w="9525">
+                <a14:hiddenLine xmlns="" xmlns:a14="http://schemas.microsoft.com/office/drawing/2010/main" w="9525">
                   <a:solidFill>
                     <a:srgbClr val="000000"/>
                   </a:solidFill>
@@ -2007,7 +2007,7 @@
             </a:ln>
             <a:extLst>
               <a:ext uri="{91240B29-F687-4f45-9708-019B960494DF}">
-                <a14:hiddenLine xmlns:a14="http://schemas.microsoft.com/office/drawing/2010/main" xmlns="" w="9525">
+                <a14:hiddenLine xmlns="" xmlns:a14="http://schemas.microsoft.com/office/drawing/2010/main" w="9525">
                   <a:solidFill>
                     <a:srgbClr val="000000"/>
                   </a:solidFill>
@@ -2075,7 +2075,7 @@
             </a:ln>
             <a:extLst>
               <a:ext uri="{91240B29-F687-4f45-9708-019B960494DF}">
-                <a14:hiddenLine xmlns:a14="http://schemas.microsoft.com/office/drawing/2010/main" xmlns="" w="9525">
+                <a14:hiddenLine xmlns="" xmlns:a14="http://schemas.microsoft.com/office/drawing/2010/main" w="9525">
                   <a:solidFill>
                     <a:srgbClr val="000000"/>
                   </a:solidFill>
@@ -2165,7 +2165,7 @@
             </a:ln>
             <a:extLst>
               <a:ext uri="{91240B29-F687-4f45-9708-019B960494DF}">
-                <a14:hiddenLine xmlns:a14="http://schemas.microsoft.com/office/drawing/2010/main" xmlns="" w="9525">
+                <a14:hiddenLine xmlns="" xmlns:a14="http://schemas.microsoft.com/office/drawing/2010/main" w="9525">
                   <a:solidFill>
                     <a:srgbClr val="000000"/>
                   </a:solidFill>
@@ -2233,7 +2233,7 @@
             </a:ln>
             <a:extLst>
               <a:ext uri="{91240B29-F687-4f45-9708-019B960494DF}">
-                <a14:hiddenLine xmlns:a14="http://schemas.microsoft.com/office/drawing/2010/main" xmlns="" w="9525">
+                <a14:hiddenLine xmlns="" xmlns:a14="http://schemas.microsoft.com/office/drawing/2010/main" w="9525">
                   <a:solidFill>
                     <a:srgbClr val="000000"/>
                   </a:solidFill>
@@ -2323,7 +2323,7 @@
             </a:ln>
             <a:extLst>
               <a:ext uri="{91240B29-F687-4f45-9708-019B960494DF}">
-                <a14:hiddenLine xmlns:a14="http://schemas.microsoft.com/office/drawing/2010/main" xmlns="" w="9525">
+                <a14:hiddenLine xmlns="" xmlns:a14="http://schemas.microsoft.com/office/drawing/2010/main" w="9525">
                   <a:solidFill>
                     <a:srgbClr val="000000"/>
                   </a:solidFill>
@@ -2357,7 +2357,7 @@
             </a:ln>
             <a:extLst>
               <a:ext uri="{91240B29-F687-4f45-9708-019B960494DF}">
-                <a14:hiddenLine xmlns:a14="http://schemas.microsoft.com/office/drawing/2010/main" xmlns="" w="9525">
+                <a14:hiddenLine xmlns="" xmlns:a14="http://schemas.microsoft.com/office/drawing/2010/main" w="9525">
                   <a:solidFill>
                     <a:srgbClr val="000000"/>
                   </a:solidFill>
@@ -2447,7 +2447,7 @@
             </a:ln>
             <a:extLst>
               <a:ext uri="{91240B29-F687-4f45-9708-019B960494DF}">
-                <a14:hiddenLine xmlns:a14="http://schemas.microsoft.com/office/drawing/2010/main" xmlns="" w="9525">
+                <a14:hiddenLine xmlns="" xmlns:a14="http://schemas.microsoft.com/office/drawing/2010/main" w="9525">
                   <a:solidFill>
                     <a:srgbClr val="000000"/>
                   </a:solidFill>
@@ -2509,7 +2509,7 @@
             </a:ln>
             <a:extLst>
               <a:ext uri="{91240B29-F687-4f45-9708-019B960494DF}">
-                <a14:hiddenLine xmlns:a14="http://schemas.microsoft.com/office/drawing/2010/main" xmlns="" w="9525">
+                <a14:hiddenLine xmlns="" xmlns:a14="http://schemas.microsoft.com/office/drawing/2010/main" w="9525">
                   <a:solidFill>
                     <a:srgbClr val="000000"/>
                   </a:solidFill>
@@ -2571,7 +2571,7 @@
             </a:ln>
             <a:extLst>
               <a:ext uri="{91240B29-F687-4f45-9708-019B960494DF}">
-                <a14:hiddenLine xmlns:a14="http://schemas.microsoft.com/office/drawing/2010/main" xmlns="" w="9525">
+                <a14:hiddenLine xmlns="" xmlns:a14="http://schemas.microsoft.com/office/drawing/2010/main" w="9525">
                   <a:solidFill>
                     <a:srgbClr val="000000"/>
                   </a:solidFill>
@@ -2661,7 +2661,7 @@
             </a:ln>
             <a:extLst>
               <a:ext uri="{91240B29-F687-4f45-9708-019B960494DF}">
-                <a14:hiddenLine xmlns:a14="http://schemas.microsoft.com/office/drawing/2010/main" xmlns="" w="9525">
+                <a14:hiddenLine xmlns="" xmlns:a14="http://schemas.microsoft.com/office/drawing/2010/main" w="9525">
                   <a:solidFill>
                     <a:srgbClr val="000000"/>
                   </a:solidFill>
@@ -2729,7 +2729,7 @@
             </a:ln>
             <a:extLst>
               <a:ext uri="{91240B29-F687-4f45-9708-019B960494DF}">
-                <a14:hiddenLine xmlns:a14="http://schemas.microsoft.com/office/drawing/2010/main" xmlns="" w="9525">
+                <a14:hiddenLine xmlns="" xmlns:a14="http://schemas.microsoft.com/office/drawing/2010/main" w="9525">
                   <a:solidFill>
                     <a:srgbClr val="000000"/>
                   </a:solidFill>
@@ -2791,7 +2791,7 @@
             </a:ln>
             <a:extLst>
               <a:ext uri="{91240B29-F687-4f45-9708-019B960494DF}">
-                <a14:hiddenLine xmlns:a14="http://schemas.microsoft.com/office/drawing/2010/main" xmlns="" w="9525">
+                <a14:hiddenLine xmlns="" xmlns:a14="http://schemas.microsoft.com/office/drawing/2010/main" w="9525">
                   <a:solidFill>
                     <a:srgbClr val="000000"/>
                   </a:solidFill>
@@ -2881,7 +2881,7 @@
             </a:ln>
             <a:extLst>
               <a:ext uri="{91240B29-F687-4f45-9708-019B960494DF}">
-                <a14:hiddenLine xmlns:a14="http://schemas.microsoft.com/office/drawing/2010/main" xmlns="" w="9525">
+                <a14:hiddenLine xmlns="" xmlns:a14="http://schemas.microsoft.com/office/drawing/2010/main" w="9525">
                   <a:solidFill>
                     <a:srgbClr val="000000"/>
                   </a:solidFill>
@@ -2943,7 +2943,7 @@
             </a:ln>
             <a:extLst>
               <a:ext uri="{91240B29-F687-4f45-9708-019B960494DF}">
-                <a14:hiddenLine xmlns:a14="http://schemas.microsoft.com/office/drawing/2010/main" xmlns="" w="9525">
+                <a14:hiddenLine xmlns="" xmlns:a14="http://schemas.microsoft.com/office/drawing/2010/main" w="9525">
                   <a:solidFill>
                     <a:srgbClr val="000000"/>
                   </a:solidFill>
@@ -3033,7 +3033,7 @@
             </a:ln>
             <a:extLst>
               <a:ext uri="{91240B29-F687-4f45-9708-019B960494DF}">
-                <a14:hiddenLine xmlns:a14="http://schemas.microsoft.com/office/drawing/2010/main" xmlns="" w="9525">
+                <a14:hiddenLine xmlns="" xmlns:a14="http://schemas.microsoft.com/office/drawing/2010/main" w="9525">
                   <a:solidFill>
                     <a:srgbClr val="000000"/>
                   </a:solidFill>
@@ -3095,7 +3095,7 @@
             </a:ln>
             <a:extLst>
               <a:ext uri="{91240B29-F687-4f45-9708-019B960494DF}">
-                <a14:hiddenLine xmlns:a14="http://schemas.microsoft.com/office/drawing/2010/main" xmlns="" w="9525">
+                <a14:hiddenLine xmlns="" xmlns:a14="http://schemas.microsoft.com/office/drawing/2010/main" w="9525">
                   <a:solidFill>
                     <a:srgbClr val="000000"/>
                   </a:solidFill>
@@ -3185,7 +3185,7 @@
             </a:ln>
             <a:extLst>
               <a:ext uri="{91240B29-F687-4f45-9708-019B960494DF}">
-                <a14:hiddenLine xmlns:a14="http://schemas.microsoft.com/office/drawing/2010/main" xmlns="" w="9525">
+                <a14:hiddenLine xmlns="" xmlns:a14="http://schemas.microsoft.com/office/drawing/2010/main" w="9525">
                   <a:solidFill>
                     <a:srgbClr val="000000"/>
                   </a:solidFill>
@@ -3219,7 +3219,7 @@
             </a:ln>
             <a:extLst>
               <a:ext uri="{91240B29-F687-4f45-9708-019B960494DF}">
-                <a14:hiddenLine xmlns:a14="http://schemas.microsoft.com/office/drawing/2010/main" xmlns="" w="9525">
+                <a14:hiddenLine xmlns="" xmlns:a14="http://schemas.microsoft.com/office/drawing/2010/main" w="9525">
                   <a:solidFill>
                     <a:srgbClr val="000000"/>
                   </a:solidFill>
@@ -3284,7 +3284,7 @@
             </a:ln>
             <a:extLst>
               <a:ext uri="{91240B29-F687-4f45-9708-019B960494DF}">
-                <a14:hiddenLine xmlns:a14="http://schemas.microsoft.com/office/drawing/2010/main" xmlns="" w="9525">
+                <a14:hiddenLine xmlns="" xmlns:a14="http://schemas.microsoft.com/office/drawing/2010/main" w="9525">
                   <a:solidFill>
                     <a:srgbClr val="000000"/>
                   </a:solidFill>
@@ -3374,7 +3374,7 @@
             </a:ln>
             <a:extLst>
               <a:ext uri="{91240B29-F687-4f45-9708-019B960494DF}">
-                <a14:hiddenLine xmlns:a14="http://schemas.microsoft.com/office/drawing/2010/main" xmlns="" w="9525">
+                <a14:hiddenLine xmlns="" xmlns:a14="http://schemas.microsoft.com/office/drawing/2010/main" w="9525">
                   <a:solidFill>
                     <a:srgbClr val="000000"/>
                   </a:solidFill>
@@ -3436,7 +3436,7 @@
             </a:ln>
             <a:extLst>
               <a:ext uri="{91240B29-F687-4f45-9708-019B960494DF}">
-                <a14:hiddenLine xmlns:a14="http://schemas.microsoft.com/office/drawing/2010/main" xmlns="" w="9525">
+                <a14:hiddenLine xmlns="" xmlns:a14="http://schemas.microsoft.com/office/drawing/2010/main" w="9525">
                   <a:solidFill>
                     <a:srgbClr val="000000"/>
                   </a:solidFill>
@@ -3526,7 +3526,7 @@
             </a:ln>
             <a:extLst>
               <a:ext uri="{91240B29-F687-4f45-9708-019B960494DF}">
-                <a14:hiddenLine xmlns:a14="http://schemas.microsoft.com/office/drawing/2010/main" xmlns="" w="9525">
+                <a14:hiddenLine xmlns="" xmlns:a14="http://schemas.microsoft.com/office/drawing/2010/main" w="9525">
                   <a:solidFill>
                     <a:srgbClr val="000000"/>
                   </a:solidFill>
@@ -3616,7 +3616,7 @@
             </a:ln>
             <a:extLst>
               <a:ext uri="{91240B29-F687-4f45-9708-019B960494DF}">
-                <a14:hiddenLine xmlns:a14="http://schemas.microsoft.com/office/drawing/2010/main" xmlns="" w="9525">
+                <a14:hiddenLine xmlns="" xmlns:a14="http://schemas.microsoft.com/office/drawing/2010/main" w="9525">
                   <a:solidFill>
                     <a:srgbClr val="000000"/>
                   </a:solidFill>
@@ -3681,7 +3681,7 @@
             </a:ln>
             <a:extLst>
               <a:ext uri="{91240B29-F687-4f45-9708-019B960494DF}">
-                <a14:hiddenLine xmlns:a14="http://schemas.microsoft.com/office/drawing/2010/main" xmlns="" w="9525">
+                <a14:hiddenLine xmlns="" xmlns:a14="http://schemas.microsoft.com/office/drawing/2010/main" w="9525">
                   <a:solidFill>
                     <a:srgbClr val="000000"/>
                   </a:solidFill>
@@ -3743,7 +3743,7 @@
             </a:ln>
             <a:extLst>
               <a:ext uri="{91240B29-F687-4f45-9708-019B960494DF}">
-                <a14:hiddenLine xmlns:a14="http://schemas.microsoft.com/office/drawing/2010/main" xmlns="" w="9525">
+                <a14:hiddenLine xmlns="" xmlns:a14="http://schemas.microsoft.com/office/drawing/2010/main" w="9525">
                   <a:solidFill>
                     <a:srgbClr val="000000"/>
                   </a:solidFill>
@@ -3833,7 +3833,7 @@
             </a:ln>
             <a:extLst>
               <a:ext uri="{91240B29-F687-4f45-9708-019B960494DF}">
-                <a14:hiddenLine xmlns:a14="http://schemas.microsoft.com/office/drawing/2010/main" xmlns="" w="9525">
+                <a14:hiddenLine xmlns="" xmlns:a14="http://schemas.microsoft.com/office/drawing/2010/main" w="9525">
                   <a:solidFill>
                     <a:srgbClr val="000000"/>
                   </a:solidFill>
@@ -3923,7 +3923,7 @@
             </a:ln>
             <a:extLst>
               <a:ext uri="{91240B29-F687-4f45-9708-019B960494DF}">
-                <a14:hiddenLine xmlns:a14="http://schemas.microsoft.com/office/drawing/2010/main" xmlns="" w="9525">
+                <a14:hiddenLine xmlns="" xmlns:a14="http://schemas.microsoft.com/office/drawing/2010/main" w="9525">
                   <a:solidFill>
                     <a:srgbClr val="000000"/>
                   </a:solidFill>
@@ -3985,7 +3985,7 @@
             </a:ln>
             <a:extLst>
               <a:ext uri="{91240B29-F687-4f45-9708-019B960494DF}">
-                <a14:hiddenLine xmlns:a14="http://schemas.microsoft.com/office/drawing/2010/main" xmlns="" w="9525">
+                <a14:hiddenLine xmlns="" xmlns:a14="http://schemas.microsoft.com/office/drawing/2010/main" w="9525">
                   <a:solidFill>
                     <a:srgbClr val="000000"/>
                   </a:solidFill>
@@ -4105,7 +4105,7 @@
             </a:ln>
             <a:extLst>
               <a:ext uri="{91240B29-F687-4f45-9708-019B960494DF}">
-                <a14:hiddenLine xmlns:a14="http://schemas.microsoft.com/office/drawing/2010/main" xmlns="" w="9525">
+                <a14:hiddenLine xmlns="" xmlns:a14="http://schemas.microsoft.com/office/drawing/2010/main" w="9525">
                   <a:solidFill>
                     <a:srgbClr val="000000"/>
                   </a:solidFill>
@@ -4173,7 +4173,7 @@
             </a:ln>
             <a:extLst>
               <a:ext uri="{91240B29-F687-4f45-9708-019B960494DF}">
-                <a14:hiddenLine xmlns:a14="http://schemas.microsoft.com/office/drawing/2010/main" xmlns="" w="9525">
+                <a14:hiddenLine xmlns="" xmlns:a14="http://schemas.microsoft.com/office/drawing/2010/main" w="9525">
                   <a:solidFill>
                     <a:srgbClr val="000000"/>
                   </a:solidFill>
@@ -4263,7 +4263,7 @@
             </a:ln>
             <a:extLst>
               <a:ext uri="{91240B29-F687-4f45-9708-019B960494DF}">
-                <a14:hiddenLine xmlns:a14="http://schemas.microsoft.com/office/drawing/2010/main" xmlns="" w="9525">
+                <a14:hiddenLine xmlns="" xmlns:a14="http://schemas.microsoft.com/office/drawing/2010/main" w="9525">
                   <a:solidFill>
                     <a:srgbClr val="000000"/>
                   </a:solidFill>
@@ -8985,7 +8985,7 @@
           <a:noFill/>
           <a:extLst>
             <a:ext uri="{909E8E84-426E-40dd-AFC4-6F175D3DCCD1}">
-              <a14:hiddenFill xmlns:a14="http://schemas.microsoft.com/office/drawing/2010/main" xmlns="">
+              <a14:hiddenFill xmlns="" xmlns:a14="http://schemas.microsoft.com/office/drawing/2010/main">
                 <a:solidFill>
                   <a:srgbClr val="FFFFFF"/>
                 </a:solidFill>
@@ -9059,7 +9059,7 @@
               </a:ln>
               <a:extLst>
                 <a:ext uri="{91240B29-F687-4f45-9708-019B960494DF}">
-                  <a14:hiddenLine xmlns:a14="http://schemas.microsoft.com/office/drawing/2010/main" xmlns="" w="9525">
+                  <a14:hiddenLine xmlns="" xmlns:a14="http://schemas.microsoft.com/office/drawing/2010/main" w="9525">
                     <a:solidFill>
                       <a:srgbClr val="000000"/>
                     </a:solidFill>
@@ -9149,7 +9149,7 @@
               </a:ln>
               <a:extLst>
                 <a:ext uri="{91240B29-F687-4f45-9708-019B960494DF}">
-                  <a14:hiddenLine xmlns:a14="http://schemas.microsoft.com/office/drawing/2010/main" xmlns="" w="9525">
+                  <a14:hiddenLine xmlns="" xmlns:a14="http://schemas.microsoft.com/office/drawing/2010/main" w="9525">
                     <a:solidFill>
                       <a:srgbClr val="000000"/>
                     </a:solidFill>
@@ -9239,7 +9239,7 @@
               </a:ln>
               <a:extLst>
                 <a:ext uri="{91240B29-F687-4f45-9708-019B960494DF}">
-                  <a14:hiddenLine xmlns:a14="http://schemas.microsoft.com/office/drawing/2010/main" xmlns="" w="9525">
+                  <a14:hiddenLine xmlns="" xmlns:a14="http://schemas.microsoft.com/office/drawing/2010/main" w="9525">
                     <a:solidFill>
                       <a:srgbClr val="000000"/>
                     </a:solidFill>
@@ -9301,7 +9301,7 @@
               </a:ln>
               <a:extLst>
                 <a:ext uri="{91240B29-F687-4f45-9708-019B960494DF}">
-                  <a14:hiddenLine xmlns:a14="http://schemas.microsoft.com/office/drawing/2010/main" xmlns="" w="9525">
+                  <a14:hiddenLine xmlns="" xmlns:a14="http://schemas.microsoft.com/office/drawing/2010/main" w="9525">
                     <a:solidFill>
                       <a:srgbClr val="000000"/>
                     </a:solidFill>
@@ -9391,7 +9391,7 @@
               </a:ln>
               <a:extLst>
                 <a:ext uri="{91240B29-F687-4f45-9708-019B960494DF}">
-                  <a14:hiddenLine xmlns:a14="http://schemas.microsoft.com/office/drawing/2010/main" xmlns="" w="9525">
+                  <a14:hiddenLine xmlns="" xmlns:a14="http://schemas.microsoft.com/office/drawing/2010/main" w="9525">
                     <a:solidFill>
                       <a:srgbClr val="000000"/>
                     </a:solidFill>
@@ -9453,7 +9453,7 @@
               </a:ln>
               <a:extLst>
                 <a:ext uri="{91240B29-F687-4f45-9708-019B960494DF}">
-                  <a14:hiddenLine xmlns:a14="http://schemas.microsoft.com/office/drawing/2010/main" xmlns="" w="9525">
+                  <a14:hiddenLine xmlns="" xmlns:a14="http://schemas.microsoft.com/office/drawing/2010/main" w="9525">
                     <a:solidFill>
                       <a:srgbClr val="000000"/>
                     </a:solidFill>
@@ -9515,7 +9515,7 @@
               </a:ln>
               <a:extLst>
                 <a:ext uri="{91240B29-F687-4f45-9708-019B960494DF}">
-                  <a14:hiddenLine xmlns:a14="http://schemas.microsoft.com/office/drawing/2010/main" xmlns="" w="9525">
+                  <a14:hiddenLine xmlns="" xmlns:a14="http://schemas.microsoft.com/office/drawing/2010/main" w="9525">
                     <a:solidFill>
                       <a:srgbClr val="000000"/>
                     </a:solidFill>
@@ -9605,7 +9605,7 @@
               </a:ln>
               <a:extLst>
                 <a:ext uri="{91240B29-F687-4f45-9708-019B960494DF}">
-                  <a14:hiddenLine xmlns:a14="http://schemas.microsoft.com/office/drawing/2010/main" xmlns="" w="9525">
+                  <a14:hiddenLine xmlns="" xmlns:a14="http://schemas.microsoft.com/office/drawing/2010/main" w="9525">
                     <a:solidFill>
                       <a:srgbClr val="000000"/>
                     </a:solidFill>
@@ -9695,7 +9695,7 @@
               </a:ln>
               <a:extLst>
                 <a:ext uri="{91240B29-F687-4f45-9708-019B960494DF}">
-                  <a14:hiddenLine xmlns:a14="http://schemas.microsoft.com/office/drawing/2010/main" xmlns="" w="9525">
+                  <a14:hiddenLine xmlns="" xmlns:a14="http://schemas.microsoft.com/office/drawing/2010/main" w="9525">
                     <a:solidFill>
                       <a:srgbClr val="000000"/>
                     </a:solidFill>
@@ -9757,7 +9757,7 @@
               </a:ln>
               <a:extLst>
                 <a:ext uri="{91240B29-F687-4f45-9708-019B960494DF}">
-                  <a14:hiddenLine xmlns:a14="http://schemas.microsoft.com/office/drawing/2010/main" xmlns="" w="9525">
+                  <a14:hiddenLine xmlns="" xmlns:a14="http://schemas.microsoft.com/office/drawing/2010/main" w="9525">
                     <a:solidFill>
                       <a:srgbClr val="000000"/>
                     </a:solidFill>
@@ -9867,7 +9867,7 @@
               </a:ln>
               <a:extLst>
                 <a:ext uri="{91240B29-F687-4f45-9708-019B960494DF}">
-                  <a14:hiddenLine xmlns:a14="http://schemas.microsoft.com/office/drawing/2010/main" xmlns="" w="9525">
+                  <a14:hiddenLine xmlns="" xmlns:a14="http://schemas.microsoft.com/office/drawing/2010/main" w="9525">
                     <a:solidFill>
                       <a:srgbClr val="000000"/>
                     </a:solidFill>
@@ -9951,7 +9951,7 @@
               </a:ln>
               <a:extLst>
                 <a:ext uri="{91240B29-F687-4f45-9708-019B960494DF}">
-                  <a14:hiddenLine xmlns:a14="http://schemas.microsoft.com/office/drawing/2010/main" xmlns="" w="9525">
+                  <a14:hiddenLine xmlns="" xmlns:a14="http://schemas.microsoft.com/office/drawing/2010/main" w="9525">
                     <a:solidFill>
                       <a:srgbClr val="000000"/>
                     </a:solidFill>
@@ -10013,7 +10013,7 @@
               </a:ln>
               <a:extLst>
                 <a:ext uri="{91240B29-F687-4f45-9708-019B960494DF}">
-                  <a14:hiddenLine xmlns:a14="http://schemas.microsoft.com/office/drawing/2010/main" xmlns="" w="9525">
+                  <a14:hiddenLine xmlns="" xmlns:a14="http://schemas.microsoft.com/office/drawing/2010/main" w="9525">
                     <a:solidFill>
                       <a:srgbClr val="000000"/>
                     </a:solidFill>
@@ -10075,7 +10075,7 @@
               </a:ln>
               <a:extLst>
                 <a:ext uri="{91240B29-F687-4f45-9708-019B960494DF}">
-                  <a14:hiddenLine xmlns:a14="http://schemas.microsoft.com/office/drawing/2010/main" xmlns="" w="9525">
+                  <a14:hiddenLine xmlns="" xmlns:a14="http://schemas.microsoft.com/office/drawing/2010/main" w="9525">
                     <a:solidFill>
                       <a:srgbClr val="000000"/>
                     </a:solidFill>
@@ -10165,7 +10165,7 @@
               </a:ln>
               <a:extLst>
                 <a:ext uri="{91240B29-F687-4f45-9708-019B960494DF}">
-                  <a14:hiddenLine xmlns:a14="http://schemas.microsoft.com/office/drawing/2010/main" xmlns="" w="9525">
+                  <a14:hiddenLine xmlns="" xmlns:a14="http://schemas.microsoft.com/office/drawing/2010/main" w="9525">
                     <a:solidFill>
                       <a:srgbClr val="000000"/>
                     </a:solidFill>
@@ -10199,7 +10199,7 @@
               </a:ln>
               <a:extLst>
                 <a:ext uri="{91240B29-F687-4f45-9708-019B960494DF}">
-                  <a14:hiddenLine xmlns:a14="http://schemas.microsoft.com/office/drawing/2010/main" xmlns="" w="9525">
+                  <a14:hiddenLine xmlns="" xmlns:a14="http://schemas.microsoft.com/office/drawing/2010/main" w="9525">
                     <a:solidFill>
                       <a:srgbClr val="000000"/>
                     </a:solidFill>
@@ -10264,7 +10264,7 @@
               </a:ln>
               <a:extLst>
                 <a:ext uri="{91240B29-F687-4f45-9708-019B960494DF}">
-                  <a14:hiddenLine xmlns:a14="http://schemas.microsoft.com/office/drawing/2010/main" xmlns="" w="9525">
+                  <a14:hiddenLine xmlns="" xmlns:a14="http://schemas.microsoft.com/office/drawing/2010/main" w="9525">
                     <a:solidFill>
                       <a:srgbClr val="000000"/>
                     </a:solidFill>
@@ -10354,7 +10354,7 @@
               </a:ln>
               <a:extLst>
                 <a:ext uri="{91240B29-F687-4f45-9708-019B960494DF}">
-                  <a14:hiddenLine xmlns:a14="http://schemas.microsoft.com/office/drawing/2010/main" xmlns="" w="9525">
+                  <a14:hiddenLine xmlns="" xmlns:a14="http://schemas.microsoft.com/office/drawing/2010/main" w="9525">
                     <a:solidFill>
                       <a:srgbClr val="000000"/>
                     </a:solidFill>
@@ -10416,7 +10416,7 @@
               </a:ln>
               <a:extLst>
                 <a:ext uri="{91240B29-F687-4f45-9708-019B960494DF}">
-                  <a14:hiddenLine xmlns:a14="http://schemas.microsoft.com/office/drawing/2010/main" xmlns="" w="9525">
+                  <a14:hiddenLine xmlns="" xmlns:a14="http://schemas.microsoft.com/office/drawing/2010/main" w="9525">
                     <a:solidFill>
                       <a:srgbClr val="000000"/>
                     </a:solidFill>
@@ -10506,7 +10506,7 @@
               </a:ln>
               <a:extLst>
                 <a:ext uri="{91240B29-F687-4f45-9708-019B960494DF}">
-                  <a14:hiddenLine xmlns:a14="http://schemas.microsoft.com/office/drawing/2010/main" xmlns="" w="9525">
+                  <a14:hiddenLine xmlns="" xmlns:a14="http://schemas.microsoft.com/office/drawing/2010/main" w="9525">
                     <a:solidFill>
                       <a:srgbClr val="000000"/>
                     </a:solidFill>
@@ -10571,7 +10571,7 @@
               </a:ln>
               <a:extLst>
                 <a:ext uri="{91240B29-F687-4f45-9708-019B960494DF}">
-                  <a14:hiddenLine xmlns:a14="http://schemas.microsoft.com/office/drawing/2010/main" xmlns="" w="9525">
+                  <a14:hiddenLine xmlns="" xmlns:a14="http://schemas.microsoft.com/office/drawing/2010/main" w="9525">
                     <a:solidFill>
                       <a:srgbClr val="000000"/>
                     </a:solidFill>
@@ -10633,7 +10633,7 @@
               </a:ln>
               <a:extLst>
                 <a:ext uri="{91240B29-F687-4f45-9708-019B960494DF}">
-                  <a14:hiddenLine xmlns:a14="http://schemas.microsoft.com/office/drawing/2010/main" xmlns="" w="9525">
+                  <a14:hiddenLine xmlns="" xmlns:a14="http://schemas.microsoft.com/office/drawing/2010/main" w="9525">
                     <a:solidFill>
                       <a:srgbClr val="000000"/>
                     </a:solidFill>
@@ -10723,7 +10723,7 @@
               </a:ln>
               <a:extLst>
                 <a:ext uri="{91240B29-F687-4f45-9708-019B960494DF}">
-                  <a14:hiddenLine xmlns:a14="http://schemas.microsoft.com/office/drawing/2010/main" xmlns="" w="9525">
+                  <a14:hiddenLine xmlns="" xmlns:a14="http://schemas.microsoft.com/office/drawing/2010/main" w="9525">
                     <a:solidFill>
                       <a:srgbClr val="000000"/>
                     </a:solidFill>
@@ -10813,7 +10813,7 @@
               </a:ln>
               <a:extLst>
                 <a:ext uri="{91240B29-F687-4f45-9708-019B960494DF}">
-                  <a14:hiddenLine xmlns:a14="http://schemas.microsoft.com/office/drawing/2010/main" xmlns="" w="9525">
+                  <a14:hiddenLine xmlns="" xmlns:a14="http://schemas.microsoft.com/office/drawing/2010/main" w="9525">
                     <a:solidFill>
                       <a:srgbClr val="000000"/>
                     </a:solidFill>
@@ -10878,7 +10878,7 @@
               </a:ln>
               <a:extLst>
                 <a:ext uri="{91240B29-F687-4f45-9708-019B960494DF}">
-                  <a14:hiddenLine xmlns:a14="http://schemas.microsoft.com/office/drawing/2010/main" xmlns="" w="9525">
+                  <a14:hiddenLine xmlns="" xmlns:a14="http://schemas.microsoft.com/office/drawing/2010/main" w="9525">
                     <a:solidFill>
                       <a:srgbClr val="000000"/>
                     </a:solidFill>
@@ -10998,7 +10998,7 @@
               </a:ln>
               <a:extLst>
                 <a:ext uri="{91240B29-F687-4f45-9708-019B960494DF}">
-                  <a14:hiddenLine xmlns:a14="http://schemas.microsoft.com/office/drawing/2010/main" xmlns="" w="9525">
+                  <a14:hiddenLine xmlns="" xmlns:a14="http://schemas.microsoft.com/office/drawing/2010/main" w="9525">
                     <a:solidFill>
                       <a:srgbClr val="000000"/>
                     </a:solidFill>
@@ -11096,7 +11096,7 @@
               </a:ln>
               <a:extLst>
                 <a:ext uri="{91240B29-F687-4f45-9708-019B960494DF}">
-                  <a14:hiddenLine xmlns:a14="http://schemas.microsoft.com/office/drawing/2010/main" xmlns="" w="9525">
+                  <a14:hiddenLine xmlns="" xmlns:a14="http://schemas.microsoft.com/office/drawing/2010/main" w="9525">
                     <a:solidFill>
                       <a:srgbClr val="000000"/>
                     </a:solidFill>
@@ -11211,7 +11211,7 @@
               </a:ln>
               <a:extLst>
                 <a:ext uri="{91240B29-F687-4f45-9708-019B960494DF}">
-                  <a14:hiddenLine xmlns:a14="http://schemas.microsoft.com/office/drawing/2010/main" xmlns="" w="9525">
+                  <a14:hiddenLine xmlns="" xmlns:a14="http://schemas.microsoft.com/office/drawing/2010/main" w="9525">
                     <a:solidFill>
                       <a:srgbClr val="000000"/>
                     </a:solidFill>
@@ -11301,7 +11301,7 @@
               </a:ln>
               <a:extLst>
                 <a:ext uri="{91240B29-F687-4f45-9708-019B960494DF}">
-                  <a14:hiddenLine xmlns:a14="http://schemas.microsoft.com/office/drawing/2010/main" xmlns="" w="9525">
+                  <a14:hiddenLine xmlns="" xmlns:a14="http://schemas.microsoft.com/office/drawing/2010/main" w="9525">
                     <a:solidFill>
                       <a:srgbClr val="000000"/>
                     </a:solidFill>
@@ -11366,7 +11366,7 @@
               </a:ln>
               <a:extLst>
                 <a:ext uri="{91240B29-F687-4f45-9708-019B960494DF}">
-                  <a14:hiddenLine xmlns:a14="http://schemas.microsoft.com/office/drawing/2010/main" xmlns="" w="9525">
+                  <a14:hiddenLine xmlns="" xmlns:a14="http://schemas.microsoft.com/office/drawing/2010/main" w="9525">
                     <a:solidFill>
                       <a:srgbClr val="000000"/>
                     </a:solidFill>
@@ -11456,7 +11456,7 @@
               </a:ln>
               <a:extLst>
                 <a:ext uri="{91240B29-F687-4f45-9708-019B960494DF}">
-                  <a14:hiddenLine xmlns:a14="http://schemas.microsoft.com/office/drawing/2010/main" xmlns="" w="9525">
+                  <a14:hiddenLine xmlns="" xmlns:a14="http://schemas.microsoft.com/office/drawing/2010/main" w="9525">
                     <a:solidFill>
                       <a:srgbClr val="000000"/>
                     </a:solidFill>
@@ -11524,7 +11524,7 @@
               </a:ln>
               <a:extLst>
                 <a:ext uri="{91240B29-F687-4f45-9708-019B960494DF}">
-                  <a14:hiddenLine xmlns:a14="http://schemas.microsoft.com/office/drawing/2010/main" xmlns="" w="9525">
+                  <a14:hiddenLine xmlns="" xmlns:a14="http://schemas.microsoft.com/office/drawing/2010/main" w="9525">
                     <a:solidFill>
                       <a:srgbClr val="000000"/>
                     </a:solidFill>
@@ -11614,7 +11614,7 @@
               </a:ln>
               <a:extLst>
                 <a:ext uri="{91240B29-F687-4f45-9708-019B960494DF}">
-                  <a14:hiddenLine xmlns:a14="http://schemas.microsoft.com/office/drawing/2010/main" xmlns="" w="9525">
+                  <a14:hiddenLine xmlns="" xmlns:a14="http://schemas.microsoft.com/office/drawing/2010/main" w="9525">
                     <a:solidFill>
                       <a:srgbClr val="000000"/>
                     </a:solidFill>
@@ -11682,7 +11682,7 @@
               </a:ln>
               <a:extLst>
                 <a:ext uri="{91240B29-F687-4f45-9708-019B960494DF}">
-                  <a14:hiddenLine xmlns:a14="http://schemas.microsoft.com/office/drawing/2010/main" xmlns="" w="9525">
+                  <a14:hiddenLine xmlns="" xmlns:a14="http://schemas.microsoft.com/office/drawing/2010/main" w="9525">
                     <a:solidFill>
                       <a:srgbClr val="000000"/>
                     </a:solidFill>
@@ -11772,7 +11772,7 @@
               </a:ln>
               <a:extLst>
                 <a:ext uri="{91240B29-F687-4f45-9708-019B960494DF}">
-                  <a14:hiddenLine xmlns:a14="http://schemas.microsoft.com/office/drawing/2010/main" xmlns="" w="9525">
+                  <a14:hiddenLine xmlns="" xmlns:a14="http://schemas.microsoft.com/office/drawing/2010/main" w="9525">
                     <a:solidFill>
                       <a:srgbClr val="000000"/>
                     </a:solidFill>
@@ -11806,7 +11806,7 @@
               </a:ln>
               <a:extLst>
                 <a:ext uri="{91240B29-F687-4f45-9708-019B960494DF}">
-                  <a14:hiddenLine xmlns:a14="http://schemas.microsoft.com/office/drawing/2010/main" xmlns="" w="9525">
+                  <a14:hiddenLine xmlns="" xmlns:a14="http://schemas.microsoft.com/office/drawing/2010/main" w="9525">
                     <a:solidFill>
                       <a:srgbClr val="000000"/>
                     </a:solidFill>
@@ -14919,7 +14919,7 @@
           <a:noFill/>
           <a:extLst>
             <a:ext uri="{909E8E84-426E-40dd-AFC4-6F175D3DCCD1}">
-              <a14:hiddenFill xmlns="" xmlns:a16="http://schemas.microsoft.com/office/drawing/2014/main" xmlns:p14="http://schemas.microsoft.com/office/powerpoint/2010/main" xmlns:a14="http://schemas.microsoft.com/office/drawing/2010/main">
+              <a14:hiddenFill xmlns:a14="http://schemas.microsoft.com/office/drawing/2010/main" xmlns:p14="http://schemas.microsoft.com/office/powerpoint/2010/main" xmlns:a16="http://schemas.microsoft.com/office/drawing/2014/main" xmlns="">
                 <a:solidFill>
                   <a:srgbClr val="FFFFFF"/>
                 </a:solidFill>
@@ -15158,7 +15158,7 @@
             </a:ln>
             <a:extLst>
               <a:ext uri="{91240B29-F687-4f45-9708-019B960494DF}">
-                <a14:hiddenLine xmlns="" xmlns:a16="http://schemas.microsoft.com/office/drawing/2014/main" xmlns:p14="http://schemas.microsoft.com/office/powerpoint/2010/main" xmlns:a14="http://schemas.microsoft.com/office/drawing/2010/main" w="9525">
+                <a14:hiddenLine xmlns:a14="http://schemas.microsoft.com/office/drawing/2010/main" xmlns:p14="http://schemas.microsoft.com/office/powerpoint/2010/main" xmlns:a16="http://schemas.microsoft.com/office/drawing/2014/main" xmlns="" w="9525">
                   <a:solidFill>
                     <a:srgbClr val="000000"/>
                   </a:solidFill>
@@ -15270,7 +15270,7 @@
             </a:ln>
             <a:extLst>
               <a:ext uri="{91240B29-F687-4f45-9708-019B960494DF}">
-                <a14:hiddenLine xmlns="" xmlns:a16="http://schemas.microsoft.com/office/drawing/2014/main" xmlns:p14="http://schemas.microsoft.com/office/powerpoint/2010/main" xmlns:a14="http://schemas.microsoft.com/office/drawing/2010/main" w="9525">
+                <a14:hiddenLine xmlns:a14="http://schemas.microsoft.com/office/drawing/2010/main" xmlns:p14="http://schemas.microsoft.com/office/powerpoint/2010/main" xmlns:a16="http://schemas.microsoft.com/office/drawing/2014/main" xmlns="" w="9525">
                   <a:solidFill>
                     <a:srgbClr val="000000"/>
                   </a:solidFill>
@@ -15382,7 +15382,7 @@
             </a:ln>
             <a:extLst>
               <a:ext uri="{91240B29-F687-4f45-9708-019B960494DF}">
-                <a14:hiddenLine xmlns="" xmlns:a16="http://schemas.microsoft.com/office/drawing/2014/main" xmlns:p14="http://schemas.microsoft.com/office/powerpoint/2010/main" xmlns:a14="http://schemas.microsoft.com/office/drawing/2010/main" w="9525">
+                <a14:hiddenLine xmlns:a14="http://schemas.microsoft.com/office/drawing/2010/main" xmlns:p14="http://schemas.microsoft.com/office/powerpoint/2010/main" xmlns:a16="http://schemas.microsoft.com/office/drawing/2014/main" xmlns="" w="9525">
                   <a:solidFill>
                     <a:srgbClr val="000000"/>
                   </a:solidFill>
@@ -15466,7 +15466,7 @@
             </a:ln>
             <a:extLst>
               <a:ext uri="{91240B29-F687-4f45-9708-019B960494DF}">
-                <a14:hiddenLine xmlns="" xmlns:a16="http://schemas.microsoft.com/office/drawing/2014/main" xmlns:p14="http://schemas.microsoft.com/office/powerpoint/2010/main" xmlns:a14="http://schemas.microsoft.com/office/drawing/2010/main" w="9525">
+                <a14:hiddenLine xmlns:a14="http://schemas.microsoft.com/office/drawing/2010/main" xmlns:p14="http://schemas.microsoft.com/office/powerpoint/2010/main" xmlns:a16="http://schemas.microsoft.com/office/drawing/2014/main" xmlns="" w="9525">
                   <a:solidFill>
                     <a:srgbClr val="000000"/>
                   </a:solidFill>
@@ -15578,7 +15578,7 @@
             </a:ln>
             <a:extLst>
               <a:ext uri="{91240B29-F687-4f45-9708-019B960494DF}">
-                <a14:hiddenLine xmlns="" xmlns:a16="http://schemas.microsoft.com/office/drawing/2014/main" xmlns:p14="http://schemas.microsoft.com/office/powerpoint/2010/main" xmlns:a14="http://schemas.microsoft.com/office/drawing/2010/main" w="9525">
+                <a14:hiddenLine xmlns:a14="http://schemas.microsoft.com/office/drawing/2010/main" xmlns:p14="http://schemas.microsoft.com/office/powerpoint/2010/main" xmlns:a16="http://schemas.microsoft.com/office/drawing/2014/main" xmlns="" w="9525">
                   <a:solidFill>
                     <a:srgbClr val="000000"/>
                   </a:solidFill>
@@ -15662,7 +15662,7 @@
             </a:ln>
             <a:extLst>
               <a:ext uri="{91240B29-F687-4f45-9708-019B960494DF}">
-                <a14:hiddenLine xmlns="" xmlns:a16="http://schemas.microsoft.com/office/drawing/2014/main" xmlns:p14="http://schemas.microsoft.com/office/powerpoint/2010/main" xmlns:a14="http://schemas.microsoft.com/office/drawing/2010/main" w="9525">
+                <a14:hiddenLine xmlns:a14="http://schemas.microsoft.com/office/drawing/2010/main" xmlns:p14="http://schemas.microsoft.com/office/powerpoint/2010/main" xmlns:a16="http://schemas.microsoft.com/office/drawing/2014/main" xmlns="" w="9525">
                   <a:solidFill>
                     <a:srgbClr val="000000"/>
                   </a:solidFill>
@@ -15746,7 +15746,7 @@
             </a:ln>
             <a:extLst>
               <a:ext uri="{91240B29-F687-4f45-9708-019B960494DF}">
-                <a14:hiddenLine xmlns="" xmlns:a16="http://schemas.microsoft.com/office/drawing/2014/main" xmlns:p14="http://schemas.microsoft.com/office/powerpoint/2010/main" xmlns:a14="http://schemas.microsoft.com/office/drawing/2010/main" w="9525">
+                <a14:hiddenLine xmlns:a14="http://schemas.microsoft.com/office/drawing/2010/main" xmlns:p14="http://schemas.microsoft.com/office/powerpoint/2010/main" xmlns:a16="http://schemas.microsoft.com/office/drawing/2014/main" xmlns="" w="9525">
                   <a:solidFill>
                     <a:srgbClr val="000000"/>
                   </a:solidFill>
@@ -15858,7 +15858,7 @@
             </a:ln>
             <a:extLst>
               <a:ext uri="{91240B29-F687-4f45-9708-019B960494DF}">
-                <a14:hiddenLine xmlns="" xmlns:a16="http://schemas.microsoft.com/office/drawing/2014/main" xmlns:p14="http://schemas.microsoft.com/office/powerpoint/2010/main" xmlns:a14="http://schemas.microsoft.com/office/drawing/2010/main" w="9525">
+                <a14:hiddenLine xmlns:a14="http://schemas.microsoft.com/office/drawing/2010/main" xmlns:p14="http://schemas.microsoft.com/office/powerpoint/2010/main" xmlns:a16="http://schemas.microsoft.com/office/drawing/2014/main" xmlns="" w="9525">
                   <a:solidFill>
                     <a:srgbClr val="000000"/>
                   </a:solidFill>
@@ -15970,7 +15970,7 @@
             </a:ln>
             <a:extLst>
               <a:ext uri="{91240B29-F687-4f45-9708-019B960494DF}">
-                <a14:hiddenLine xmlns="" xmlns:a16="http://schemas.microsoft.com/office/drawing/2014/main" xmlns:p14="http://schemas.microsoft.com/office/powerpoint/2010/main" xmlns:a14="http://schemas.microsoft.com/office/drawing/2010/main" w="9525">
+                <a14:hiddenLine xmlns:a14="http://schemas.microsoft.com/office/drawing/2010/main" xmlns:p14="http://schemas.microsoft.com/office/powerpoint/2010/main" xmlns:a16="http://schemas.microsoft.com/office/drawing/2014/main" xmlns="" w="9525">
                   <a:solidFill>
                     <a:srgbClr val="000000"/>
                   </a:solidFill>
@@ -16054,7 +16054,7 @@
             </a:ln>
             <a:extLst>
               <a:ext uri="{91240B29-F687-4f45-9708-019B960494DF}">
-                <a14:hiddenLine xmlns="" xmlns:a16="http://schemas.microsoft.com/office/drawing/2014/main" xmlns:p14="http://schemas.microsoft.com/office/powerpoint/2010/main" xmlns:a14="http://schemas.microsoft.com/office/drawing/2010/main" w="9525">
+                <a14:hiddenLine xmlns:a14="http://schemas.microsoft.com/office/drawing/2010/main" xmlns:p14="http://schemas.microsoft.com/office/powerpoint/2010/main" xmlns:a16="http://schemas.microsoft.com/office/drawing/2014/main" xmlns="" w="9525">
                   <a:solidFill>
                     <a:srgbClr val="000000"/>
                   </a:solidFill>
@@ -16186,7 +16186,7 @@
             </a:ln>
             <a:extLst>
               <a:ext uri="{91240B29-F687-4f45-9708-019B960494DF}">
-                <a14:hiddenLine xmlns="" xmlns:a16="http://schemas.microsoft.com/office/drawing/2014/main" xmlns:p14="http://schemas.microsoft.com/office/powerpoint/2010/main" xmlns:a14="http://schemas.microsoft.com/office/drawing/2010/main" w="9525">
+                <a14:hiddenLine xmlns:a14="http://schemas.microsoft.com/office/drawing/2010/main" xmlns:p14="http://schemas.microsoft.com/office/powerpoint/2010/main" xmlns:a16="http://schemas.microsoft.com/office/drawing/2014/main" xmlns="" w="9525">
                   <a:solidFill>
                     <a:srgbClr val="000000"/>
                   </a:solidFill>
@@ -16314,7 +16314,7 @@
             </a:ln>
             <a:extLst>
               <a:ext uri="{91240B29-F687-4f45-9708-019B960494DF}">
-                <a14:hiddenLine xmlns="" xmlns:a16="http://schemas.microsoft.com/office/drawing/2014/main" xmlns:p14="http://schemas.microsoft.com/office/powerpoint/2010/main" xmlns:a14="http://schemas.microsoft.com/office/drawing/2010/main" w="9525">
+                <a14:hiddenLine xmlns:a14="http://schemas.microsoft.com/office/drawing/2010/main" xmlns:p14="http://schemas.microsoft.com/office/powerpoint/2010/main" xmlns:a16="http://schemas.microsoft.com/office/drawing/2014/main" xmlns="" w="9525">
                   <a:solidFill>
                     <a:srgbClr val="000000"/>
                   </a:solidFill>
@@ -16398,7 +16398,7 @@
             </a:ln>
             <a:extLst>
               <a:ext uri="{91240B29-F687-4f45-9708-019B960494DF}">
-                <a14:hiddenLine xmlns="" xmlns:a16="http://schemas.microsoft.com/office/drawing/2014/main" xmlns:p14="http://schemas.microsoft.com/office/powerpoint/2010/main" xmlns:a14="http://schemas.microsoft.com/office/drawing/2010/main" w="9525">
+                <a14:hiddenLine xmlns:a14="http://schemas.microsoft.com/office/drawing/2010/main" xmlns:p14="http://schemas.microsoft.com/office/powerpoint/2010/main" xmlns:a16="http://schemas.microsoft.com/office/drawing/2014/main" xmlns="" w="9525">
                   <a:solidFill>
                     <a:srgbClr val="000000"/>
                   </a:solidFill>
@@ -16482,7 +16482,7 @@
             </a:ln>
             <a:extLst>
               <a:ext uri="{91240B29-F687-4f45-9708-019B960494DF}">
-                <a14:hiddenLine xmlns="" xmlns:a16="http://schemas.microsoft.com/office/drawing/2014/main" xmlns:p14="http://schemas.microsoft.com/office/powerpoint/2010/main" xmlns:a14="http://schemas.microsoft.com/office/drawing/2010/main" w="9525">
+                <a14:hiddenLine xmlns:a14="http://schemas.microsoft.com/office/drawing/2010/main" xmlns:p14="http://schemas.microsoft.com/office/powerpoint/2010/main" xmlns:a16="http://schemas.microsoft.com/office/drawing/2014/main" xmlns="" w="9525">
                   <a:solidFill>
                     <a:srgbClr val="000000"/>
                   </a:solidFill>
@@ -16594,7 +16594,7 @@
             </a:ln>
             <a:extLst>
               <a:ext uri="{91240B29-F687-4f45-9708-019B960494DF}">
-                <a14:hiddenLine xmlns="" xmlns:a16="http://schemas.microsoft.com/office/drawing/2014/main" xmlns:p14="http://schemas.microsoft.com/office/powerpoint/2010/main" xmlns:a14="http://schemas.microsoft.com/office/drawing/2010/main" w="9525">
+                <a14:hiddenLine xmlns:a14="http://schemas.microsoft.com/office/drawing/2010/main" xmlns:p14="http://schemas.microsoft.com/office/powerpoint/2010/main" xmlns:a16="http://schemas.microsoft.com/office/drawing/2014/main" xmlns="" w="9525">
                   <a:solidFill>
                     <a:srgbClr val="000000"/>
                   </a:solidFill>
@@ -16650,7 +16650,7 @@
             </a:ln>
             <a:extLst>
               <a:ext uri="{91240B29-F687-4f45-9708-019B960494DF}">
-                <a14:hiddenLine xmlns="" xmlns:a16="http://schemas.microsoft.com/office/drawing/2014/main" xmlns:p14="http://schemas.microsoft.com/office/powerpoint/2010/main" xmlns:a14="http://schemas.microsoft.com/office/drawing/2010/main" w="9525">
+                <a14:hiddenLine xmlns:a14="http://schemas.microsoft.com/office/drawing/2010/main" xmlns:p14="http://schemas.microsoft.com/office/powerpoint/2010/main" xmlns:a16="http://schemas.microsoft.com/office/drawing/2014/main" xmlns="" w="9525">
                   <a:solidFill>
                     <a:srgbClr val="000000"/>
                   </a:solidFill>
@@ -16737,7 +16737,7 @@
             </a:ln>
             <a:extLst>
               <a:ext uri="{91240B29-F687-4f45-9708-019B960494DF}">
-                <a14:hiddenLine xmlns="" xmlns:a16="http://schemas.microsoft.com/office/drawing/2014/main" xmlns:p14="http://schemas.microsoft.com/office/powerpoint/2010/main" xmlns:a14="http://schemas.microsoft.com/office/drawing/2010/main" w="9525">
+                <a14:hiddenLine xmlns:a14="http://schemas.microsoft.com/office/drawing/2010/main" xmlns:p14="http://schemas.microsoft.com/office/powerpoint/2010/main" xmlns:a16="http://schemas.microsoft.com/office/drawing/2014/main" xmlns="" w="9525">
                   <a:solidFill>
                     <a:srgbClr val="000000"/>
                   </a:solidFill>
@@ -16849,7 +16849,7 @@
             </a:ln>
             <a:extLst>
               <a:ext uri="{91240B29-F687-4f45-9708-019B960494DF}">
-                <a14:hiddenLine xmlns="" xmlns:a16="http://schemas.microsoft.com/office/drawing/2014/main" xmlns:p14="http://schemas.microsoft.com/office/powerpoint/2010/main" xmlns:a14="http://schemas.microsoft.com/office/drawing/2010/main" w="9525">
+                <a14:hiddenLine xmlns:a14="http://schemas.microsoft.com/office/drawing/2010/main" xmlns:p14="http://schemas.microsoft.com/office/powerpoint/2010/main" xmlns:a16="http://schemas.microsoft.com/office/drawing/2014/main" xmlns="" w="9525">
                   <a:solidFill>
                     <a:srgbClr val="000000"/>
                   </a:solidFill>
@@ -16933,7 +16933,7 @@
             </a:ln>
             <a:extLst>
               <a:ext uri="{91240B29-F687-4f45-9708-019B960494DF}">
-                <a14:hiddenLine xmlns="" xmlns:a16="http://schemas.microsoft.com/office/drawing/2014/main" xmlns:p14="http://schemas.microsoft.com/office/powerpoint/2010/main" xmlns:a14="http://schemas.microsoft.com/office/drawing/2010/main" w="9525">
+                <a14:hiddenLine xmlns:a14="http://schemas.microsoft.com/office/drawing/2010/main" xmlns:p14="http://schemas.microsoft.com/office/powerpoint/2010/main" xmlns:a16="http://schemas.microsoft.com/office/drawing/2014/main" xmlns="" w="9525">
                   <a:solidFill>
                     <a:srgbClr val="000000"/>
                   </a:solidFill>
@@ -17045,7 +17045,7 @@
             </a:ln>
             <a:extLst>
               <a:ext uri="{91240B29-F687-4f45-9708-019B960494DF}">
-                <a14:hiddenLine xmlns="" xmlns:a16="http://schemas.microsoft.com/office/drawing/2014/main" xmlns:p14="http://schemas.microsoft.com/office/powerpoint/2010/main" xmlns:a14="http://schemas.microsoft.com/office/drawing/2010/main" w="9525">
+                <a14:hiddenLine xmlns:a14="http://schemas.microsoft.com/office/drawing/2010/main" xmlns:p14="http://schemas.microsoft.com/office/powerpoint/2010/main" xmlns:a16="http://schemas.microsoft.com/office/drawing/2014/main" xmlns="" w="9525">
                   <a:solidFill>
                     <a:srgbClr val="000000"/>
                   </a:solidFill>
@@ -17132,7 +17132,7 @@
             </a:ln>
             <a:extLst>
               <a:ext uri="{91240B29-F687-4f45-9708-019B960494DF}">
-                <a14:hiddenLine xmlns="" xmlns:a16="http://schemas.microsoft.com/office/drawing/2014/main" xmlns:p14="http://schemas.microsoft.com/office/powerpoint/2010/main" xmlns:a14="http://schemas.microsoft.com/office/drawing/2010/main" w="9525">
+                <a14:hiddenLine xmlns:a14="http://schemas.microsoft.com/office/drawing/2010/main" xmlns:p14="http://schemas.microsoft.com/office/powerpoint/2010/main" xmlns:a16="http://schemas.microsoft.com/office/drawing/2014/main" xmlns="" w="9525">
                   <a:solidFill>
                     <a:srgbClr val="000000"/>
                   </a:solidFill>
@@ -17216,7 +17216,7 @@
             </a:ln>
             <a:extLst>
               <a:ext uri="{91240B29-F687-4f45-9708-019B960494DF}">
-                <a14:hiddenLine xmlns="" xmlns:a16="http://schemas.microsoft.com/office/drawing/2014/main" xmlns:p14="http://schemas.microsoft.com/office/powerpoint/2010/main" xmlns:a14="http://schemas.microsoft.com/office/drawing/2010/main" w="9525">
+                <a14:hiddenLine xmlns:a14="http://schemas.microsoft.com/office/drawing/2010/main" xmlns:p14="http://schemas.microsoft.com/office/powerpoint/2010/main" xmlns:a16="http://schemas.microsoft.com/office/drawing/2014/main" xmlns="" w="9525">
                   <a:solidFill>
                     <a:srgbClr val="000000"/>
                   </a:solidFill>
@@ -17328,7 +17328,7 @@
             </a:ln>
             <a:extLst>
               <a:ext uri="{91240B29-F687-4f45-9708-019B960494DF}">
-                <a14:hiddenLine xmlns="" xmlns:a16="http://schemas.microsoft.com/office/drawing/2014/main" xmlns:p14="http://schemas.microsoft.com/office/powerpoint/2010/main" xmlns:a14="http://schemas.microsoft.com/office/drawing/2010/main" w="9525">
+                <a14:hiddenLine xmlns:a14="http://schemas.microsoft.com/office/drawing/2010/main" xmlns:p14="http://schemas.microsoft.com/office/powerpoint/2010/main" xmlns:a16="http://schemas.microsoft.com/office/drawing/2014/main" xmlns="" w="9525">
                   <a:solidFill>
                     <a:srgbClr val="000000"/>
                   </a:solidFill>
@@ -17440,7 +17440,7 @@
             </a:ln>
             <a:extLst>
               <a:ext uri="{91240B29-F687-4f45-9708-019B960494DF}">
-                <a14:hiddenLine xmlns="" xmlns:a16="http://schemas.microsoft.com/office/drawing/2014/main" xmlns:p14="http://schemas.microsoft.com/office/powerpoint/2010/main" xmlns:a14="http://schemas.microsoft.com/office/drawing/2010/main" w="9525">
+                <a14:hiddenLine xmlns:a14="http://schemas.microsoft.com/office/drawing/2010/main" xmlns:p14="http://schemas.microsoft.com/office/powerpoint/2010/main" xmlns:a16="http://schemas.microsoft.com/office/drawing/2014/main" xmlns="" w="9525">
                   <a:solidFill>
                     <a:srgbClr val="000000"/>
                   </a:solidFill>
@@ -17527,7 +17527,7 @@
             </a:ln>
             <a:extLst>
               <a:ext uri="{91240B29-F687-4f45-9708-019B960494DF}">
-                <a14:hiddenLine xmlns="" xmlns:a16="http://schemas.microsoft.com/office/drawing/2014/main" xmlns:p14="http://schemas.microsoft.com/office/powerpoint/2010/main" xmlns:a14="http://schemas.microsoft.com/office/drawing/2010/main" w="9525">
+                <a14:hiddenLine xmlns:a14="http://schemas.microsoft.com/office/drawing/2010/main" xmlns:p14="http://schemas.microsoft.com/office/powerpoint/2010/main" xmlns:a16="http://schemas.microsoft.com/office/drawing/2014/main" xmlns="" w="9525">
                   <a:solidFill>
                     <a:srgbClr val="000000"/>
                   </a:solidFill>
@@ -17669,7 +17669,7 @@
             </a:ln>
             <a:extLst>
               <a:ext uri="{91240B29-F687-4f45-9708-019B960494DF}">
-                <a14:hiddenLine xmlns="" xmlns:a16="http://schemas.microsoft.com/office/drawing/2014/main" xmlns:p14="http://schemas.microsoft.com/office/powerpoint/2010/main" xmlns:a14="http://schemas.microsoft.com/office/drawing/2010/main" w="9525">
+                <a14:hiddenLine xmlns:a14="http://schemas.microsoft.com/office/drawing/2010/main" xmlns:p14="http://schemas.microsoft.com/office/powerpoint/2010/main" xmlns:a16="http://schemas.microsoft.com/office/drawing/2014/main" xmlns="" w="9525">
                   <a:solidFill>
                     <a:srgbClr val="000000"/>
                   </a:solidFill>
@@ -18175,7 +18175,7 @@
               </a:ln>
               <a:extLst>
                 <a:ext uri="{91240B29-F687-4f45-9708-019B960494DF}">
-                  <a14:hiddenLine xmlns="" xmlns:a16="http://schemas.microsoft.com/office/drawing/2014/main" xmlns:p14="http://schemas.microsoft.com/office/powerpoint/2010/main" xmlns:a14="http://schemas.microsoft.com/office/drawing/2010/main" w="9525">
+                  <a14:hiddenLine xmlns:a14="http://schemas.microsoft.com/office/drawing/2010/main" xmlns:p14="http://schemas.microsoft.com/office/powerpoint/2010/main" xmlns:a16="http://schemas.microsoft.com/office/drawing/2014/main" xmlns="" w="9525">
                     <a:solidFill>
                       <a:srgbClr val="000000"/>
                     </a:solidFill>
@@ -18287,7 +18287,7 @@
               </a:ln>
               <a:extLst>
                 <a:ext uri="{91240B29-F687-4f45-9708-019B960494DF}">
-                  <a14:hiddenLine xmlns="" xmlns:a16="http://schemas.microsoft.com/office/drawing/2014/main" xmlns:p14="http://schemas.microsoft.com/office/powerpoint/2010/main" xmlns:a14="http://schemas.microsoft.com/office/drawing/2010/main" w="9525">
+                  <a14:hiddenLine xmlns:a14="http://schemas.microsoft.com/office/drawing/2010/main" xmlns:p14="http://schemas.microsoft.com/office/powerpoint/2010/main" xmlns:a16="http://schemas.microsoft.com/office/drawing/2014/main" xmlns="" w="9525">
                     <a:solidFill>
                       <a:srgbClr val="000000"/>
                     </a:solidFill>
@@ -18399,7 +18399,7 @@
               </a:ln>
               <a:extLst>
                 <a:ext uri="{91240B29-F687-4f45-9708-019B960494DF}">
-                  <a14:hiddenLine xmlns="" xmlns:a16="http://schemas.microsoft.com/office/drawing/2014/main" xmlns:p14="http://schemas.microsoft.com/office/powerpoint/2010/main" xmlns:a14="http://schemas.microsoft.com/office/drawing/2010/main" w="9525">
+                  <a14:hiddenLine xmlns:a14="http://schemas.microsoft.com/office/drawing/2010/main" xmlns:p14="http://schemas.microsoft.com/office/powerpoint/2010/main" xmlns:a16="http://schemas.microsoft.com/office/drawing/2014/main" xmlns="" w="9525">
                     <a:solidFill>
                       <a:srgbClr val="000000"/>
                     </a:solidFill>
@@ -18483,7 +18483,7 @@
               </a:ln>
               <a:extLst>
                 <a:ext uri="{91240B29-F687-4f45-9708-019B960494DF}">
-                  <a14:hiddenLine xmlns="" xmlns:a16="http://schemas.microsoft.com/office/drawing/2014/main" xmlns:p14="http://schemas.microsoft.com/office/powerpoint/2010/main" xmlns:a14="http://schemas.microsoft.com/office/drawing/2010/main" w="9525">
+                  <a14:hiddenLine xmlns:a14="http://schemas.microsoft.com/office/drawing/2010/main" xmlns:p14="http://schemas.microsoft.com/office/powerpoint/2010/main" xmlns:a16="http://schemas.microsoft.com/office/drawing/2014/main" xmlns="" w="9525">
                     <a:solidFill>
                       <a:srgbClr val="000000"/>
                     </a:solidFill>
@@ -18595,7 +18595,7 @@
               </a:ln>
               <a:extLst>
                 <a:ext uri="{91240B29-F687-4f45-9708-019B960494DF}">
-                  <a14:hiddenLine xmlns="" xmlns:a16="http://schemas.microsoft.com/office/drawing/2014/main" xmlns:p14="http://schemas.microsoft.com/office/powerpoint/2010/main" xmlns:a14="http://schemas.microsoft.com/office/drawing/2010/main" w="9525">
+                  <a14:hiddenLine xmlns:a14="http://schemas.microsoft.com/office/drawing/2010/main" xmlns:p14="http://schemas.microsoft.com/office/powerpoint/2010/main" xmlns:a16="http://schemas.microsoft.com/office/drawing/2014/main" xmlns="" w="9525">
                     <a:solidFill>
                       <a:srgbClr val="000000"/>
                     </a:solidFill>
@@ -18679,7 +18679,7 @@
               </a:ln>
               <a:extLst>
                 <a:ext uri="{91240B29-F687-4f45-9708-019B960494DF}">
-                  <a14:hiddenLine xmlns="" xmlns:a16="http://schemas.microsoft.com/office/drawing/2014/main" xmlns:p14="http://schemas.microsoft.com/office/powerpoint/2010/main" xmlns:a14="http://schemas.microsoft.com/office/drawing/2010/main" w="9525">
+                  <a14:hiddenLine xmlns:a14="http://schemas.microsoft.com/office/drawing/2010/main" xmlns:p14="http://schemas.microsoft.com/office/powerpoint/2010/main" xmlns:a16="http://schemas.microsoft.com/office/drawing/2014/main" xmlns="" w="9525">
                     <a:solidFill>
                       <a:srgbClr val="000000"/>
                     </a:solidFill>
@@ -18763,7 +18763,7 @@
               </a:ln>
               <a:extLst>
                 <a:ext uri="{91240B29-F687-4f45-9708-019B960494DF}">
-                  <a14:hiddenLine xmlns="" xmlns:a16="http://schemas.microsoft.com/office/drawing/2014/main" xmlns:p14="http://schemas.microsoft.com/office/powerpoint/2010/main" xmlns:a14="http://schemas.microsoft.com/office/drawing/2010/main" w="9525">
+                  <a14:hiddenLine xmlns:a14="http://schemas.microsoft.com/office/drawing/2010/main" xmlns:p14="http://schemas.microsoft.com/office/powerpoint/2010/main" xmlns:a16="http://schemas.microsoft.com/office/drawing/2014/main" xmlns="" w="9525">
                     <a:solidFill>
                       <a:srgbClr val="000000"/>
                     </a:solidFill>
@@ -18875,7 +18875,7 @@
               </a:ln>
               <a:extLst>
                 <a:ext uri="{91240B29-F687-4f45-9708-019B960494DF}">
-                  <a14:hiddenLine xmlns="" xmlns:a16="http://schemas.microsoft.com/office/drawing/2014/main" xmlns:p14="http://schemas.microsoft.com/office/powerpoint/2010/main" xmlns:a14="http://schemas.microsoft.com/office/drawing/2010/main" w="9525">
+                  <a14:hiddenLine xmlns:a14="http://schemas.microsoft.com/office/drawing/2010/main" xmlns:p14="http://schemas.microsoft.com/office/powerpoint/2010/main" xmlns:a16="http://schemas.microsoft.com/office/drawing/2014/main" xmlns="" w="9525">
                     <a:solidFill>
                       <a:srgbClr val="000000"/>
                     </a:solidFill>
@@ -18987,7 +18987,7 @@
               </a:ln>
               <a:extLst>
                 <a:ext uri="{91240B29-F687-4f45-9708-019B960494DF}">
-                  <a14:hiddenLine xmlns="" xmlns:a16="http://schemas.microsoft.com/office/drawing/2014/main" xmlns:p14="http://schemas.microsoft.com/office/powerpoint/2010/main" xmlns:a14="http://schemas.microsoft.com/office/drawing/2010/main" w="9525">
+                  <a14:hiddenLine xmlns:a14="http://schemas.microsoft.com/office/drawing/2010/main" xmlns:p14="http://schemas.microsoft.com/office/powerpoint/2010/main" xmlns:a16="http://schemas.microsoft.com/office/drawing/2014/main" xmlns="" w="9525">
                     <a:solidFill>
                       <a:srgbClr val="000000"/>
                     </a:solidFill>
@@ -19071,7 +19071,7 @@
               </a:ln>
               <a:extLst>
                 <a:ext uri="{91240B29-F687-4f45-9708-019B960494DF}">
-                  <a14:hiddenLine xmlns="" xmlns:a16="http://schemas.microsoft.com/office/drawing/2014/main" xmlns:p14="http://schemas.microsoft.com/office/powerpoint/2010/main" xmlns:a14="http://schemas.microsoft.com/office/drawing/2010/main" w="9525">
+                  <a14:hiddenLine xmlns:a14="http://schemas.microsoft.com/office/drawing/2010/main" xmlns:p14="http://schemas.microsoft.com/office/powerpoint/2010/main" xmlns:a16="http://schemas.microsoft.com/office/drawing/2014/main" xmlns="" w="9525">
                     <a:solidFill>
                       <a:srgbClr val="000000"/>
                     </a:solidFill>
@@ -19203,7 +19203,7 @@
               </a:ln>
               <a:extLst>
                 <a:ext uri="{91240B29-F687-4f45-9708-019B960494DF}">
-                  <a14:hiddenLine xmlns="" xmlns:a16="http://schemas.microsoft.com/office/drawing/2014/main" xmlns:p14="http://schemas.microsoft.com/office/powerpoint/2010/main" xmlns:a14="http://schemas.microsoft.com/office/drawing/2010/main" w="9525">
+                  <a14:hiddenLine xmlns:a14="http://schemas.microsoft.com/office/drawing/2010/main" xmlns:p14="http://schemas.microsoft.com/office/powerpoint/2010/main" xmlns:a16="http://schemas.microsoft.com/office/drawing/2014/main" xmlns="" w="9525">
                     <a:solidFill>
                       <a:srgbClr val="000000"/>
                     </a:solidFill>
@@ -19331,7 +19331,7 @@
               </a:ln>
               <a:extLst>
                 <a:ext uri="{91240B29-F687-4f45-9708-019B960494DF}">
-                  <a14:hiddenLine xmlns="" xmlns:a16="http://schemas.microsoft.com/office/drawing/2014/main" xmlns:p14="http://schemas.microsoft.com/office/powerpoint/2010/main" xmlns:a14="http://schemas.microsoft.com/office/drawing/2010/main" w="9525">
+                  <a14:hiddenLine xmlns:a14="http://schemas.microsoft.com/office/drawing/2010/main" xmlns:p14="http://schemas.microsoft.com/office/powerpoint/2010/main" xmlns:a16="http://schemas.microsoft.com/office/drawing/2014/main" xmlns="" w="9525">
                     <a:solidFill>
                       <a:srgbClr val="000000"/>
                     </a:solidFill>
@@ -19415,7 +19415,7 @@
               </a:ln>
               <a:extLst>
                 <a:ext uri="{91240B29-F687-4f45-9708-019B960494DF}">
-                  <a14:hiddenLine xmlns="" xmlns:a16="http://schemas.microsoft.com/office/drawing/2014/main" xmlns:p14="http://schemas.microsoft.com/office/powerpoint/2010/main" xmlns:a14="http://schemas.microsoft.com/office/drawing/2010/main" w="9525">
+                  <a14:hiddenLine xmlns:a14="http://schemas.microsoft.com/office/drawing/2010/main" xmlns:p14="http://schemas.microsoft.com/office/powerpoint/2010/main" xmlns:a16="http://schemas.microsoft.com/office/drawing/2014/main" xmlns="" w="9525">
                     <a:solidFill>
                       <a:srgbClr val="000000"/>
                     </a:solidFill>
@@ -19499,7 +19499,7 @@
               </a:ln>
               <a:extLst>
                 <a:ext uri="{91240B29-F687-4f45-9708-019B960494DF}">
-                  <a14:hiddenLine xmlns="" xmlns:a16="http://schemas.microsoft.com/office/drawing/2014/main" xmlns:p14="http://schemas.microsoft.com/office/powerpoint/2010/main" xmlns:a14="http://schemas.microsoft.com/office/drawing/2010/main" w="9525">
+                  <a14:hiddenLine xmlns:a14="http://schemas.microsoft.com/office/drawing/2010/main" xmlns:p14="http://schemas.microsoft.com/office/powerpoint/2010/main" xmlns:a16="http://schemas.microsoft.com/office/drawing/2014/main" xmlns="" w="9525">
                     <a:solidFill>
                       <a:srgbClr val="000000"/>
                     </a:solidFill>
@@ -19611,7 +19611,7 @@
               </a:ln>
               <a:extLst>
                 <a:ext uri="{91240B29-F687-4f45-9708-019B960494DF}">
-                  <a14:hiddenLine xmlns="" xmlns:a16="http://schemas.microsoft.com/office/drawing/2014/main" xmlns:p14="http://schemas.microsoft.com/office/powerpoint/2010/main" xmlns:a14="http://schemas.microsoft.com/office/drawing/2010/main" w="9525">
+                  <a14:hiddenLine xmlns:a14="http://schemas.microsoft.com/office/drawing/2010/main" xmlns:p14="http://schemas.microsoft.com/office/powerpoint/2010/main" xmlns:a16="http://schemas.microsoft.com/office/drawing/2014/main" xmlns="" w="9525">
                     <a:solidFill>
                       <a:srgbClr val="000000"/>
                     </a:solidFill>
@@ -19667,7 +19667,7 @@
               </a:ln>
               <a:extLst>
                 <a:ext uri="{91240B29-F687-4f45-9708-019B960494DF}">
-                  <a14:hiddenLine xmlns="" xmlns:a16="http://schemas.microsoft.com/office/drawing/2014/main" xmlns:p14="http://schemas.microsoft.com/office/powerpoint/2010/main" xmlns:a14="http://schemas.microsoft.com/office/drawing/2010/main" w="9525">
+                  <a14:hiddenLine xmlns:a14="http://schemas.microsoft.com/office/drawing/2010/main" xmlns:p14="http://schemas.microsoft.com/office/powerpoint/2010/main" xmlns:a16="http://schemas.microsoft.com/office/drawing/2014/main" xmlns="" w="9525">
                     <a:solidFill>
                       <a:srgbClr val="000000"/>
                     </a:solidFill>
@@ -19754,7 +19754,7 @@
               </a:ln>
               <a:extLst>
                 <a:ext uri="{91240B29-F687-4f45-9708-019B960494DF}">
-                  <a14:hiddenLine xmlns="" xmlns:a16="http://schemas.microsoft.com/office/drawing/2014/main" xmlns:p14="http://schemas.microsoft.com/office/powerpoint/2010/main" xmlns:a14="http://schemas.microsoft.com/office/drawing/2010/main" w="9525">
+                  <a14:hiddenLine xmlns:a14="http://schemas.microsoft.com/office/drawing/2010/main" xmlns:p14="http://schemas.microsoft.com/office/powerpoint/2010/main" xmlns:a16="http://schemas.microsoft.com/office/drawing/2014/main" xmlns="" w="9525">
                     <a:solidFill>
                       <a:srgbClr val="000000"/>
                     </a:solidFill>
@@ -19866,7 +19866,7 @@
               </a:ln>
               <a:extLst>
                 <a:ext uri="{91240B29-F687-4f45-9708-019B960494DF}">
-                  <a14:hiddenLine xmlns="" xmlns:a16="http://schemas.microsoft.com/office/drawing/2014/main" xmlns:p14="http://schemas.microsoft.com/office/powerpoint/2010/main" xmlns:a14="http://schemas.microsoft.com/office/drawing/2010/main" w="9525">
+                  <a14:hiddenLine xmlns:a14="http://schemas.microsoft.com/office/drawing/2010/main" xmlns:p14="http://schemas.microsoft.com/office/powerpoint/2010/main" xmlns:a16="http://schemas.microsoft.com/office/drawing/2014/main" xmlns="" w="9525">
                     <a:solidFill>
                       <a:srgbClr val="000000"/>
                     </a:solidFill>
@@ -19950,7 +19950,7 @@
               </a:ln>
               <a:extLst>
                 <a:ext uri="{91240B29-F687-4f45-9708-019B960494DF}">
-                  <a14:hiddenLine xmlns="" xmlns:a16="http://schemas.microsoft.com/office/drawing/2014/main" xmlns:p14="http://schemas.microsoft.com/office/powerpoint/2010/main" xmlns:a14="http://schemas.microsoft.com/office/drawing/2010/main" w="9525">
+                  <a14:hiddenLine xmlns:a14="http://schemas.microsoft.com/office/drawing/2010/main" xmlns:p14="http://schemas.microsoft.com/office/powerpoint/2010/main" xmlns:a16="http://schemas.microsoft.com/office/drawing/2014/main" xmlns="" w="9525">
                     <a:solidFill>
                       <a:srgbClr val="000000"/>
                     </a:solidFill>
@@ -20062,7 +20062,7 @@
               </a:ln>
               <a:extLst>
                 <a:ext uri="{91240B29-F687-4f45-9708-019B960494DF}">
-                  <a14:hiddenLine xmlns="" xmlns:a16="http://schemas.microsoft.com/office/drawing/2014/main" xmlns:p14="http://schemas.microsoft.com/office/powerpoint/2010/main" xmlns:a14="http://schemas.microsoft.com/office/drawing/2010/main" w="9525">
+                  <a14:hiddenLine xmlns:a14="http://schemas.microsoft.com/office/drawing/2010/main" xmlns:p14="http://schemas.microsoft.com/office/powerpoint/2010/main" xmlns:a16="http://schemas.microsoft.com/office/drawing/2014/main" xmlns="" w="9525">
                     <a:solidFill>
                       <a:srgbClr val="000000"/>
                     </a:solidFill>
@@ -20149,7 +20149,7 @@
               </a:ln>
               <a:extLst>
                 <a:ext uri="{91240B29-F687-4f45-9708-019B960494DF}">
-                  <a14:hiddenLine xmlns="" xmlns:a16="http://schemas.microsoft.com/office/drawing/2014/main" xmlns:p14="http://schemas.microsoft.com/office/powerpoint/2010/main" xmlns:a14="http://schemas.microsoft.com/office/drawing/2010/main" w="9525">
+                  <a14:hiddenLine xmlns:a14="http://schemas.microsoft.com/office/drawing/2010/main" xmlns:p14="http://schemas.microsoft.com/office/powerpoint/2010/main" xmlns:a16="http://schemas.microsoft.com/office/drawing/2014/main" xmlns="" w="9525">
                     <a:solidFill>
                       <a:srgbClr val="000000"/>
                     </a:solidFill>
@@ -20233,7 +20233,7 @@
               </a:ln>
               <a:extLst>
                 <a:ext uri="{91240B29-F687-4f45-9708-019B960494DF}">
-                  <a14:hiddenLine xmlns="" xmlns:a16="http://schemas.microsoft.com/office/drawing/2014/main" xmlns:p14="http://schemas.microsoft.com/office/powerpoint/2010/main" xmlns:a14="http://schemas.microsoft.com/office/drawing/2010/main" w="9525">
+                  <a14:hiddenLine xmlns:a14="http://schemas.microsoft.com/office/drawing/2010/main" xmlns:p14="http://schemas.microsoft.com/office/powerpoint/2010/main" xmlns:a16="http://schemas.microsoft.com/office/drawing/2014/main" xmlns="" w="9525">
                     <a:solidFill>
                       <a:srgbClr val="000000"/>
                     </a:solidFill>
@@ -20345,7 +20345,7 @@
               </a:ln>
               <a:extLst>
                 <a:ext uri="{91240B29-F687-4f45-9708-019B960494DF}">
-                  <a14:hiddenLine xmlns="" xmlns:a16="http://schemas.microsoft.com/office/drawing/2014/main" xmlns:p14="http://schemas.microsoft.com/office/powerpoint/2010/main" xmlns:a14="http://schemas.microsoft.com/office/drawing/2010/main" w="9525">
+                  <a14:hiddenLine xmlns:a14="http://schemas.microsoft.com/office/drawing/2010/main" xmlns:p14="http://schemas.microsoft.com/office/powerpoint/2010/main" xmlns:a16="http://schemas.microsoft.com/office/drawing/2014/main" xmlns="" w="9525">
                     <a:solidFill>
                       <a:srgbClr val="000000"/>
                     </a:solidFill>
@@ -20457,7 +20457,7 @@
               </a:ln>
               <a:extLst>
                 <a:ext uri="{91240B29-F687-4f45-9708-019B960494DF}">
-                  <a14:hiddenLine xmlns="" xmlns:a16="http://schemas.microsoft.com/office/drawing/2014/main" xmlns:p14="http://schemas.microsoft.com/office/powerpoint/2010/main" xmlns:a14="http://schemas.microsoft.com/office/drawing/2010/main" w="9525">
+                  <a14:hiddenLine xmlns:a14="http://schemas.microsoft.com/office/drawing/2010/main" xmlns:p14="http://schemas.microsoft.com/office/powerpoint/2010/main" xmlns:a16="http://schemas.microsoft.com/office/drawing/2014/main" xmlns="" w="9525">
                     <a:solidFill>
                       <a:srgbClr val="000000"/>
                     </a:solidFill>
@@ -20544,7 +20544,7 @@
               </a:ln>
               <a:extLst>
                 <a:ext uri="{91240B29-F687-4f45-9708-019B960494DF}">
-                  <a14:hiddenLine xmlns="" xmlns:a16="http://schemas.microsoft.com/office/drawing/2014/main" xmlns:p14="http://schemas.microsoft.com/office/powerpoint/2010/main" xmlns:a14="http://schemas.microsoft.com/office/drawing/2010/main" w="9525">
+                  <a14:hiddenLine xmlns:a14="http://schemas.microsoft.com/office/drawing/2010/main" xmlns:p14="http://schemas.microsoft.com/office/powerpoint/2010/main" xmlns:a16="http://schemas.microsoft.com/office/drawing/2014/main" xmlns="" w="9525">
                     <a:solidFill>
                       <a:srgbClr val="000000"/>
                     </a:solidFill>
@@ -20686,7 +20686,7 @@
               </a:ln>
               <a:extLst>
                 <a:ext uri="{91240B29-F687-4f45-9708-019B960494DF}">
-                  <a14:hiddenLine xmlns="" xmlns:a16="http://schemas.microsoft.com/office/drawing/2014/main" xmlns:p14="http://schemas.microsoft.com/office/powerpoint/2010/main" xmlns:a14="http://schemas.microsoft.com/office/drawing/2010/main" w="9525">
+                  <a14:hiddenLine xmlns:a14="http://schemas.microsoft.com/office/drawing/2010/main" xmlns:p14="http://schemas.microsoft.com/office/powerpoint/2010/main" xmlns:a16="http://schemas.microsoft.com/office/drawing/2014/main" xmlns="" w="9525">
                     <a:solidFill>
                       <a:srgbClr val="000000"/>
                     </a:solidFill>
@@ -20818,7 +20818,7 @@
               </a:ln>
               <a:extLst>
                 <a:ext uri="{91240B29-F687-4f45-9708-019B960494DF}">
-                  <a14:hiddenLine xmlns="" xmlns:a16="http://schemas.microsoft.com/office/drawing/2014/main" xmlns:p14="http://schemas.microsoft.com/office/powerpoint/2010/main" xmlns:a14="http://schemas.microsoft.com/office/drawing/2010/main" w="9525">
+                  <a14:hiddenLine xmlns:a14="http://schemas.microsoft.com/office/drawing/2010/main" xmlns:p14="http://schemas.microsoft.com/office/powerpoint/2010/main" xmlns:a16="http://schemas.microsoft.com/office/drawing/2014/main" xmlns="" w="9525">
                     <a:solidFill>
                       <a:srgbClr val="000000"/>
                     </a:solidFill>
@@ -20955,7 +20955,7 @@
               </a:ln>
               <a:extLst>
                 <a:ext uri="{91240B29-F687-4f45-9708-019B960494DF}">
-                  <a14:hiddenLine xmlns="" xmlns:a16="http://schemas.microsoft.com/office/drawing/2014/main" xmlns:p14="http://schemas.microsoft.com/office/powerpoint/2010/main" xmlns:a14="http://schemas.microsoft.com/office/drawing/2010/main" w="9525">
+                  <a14:hiddenLine xmlns:a14="http://schemas.microsoft.com/office/drawing/2010/main" xmlns:p14="http://schemas.microsoft.com/office/powerpoint/2010/main" xmlns:a16="http://schemas.microsoft.com/office/drawing/2014/main" xmlns="" w="9525">
                     <a:solidFill>
                       <a:srgbClr val="000000"/>
                     </a:solidFill>
@@ -21067,7 +21067,7 @@
               </a:ln>
               <a:extLst>
                 <a:ext uri="{91240B29-F687-4f45-9708-019B960494DF}">
-                  <a14:hiddenLine xmlns="" xmlns:a16="http://schemas.microsoft.com/office/drawing/2014/main" xmlns:p14="http://schemas.microsoft.com/office/powerpoint/2010/main" xmlns:a14="http://schemas.microsoft.com/office/drawing/2010/main" w="9525">
+                  <a14:hiddenLine xmlns:a14="http://schemas.microsoft.com/office/drawing/2010/main" xmlns:p14="http://schemas.microsoft.com/office/powerpoint/2010/main" xmlns:a16="http://schemas.microsoft.com/office/drawing/2014/main" xmlns="" w="9525">
                     <a:solidFill>
                       <a:srgbClr val="000000"/>
                     </a:solidFill>
@@ -21154,7 +21154,7 @@
               </a:ln>
               <a:extLst>
                 <a:ext uri="{91240B29-F687-4f45-9708-019B960494DF}">
-                  <a14:hiddenLine xmlns="" xmlns:a16="http://schemas.microsoft.com/office/drawing/2014/main" xmlns:p14="http://schemas.microsoft.com/office/powerpoint/2010/main" xmlns:a14="http://schemas.microsoft.com/office/drawing/2010/main" w="9525">
+                  <a14:hiddenLine xmlns:a14="http://schemas.microsoft.com/office/drawing/2010/main" xmlns:p14="http://schemas.microsoft.com/office/powerpoint/2010/main" xmlns:a16="http://schemas.microsoft.com/office/drawing/2014/main" xmlns="" w="9525">
                     <a:solidFill>
                       <a:srgbClr val="000000"/>
                     </a:solidFill>
@@ -21266,7 +21266,7 @@
               </a:ln>
               <a:extLst>
                 <a:ext uri="{91240B29-F687-4f45-9708-019B960494DF}">
-                  <a14:hiddenLine xmlns="" xmlns:a16="http://schemas.microsoft.com/office/drawing/2014/main" xmlns:p14="http://schemas.microsoft.com/office/powerpoint/2010/main" xmlns:a14="http://schemas.microsoft.com/office/drawing/2010/main" w="9525">
+                  <a14:hiddenLine xmlns:a14="http://schemas.microsoft.com/office/drawing/2010/main" xmlns:p14="http://schemas.microsoft.com/office/powerpoint/2010/main" xmlns:a16="http://schemas.microsoft.com/office/drawing/2014/main" xmlns="" w="9525">
                     <a:solidFill>
                       <a:srgbClr val="000000"/>
                     </a:solidFill>
@@ -21356,7 +21356,7 @@
               </a:ln>
               <a:extLst>
                 <a:ext uri="{91240B29-F687-4f45-9708-019B960494DF}">
-                  <a14:hiddenLine xmlns="" xmlns:a16="http://schemas.microsoft.com/office/drawing/2014/main" xmlns:p14="http://schemas.microsoft.com/office/powerpoint/2010/main" xmlns:a14="http://schemas.microsoft.com/office/drawing/2010/main" w="9525">
+                  <a14:hiddenLine xmlns:a14="http://schemas.microsoft.com/office/drawing/2010/main" xmlns:p14="http://schemas.microsoft.com/office/powerpoint/2010/main" xmlns:a16="http://schemas.microsoft.com/office/drawing/2014/main" xmlns="" w="9525">
                     <a:solidFill>
                       <a:srgbClr val="000000"/>
                     </a:solidFill>
@@ -21468,7 +21468,7 @@
               </a:ln>
               <a:extLst>
                 <a:ext uri="{91240B29-F687-4f45-9708-019B960494DF}">
-                  <a14:hiddenLine xmlns="" xmlns:a16="http://schemas.microsoft.com/office/drawing/2014/main" xmlns:p14="http://schemas.microsoft.com/office/powerpoint/2010/main" xmlns:a14="http://schemas.microsoft.com/office/drawing/2010/main" w="9525">
+                  <a14:hiddenLine xmlns:a14="http://schemas.microsoft.com/office/drawing/2010/main" xmlns:p14="http://schemas.microsoft.com/office/powerpoint/2010/main" xmlns:a16="http://schemas.microsoft.com/office/drawing/2014/main" xmlns="" w="9525">
                     <a:solidFill>
                       <a:srgbClr val="000000"/>
                     </a:solidFill>
@@ -21558,7 +21558,7 @@
               </a:ln>
               <a:extLst>
                 <a:ext uri="{91240B29-F687-4f45-9708-019B960494DF}">
-                  <a14:hiddenLine xmlns="" xmlns:a16="http://schemas.microsoft.com/office/drawing/2014/main" xmlns:p14="http://schemas.microsoft.com/office/powerpoint/2010/main" xmlns:a14="http://schemas.microsoft.com/office/drawing/2010/main" w="9525">
+                  <a14:hiddenLine xmlns:a14="http://schemas.microsoft.com/office/drawing/2010/main" xmlns:p14="http://schemas.microsoft.com/office/powerpoint/2010/main" xmlns:a16="http://schemas.microsoft.com/office/drawing/2014/main" xmlns="" w="9525">
                     <a:solidFill>
                       <a:srgbClr val="000000"/>
                     </a:solidFill>
@@ -21670,7 +21670,7 @@
               </a:ln>
               <a:extLst>
                 <a:ext uri="{91240B29-F687-4f45-9708-019B960494DF}">
-                  <a14:hiddenLine xmlns="" xmlns:a16="http://schemas.microsoft.com/office/drawing/2014/main" xmlns:p14="http://schemas.microsoft.com/office/powerpoint/2010/main" xmlns:a14="http://schemas.microsoft.com/office/drawing/2010/main" w="9525">
+                  <a14:hiddenLine xmlns:a14="http://schemas.microsoft.com/office/drawing/2010/main" xmlns:p14="http://schemas.microsoft.com/office/powerpoint/2010/main" xmlns:a16="http://schemas.microsoft.com/office/drawing/2014/main" xmlns="" w="9525">
                     <a:solidFill>
                       <a:srgbClr val="000000"/>
                     </a:solidFill>
@@ -21726,7 +21726,7 @@
               </a:ln>
               <a:extLst>
                 <a:ext uri="{91240B29-F687-4f45-9708-019B960494DF}">
-                  <a14:hiddenLine xmlns="" xmlns:a16="http://schemas.microsoft.com/office/drawing/2014/main" xmlns:p14="http://schemas.microsoft.com/office/powerpoint/2010/main" xmlns:a14="http://schemas.microsoft.com/office/drawing/2010/main" w="9525">
+                  <a14:hiddenLine xmlns:a14="http://schemas.microsoft.com/office/drawing/2010/main" xmlns:p14="http://schemas.microsoft.com/office/powerpoint/2010/main" xmlns:a16="http://schemas.microsoft.com/office/drawing/2014/main" xmlns="" w="9525">
                     <a:solidFill>
                       <a:srgbClr val="000000"/>
                     </a:solidFill>
@@ -21795,7 +21795,7 @@
           <a:noFill/>
           <a:extLst>
             <a:ext uri="{909E8E84-426E-40dd-AFC4-6F175D3DCCD1}">
-              <a14:hiddenFill xmlns="" xmlns:a16="http://schemas.microsoft.com/office/drawing/2014/main" xmlns:p14="http://schemas.microsoft.com/office/powerpoint/2010/main" xmlns:a14="http://schemas.microsoft.com/office/drawing/2010/main">
+              <a14:hiddenFill xmlns:a14="http://schemas.microsoft.com/office/drawing/2010/main" xmlns:p14="http://schemas.microsoft.com/office/powerpoint/2010/main" xmlns:a16="http://schemas.microsoft.com/office/drawing/2014/main" xmlns="">
                 <a:solidFill>
                   <a:srgbClr val="FFFFFF"/>
                 </a:solidFill>
@@ -21834,11 +21834,7 @@
           <a:p>
             <a:r>
               <a:rPr lang="en-GB" dirty="0"/>
-              <a:t>Synchronisation issues in </a:t>
-            </a:r>
-            <a:r>
-              <a:rPr lang="en-GB" dirty="0" err="1"/>
-              <a:t>oses</a:t>
+              <a:t>Synchronisation issues in os’s</a:t>
             </a:r>
             <a:endParaRPr lang="en-IE" dirty="0"/>
           </a:p>
@@ -22126,41 +22122,6 @@
       </p:grpSpPr>
       <p:sp>
         <p:nvSpPr>
-          <p:cNvPr id="2" name="Title 1">
-            <a:extLst>
-              <a:ext uri="{FF2B5EF4-FFF2-40B4-BE49-F238E27FC236}">
-                <a16:creationId xmlns:a16="http://schemas.microsoft.com/office/drawing/2014/main" id="{B636E749-81BD-06DC-7C01-0743F2A1D7B0}"/>
-              </a:ext>
-            </a:extLst>
-          </p:cNvPr>
-          <p:cNvSpPr>
-            <a:spLocks noGrp="1"/>
-          </p:cNvSpPr>
-          <p:nvPr>
-            <p:ph type="title"/>
-          </p:nvPr>
-        </p:nvSpPr>
-        <p:spPr/>
-        <p:txBody>
-          <a:bodyPr vert="horz" lIns="91440" tIns="45720" rIns="91440" bIns="45720" rtlCol="0" anchor="b">
-            <a:normAutofit/>
-          </a:bodyPr>
-          <a:lstStyle/>
-          <a:p>
-            <a:pPr algn="ctr"/>
-            <a:r>
-              <a:rPr lang="en-US" sz="4800" dirty="0">
-                <a:solidFill>
-                  <a:schemeClr val="bg1"/>
-                </a:solidFill>
-              </a:rPr>
-              <a:t>Mutex Locks </a:t>
-            </a:r>
-          </a:p>
-        </p:txBody>
-      </p:sp>
-      <p:sp>
-        <p:nvSpPr>
           <p:cNvPr id="3" name="Content Placeholder 2">
             <a:extLst>
               <a:ext uri="{FF2B5EF4-FFF2-40B4-BE49-F238E27FC236}">
@@ -22187,9 +22148,9 @@
               <a:buChar char="•"/>
             </a:pPr>
             <a:r>
-              <a:rPr lang="en-US" sz="2000" cap="all" dirty="0">
+              <a:rPr lang="en-US" sz="2200" dirty="0">
                 <a:solidFill>
-                  <a:schemeClr val="tx2"/>
+                  <a:srgbClr val="FFFFFF"/>
                 </a:solidFill>
               </a:rPr>
               <a:t>Locks work In pairs </a:t>
@@ -22201,9 +22162,9 @@
               <a:buChar char="•"/>
             </a:pPr>
             <a:r>
-              <a:rPr lang="en-US" sz="2000" cap="all" dirty="0">
+              <a:rPr lang="en-US" sz="2200" dirty="0">
                 <a:solidFill>
-                  <a:schemeClr val="tx2"/>
+                  <a:srgbClr val="FFFFFF"/>
                 </a:solidFill>
               </a:rPr>
               <a:t>Philosophers pick up on chopstick and lock then pick up other if free</a:t>
@@ -22215,9 +22176,9 @@
               <a:buChar char="•"/>
             </a:pPr>
             <a:r>
-              <a:rPr lang="en-US" sz="2000" cap="all" dirty="0">
+              <a:rPr lang="en-US" sz="2200" dirty="0">
                 <a:solidFill>
-                  <a:schemeClr val="tx2"/>
+                  <a:srgbClr val="FFFFFF"/>
                 </a:solidFill>
               </a:rPr>
               <a:t>Can lead to starvation if all pick up right chopstick at one time</a:t>
@@ -22229,9 +22190,9 @@
               <a:buChar char="•"/>
             </a:pPr>
             <a:r>
-              <a:rPr lang="en-US" sz="2000" cap="all" dirty="0">
+              <a:rPr lang="en-US" sz="2200" dirty="0">
                 <a:solidFill>
-                  <a:schemeClr val="tx2"/>
+                  <a:srgbClr val="FFFFFF"/>
                 </a:solidFill>
               </a:rPr>
               <a:t>Has lock method and unlock method </a:t>
@@ -22370,6 +22331,48 @@
           </a:p>
         </p:txBody>
       </p:sp>
+      <p:sp>
+        <p:nvSpPr>
+          <p:cNvPr id="7" name="Title 1">
+            <a:extLst>
+              <a:ext uri="{FF2B5EF4-FFF2-40B4-BE49-F238E27FC236}">
+                <a16:creationId xmlns:a16="http://schemas.microsoft.com/office/drawing/2014/main" id="{503C263D-70A0-F36A-A028-36539B315986}"/>
+              </a:ext>
+            </a:extLst>
+          </p:cNvPr>
+          <p:cNvSpPr>
+            <a:spLocks noGrp="1"/>
+          </p:cNvSpPr>
+          <p:nvPr>
+            <p:ph type="title"/>
+          </p:nvPr>
+        </p:nvSpPr>
+        <p:spPr>
+          <a:xfrm>
+            <a:off x="1141413" y="618518"/>
+            <a:ext cx="9905998" cy="1478570"/>
+          </a:xfrm>
+        </p:spPr>
+        <p:txBody>
+          <a:bodyPr/>
+          <a:lstStyle/>
+          <a:p>
+            <a:r>
+              <a:rPr lang="en-GB" dirty="0">
+                <a:solidFill>
+                  <a:schemeClr val="bg1"/>
+                </a:solidFill>
+              </a:rPr>
+              <a:t>MUTEX LOCKS</a:t>
+            </a:r>
+            <a:endParaRPr lang="en-IE" dirty="0">
+              <a:solidFill>
+                <a:schemeClr val="bg1"/>
+              </a:solidFill>
+            </a:endParaRPr>
+          </a:p>
+        </p:txBody>
+      </p:sp>
     </p:spTree>
     <p:extLst>
       <p:ext uri="{BB962C8B-B14F-4D97-AF65-F5344CB8AC3E}">
@@ -22380,98 +22383,6 @@
   <p:clrMapOvr>
     <a:masterClrMapping/>
   </p:clrMapOvr>
-  <p:timing>
-    <p:tnLst>
-      <p:par>
-        <p:cTn id="1" dur="indefinite" restart="never" nodeType="tmRoot">
-          <p:childTnLst>
-            <p:seq concurrent="1" nextAc="seek">
-              <p:cTn id="2" dur="indefinite" nodeType="mainSeq">
-                <p:childTnLst>
-                  <p:par>
-                    <p:cTn id="3" fill="hold">
-                      <p:stCondLst>
-                        <p:cond delay="indefinite"/>
-                        <p:cond evt="onBegin" delay="0">
-                          <p:tn val="2"/>
-                        </p:cond>
-                      </p:stCondLst>
-                      <p:childTnLst>
-                        <p:par>
-                          <p:cTn id="4" fill="hold">
-                            <p:stCondLst>
-                              <p:cond delay="0"/>
-                            </p:stCondLst>
-                            <p:childTnLst>
-                              <p:par>
-                                <p:cTn id="5" presetID="10" presetClass="entr" presetSubtype="0" fill="hold" grpId="0" nodeType="withEffect">
-                                  <p:stCondLst>
-                                    <p:cond delay="1000"/>
-                                  </p:stCondLst>
-                                  <p:iterate type="lt">
-                                    <p:tmPct val="10000"/>
-                                  </p:iterate>
-                                  <p:childTnLst>
-                                    <p:set>
-                                      <p:cBhvr>
-                                        <p:cTn id="6" dur="1" fill="hold">
-                                          <p:stCondLst>
-                                            <p:cond delay="0"/>
-                                          </p:stCondLst>
-                                        </p:cTn>
-                                        <p:tgtEl>
-                                          <p:spTgt spid="2"/>
-                                        </p:tgtEl>
-                                        <p:attrNameLst>
-                                          <p:attrName>style.visibility</p:attrName>
-                                        </p:attrNameLst>
-                                      </p:cBhvr>
-                                      <p:to>
-                                        <p:strVal val="visible"/>
-                                      </p:to>
-                                    </p:set>
-                                    <p:animEffect transition="in" filter="fade">
-                                      <p:cBhvr>
-                                        <p:cTn id="7" dur="400"/>
-                                        <p:tgtEl>
-                                          <p:spTgt spid="2"/>
-                                        </p:tgtEl>
-                                      </p:cBhvr>
-                                    </p:animEffect>
-                                  </p:childTnLst>
-                                </p:cTn>
-                              </p:par>
-                            </p:childTnLst>
-                          </p:cTn>
-                        </p:par>
-                      </p:childTnLst>
-                    </p:cTn>
-                  </p:par>
-                </p:childTnLst>
-              </p:cTn>
-              <p:prevCondLst>
-                <p:cond evt="onPrev" delay="0">
-                  <p:tgtEl>
-                    <p:sldTgt/>
-                  </p:tgtEl>
-                </p:cond>
-              </p:prevCondLst>
-              <p:nextCondLst>
-                <p:cond evt="onNext" delay="0">
-                  <p:tgtEl>
-                    <p:sldTgt/>
-                  </p:tgtEl>
-                </p:cond>
-              </p:nextCondLst>
-            </p:seq>
-          </p:childTnLst>
-        </p:cTn>
-      </p:par>
-    </p:tnLst>
-    <p:bldLst>
-      <p:bldP spid="2" grpId="0"/>
-    </p:bldLst>
-  </p:timing>
 </p:sld>
 </file>
 
@@ -23692,6 +23603,15 @@
 </file>
 
 <file path=customXml/item1.xml><?xml version="1.0" encoding="utf-8"?>
+<?mso-contentType ?>
+<FormTemplates xmlns="http://schemas.microsoft.com/sharepoint/v3/contenttype/forms">
+  <Display>DocumentLibraryForm</Display>
+  <Edit>DocumentLibraryForm</Edit>
+  <New>DocumentLibraryForm</New>
+</FormTemplates>
+</file>
+
+<file path=customXml/item2.xml><?xml version="1.0" encoding="utf-8"?>
 <ct:contentTypeSchema xmlns:ct="http://schemas.microsoft.com/office/2006/metadata/contentType" xmlns:ma="http://schemas.microsoft.com/office/2006/metadata/properties/metaAttributes" ct:_="" ma:_="" ma:contentTypeName="Document" ma:contentTypeID="0x0101000AB73EB492119943B3969339C4E6DE8B" ma:contentTypeVersion="11" ma:contentTypeDescription="Create a new document." ma:contentTypeScope="" ma:versionID="bc8fbbb2255098cbbace3e84ba9e3314">
   <xsd:schema xmlns:xsd="http://www.w3.org/2001/XMLSchema" xmlns:xs="http://www.w3.org/2001/XMLSchema" xmlns:p="http://schemas.microsoft.com/office/2006/metadata/properties" xmlns:ns3="2d182beb-936c-4a1e-8057-ffe191512bbb" xmlns:ns4="56334ec6-18e1-4e0d-8137-c57cc6a15c84" targetNamespace="http://schemas.microsoft.com/office/2006/metadata/properties" ma:root="true" ma:fieldsID="5f2134b7d5ca9c15cf8ebfa44ab89879" ns3:_="" ns4:_="">
     <xsd:import namespace="2d182beb-936c-4a1e-8057-ffe191512bbb"/>
@@ -23898,15 +23818,6 @@
 </ct:contentTypeSchema>
 </file>
 
-<file path=customXml/item2.xml><?xml version="1.0" encoding="utf-8"?>
-<?mso-contentType ?>
-<FormTemplates xmlns="http://schemas.microsoft.com/sharepoint/v3/contenttype/forms">
-  <Display>DocumentLibraryForm</Display>
-  <Edit>DocumentLibraryForm</Edit>
-  <New>DocumentLibraryForm</New>
-</FormTemplates>
-</file>
-
 <file path=customXml/item3.xml><?xml version="1.0" encoding="utf-8"?>
 <p:properties xmlns:p="http://schemas.microsoft.com/office/2006/metadata/properties" xmlns:xsi="http://www.w3.org/2001/XMLSchema-instance" xmlns:pc="http://schemas.microsoft.com/office/infopath/2007/PartnerControls">
   <documentManagement>
@@ -23916,6 +23827,14 @@
 </file>
 
 <file path=customXml/itemProps1.xml><?xml version="1.0" encoding="utf-8"?>
+<ds:datastoreItem xmlns:ds="http://schemas.openxmlformats.org/officeDocument/2006/customXml" ds:itemID="{B91A22D7-1472-4FF2-8175-3C34A5B5F515}">
+  <ds:schemaRefs>
+    <ds:schemaRef ds:uri="http://schemas.microsoft.com/sharepoint/v3/contenttype/forms"/>
+  </ds:schemaRefs>
+</ds:datastoreItem>
+</file>
+
+<file path=customXml/itemProps2.xml><?xml version="1.0" encoding="utf-8"?>
 <ds:datastoreItem xmlns:ds="http://schemas.openxmlformats.org/officeDocument/2006/customXml" ds:itemID="{DEB0BBC4-07CC-42F3-954A-3D3D93489FC0}">
   <ds:schemaRefs>
     <ds:schemaRef ds:uri="http://schemas.microsoft.com/office/2006/metadata/contentType"/>
@@ -23930,14 +23849,6 @@
     <ds:schemaRef ds:uri="http://purl.org/dc/elements/1.1/"/>
     <ds:schemaRef ds:uri="http://purl.org/dc/terms/"/>
     <ds:schemaRef ds:uri="http://schemas.microsoft.com/internal/obd"/>
-  </ds:schemaRefs>
-</ds:datastoreItem>
-</file>
-
-<file path=customXml/itemProps2.xml><?xml version="1.0" encoding="utf-8"?>
-<ds:datastoreItem xmlns:ds="http://schemas.openxmlformats.org/officeDocument/2006/customXml" ds:itemID="{B91A22D7-1472-4FF2-8175-3C34A5B5F515}">
-  <ds:schemaRefs>
-    <ds:schemaRef ds:uri="http://schemas.microsoft.com/sharepoint/v3/contenttype/forms"/>
   </ds:schemaRefs>
 </ds:datastoreItem>
 </file>
